--- a/project/repeataly_presentation_final.pptx
+++ b/project/repeataly_presentation_final.pptx
@@ -5,17 +5,18 @@
     <p:sldMasterId id="2147483648" r:id="rId1"/>
   </p:sldMasterIdLst>
   <p:notesMasterIdLst>
-    <p:notesMasterId r:id="rId10"/>
+    <p:notesMasterId r:id="rId11"/>
   </p:notesMasterIdLst>
   <p:sldIdLst>
     <p:sldId id="256" r:id="rId2"/>
     <p:sldId id="260" r:id="rId3"/>
     <p:sldId id="262" r:id="rId4"/>
     <p:sldId id="263" r:id="rId5"/>
-    <p:sldId id="261" r:id="rId6"/>
-    <p:sldId id="258" r:id="rId7"/>
-    <p:sldId id="264" r:id="rId8"/>
-    <p:sldId id="265" r:id="rId9"/>
+    <p:sldId id="266" r:id="rId6"/>
+    <p:sldId id="261" r:id="rId7"/>
+    <p:sldId id="258" r:id="rId8"/>
+    <p:sldId id="264" r:id="rId9"/>
+    <p:sldId id="265" r:id="rId10"/>
   </p:sldIdLst>
   <p:sldSz cx="12192000" cy="6858000"/>
   <p:notesSz cx="6858000" cy="9144000"/>
@@ -5492,6 +5493,757 @@
 </file>
 
 <file path=ppt/diagrams/colors8.xml><?xml version="1.0" encoding="utf-8"?>
+<dgm:colorsDef xmlns:dgm="http://schemas.openxmlformats.org/drawingml/2006/diagram" xmlns:a="http://schemas.openxmlformats.org/drawingml/2006/main" uniqueId="urn:microsoft.com/office/officeart/2005/8/colors/accent0_3">
+  <dgm:title val=""/>
+  <dgm:desc val=""/>
+  <dgm:catLst>
+    <dgm:cat type="mainScheme" pri="10300"/>
+  </dgm:catLst>
+  <dgm:styleLbl name="node0">
+    <dgm:fillClrLst meth="repeat">
+      <a:schemeClr val="dk2"/>
+    </dgm:fillClrLst>
+    <dgm:linClrLst meth="repeat">
+      <a:schemeClr val="lt2"/>
+    </dgm:linClrLst>
+    <dgm:effectClrLst/>
+    <dgm:txLinClrLst/>
+    <dgm:txFillClrLst/>
+    <dgm:txEffectClrLst/>
+  </dgm:styleLbl>
+  <dgm:styleLbl name="alignNode1">
+    <dgm:fillClrLst meth="repeat">
+      <a:schemeClr val="dk2"/>
+    </dgm:fillClrLst>
+    <dgm:linClrLst meth="repeat">
+      <a:schemeClr val="dk2"/>
+    </dgm:linClrLst>
+    <dgm:effectClrLst/>
+    <dgm:txLinClrLst/>
+    <dgm:txFillClrLst/>
+    <dgm:txEffectClrLst/>
+  </dgm:styleLbl>
+  <dgm:styleLbl name="node1">
+    <dgm:fillClrLst meth="repeat">
+      <a:schemeClr val="dk2"/>
+    </dgm:fillClrLst>
+    <dgm:linClrLst meth="repeat">
+      <a:schemeClr val="lt2"/>
+    </dgm:linClrLst>
+    <dgm:effectClrLst/>
+    <dgm:txLinClrLst/>
+    <dgm:txFillClrLst/>
+    <dgm:txEffectClrLst/>
+  </dgm:styleLbl>
+  <dgm:styleLbl name="lnNode1">
+    <dgm:fillClrLst meth="repeat">
+      <a:schemeClr val="dk2"/>
+    </dgm:fillClrLst>
+    <dgm:linClrLst meth="repeat">
+      <a:schemeClr val="lt2"/>
+    </dgm:linClrLst>
+    <dgm:effectClrLst/>
+    <dgm:txLinClrLst/>
+    <dgm:txFillClrLst/>
+    <dgm:txEffectClrLst/>
+  </dgm:styleLbl>
+  <dgm:styleLbl name="vennNode1">
+    <dgm:fillClrLst meth="repeat">
+      <a:schemeClr val="dk2">
+        <a:alpha val="50000"/>
+      </a:schemeClr>
+    </dgm:fillClrLst>
+    <dgm:linClrLst meth="repeat">
+      <a:schemeClr val="lt2"/>
+    </dgm:linClrLst>
+    <dgm:effectClrLst/>
+    <dgm:txLinClrLst/>
+    <dgm:txFillClrLst/>
+    <dgm:txEffectClrLst/>
+  </dgm:styleLbl>
+  <dgm:styleLbl name="node2">
+    <dgm:fillClrLst meth="repeat">
+      <a:schemeClr val="dk2"/>
+    </dgm:fillClrLst>
+    <dgm:linClrLst meth="repeat">
+      <a:schemeClr val="lt2"/>
+    </dgm:linClrLst>
+    <dgm:effectClrLst/>
+    <dgm:txLinClrLst/>
+    <dgm:txFillClrLst/>
+    <dgm:txEffectClrLst/>
+  </dgm:styleLbl>
+  <dgm:styleLbl name="node3">
+    <dgm:fillClrLst meth="repeat">
+      <a:schemeClr val="dk2"/>
+    </dgm:fillClrLst>
+    <dgm:linClrLst meth="repeat">
+      <a:schemeClr val="lt2"/>
+    </dgm:linClrLst>
+    <dgm:effectClrLst/>
+    <dgm:txLinClrLst/>
+    <dgm:txFillClrLst/>
+    <dgm:txEffectClrLst/>
+  </dgm:styleLbl>
+  <dgm:styleLbl name="node4">
+    <dgm:fillClrLst meth="repeat">
+      <a:schemeClr val="dk2"/>
+    </dgm:fillClrLst>
+    <dgm:linClrLst meth="repeat">
+      <a:schemeClr val="lt2"/>
+    </dgm:linClrLst>
+    <dgm:effectClrLst/>
+    <dgm:txLinClrLst/>
+    <dgm:txFillClrLst/>
+    <dgm:txEffectClrLst/>
+  </dgm:styleLbl>
+  <dgm:styleLbl name="fgImgPlace1">
+    <dgm:fillClrLst meth="repeat">
+      <a:schemeClr val="dk2">
+        <a:tint val="50000"/>
+      </a:schemeClr>
+    </dgm:fillClrLst>
+    <dgm:linClrLst meth="repeat">
+      <a:schemeClr val="lt2"/>
+    </dgm:linClrLst>
+    <dgm:effectClrLst/>
+    <dgm:txLinClrLst/>
+    <dgm:txFillClrLst meth="repeat">
+      <a:schemeClr val="lt2"/>
+    </dgm:txFillClrLst>
+    <dgm:txEffectClrLst/>
+  </dgm:styleLbl>
+  <dgm:styleLbl name="alignImgPlace1">
+    <dgm:fillClrLst meth="repeat">
+      <a:schemeClr val="dk2">
+        <a:tint val="50000"/>
+      </a:schemeClr>
+    </dgm:fillClrLst>
+    <dgm:linClrLst meth="repeat">
+      <a:schemeClr val="dk2">
+        <a:shade val="80000"/>
+      </a:schemeClr>
+    </dgm:linClrLst>
+    <dgm:effectClrLst/>
+    <dgm:txLinClrLst/>
+    <dgm:txFillClrLst meth="repeat">
+      <a:schemeClr val="lt2"/>
+    </dgm:txFillClrLst>
+    <dgm:txEffectClrLst/>
+  </dgm:styleLbl>
+  <dgm:styleLbl name="bgImgPlace1">
+    <dgm:fillClrLst meth="repeat">
+      <a:schemeClr val="dk2">
+        <a:tint val="50000"/>
+      </a:schemeClr>
+    </dgm:fillClrLst>
+    <dgm:linClrLst meth="repeat">
+      <a:schemeClr val="dk2">
+        <a:shade val="80000"/>
+      </a:schemeClr>
+    </dgm:linClrLst>
+    <dgm:effectClrLst/>
+    <dgm:txLinClrLst/>
+    <dgm:txFillClrLst meth="repeat">
+      <a:schemeClr val="lt2"/>
+    </dgm:txFillClrLst>
+    <dgm:txEffectClrLst/>
+  </dgm:styleLbl>
+  <dgm:styleLbl name="sibTrans2D1">
+    <dgm:fillClrLst meth="repeat">
+      <a:schemeClr val="dk2">
+        <a:tint val="60000"/>
+      </a:schemeClr>
+    </dgm:fillClrLst>
+    <dgm:linClrLst meth="repeat">
+      <a:schemeClr val="dk2">
+        <a:tint val="60000"/>
+      </a:schemeClr>
+    </dgm:linClrLst>
+    <dgm:effectClrLst/>
+    <dgm:txLinClrLst/>
+    <dgm:txFillClrLst/>
+    <dgm:txEffectClrLst/>
+  </dgm:styleLbl>
+  <dgm:styleLbl name="fgSibTrans2D1">
+    <dgm:fillClrLst meth="repeat">
+      <a:schemeClr val="dk2">
+        <a:tint val="60000"/>
+      </a:schemeClr>
+    </dgm:fillClrLst>
+    <dgm:linClrLst meth="repeat">
+      <a:schemeClr val="dk2">
+        <a:tint val="60000"/>
+      </a:schemeClr>
+    </dgm:linClrLst>
+    <dgm:effectClrLst/>
+    <dgm:txLinClrLst/>
+    <dgm:txFillClrLst/>
+    <dgm:txEffectClrLst/>
+  </dgm:styleLbl>
+  <dgm:styleLbl name="bgSibTrans2D1">
+    <dgm:fillClrLst meth="repeat">
+      <a:schemeClr val="dk2">
+        <a:tint val="60000"/>
+      </a:schemeClr>
+    </dgm:fillClrLst>
+    <dgm:linClrLst meth="repeat">
+      <a:schemeClr val="dk2">
+        <a:tint val="60000"/>
+      </a:schemeClr>
+    </dgm:linClrLst>
+    <dgm:effectClrLst/>
+    <dgm:txLinClrLst/>
+    <dgm:txFillClrLst/>
+    <dgm:txEffectClrLst/>
+  </dgm:styleLbl>
+  <dgm:styleLbl name="sibTrans1D1">
+    <dgm:fillClrLst meth="repeat">
+      <a:schemeClr val="dk2"/>
+    </dgm:fillClrLst>
+    <dgm:linClrLst meth="repeat">
+      <a:schemeClr val="dk2"/>
+    </dgm:linClrLst>
+    <dgm:effectClrLst/>
+    <dgm:txLinClrLst/>
+    <dgm:txFillClrLst meth="repeat">
+      <a:schemeClr val="lt2"/>
+    </dgm:txFillClrLst>
+    <dgm:txEffectClrLst/>
+  </dgm:styleLbl>
+  <dgm:styleLbl name="callout">
+    <dgm:fillClrLst meth="repeat">
+      <a:schemeClr val="dk2"/>
+    </dgm:fillClrLst>
+    <dgm:linClrLst meth="repeat">
+      <a:schemeClr val="dk2">
+        <a:tint val="50000"/>
+      </a:schemeClr>
+    </dgm:linClrLst>
+    <dgm:effectClrLst/>
+    <dgm:txLinClrLst/>
+    <dgm:txFillClrLst meth="repeat">
+      <a:schemeClr val="lt2"/>
+    </dgm:txFillClrLst>
+    <dgm:txEffectClrLst/>
+  </dgm:styleLbl>
+  <dgm:styleLbl name="asst0">
+    <dgm:fillClrLst meth="repeat">
+      <a:schemeClr val="dk2"/>
+    </dgm:fillClrLst>
+    <dgm:linClrLst meth="repeat">
+      <a:schemeClr val="lt2"/>
+    </dgm:linClrLst>
+    <dgm:effectClrLst/>
+    <dgm:txLinClrLst/>
+    <dgm:txFillClrLst/>
+    <dgm:txEffectClrLst/>
+  </dgm:styleLbl>
+  <dgm:styleLbl name="asst1">
+    <dgm:fillClrLst meth="repeat">
+      <a:schemeClr val="dk2"/>
+    </dgm:fillClrLst>
+    <dgm:linClrLst meth="repeat">
+      <a:schemeClr val="lt2"/>
+    </dgm:linClrLst>
+    <dgm:effectClrLst/>
+    <dgm:txLinClrLst/>
+    <dgm:txFillClrLst/>
+    <dgm:txEffectClrLst/>
+  </dgm:styleLbl>
+  <dgm:styleLbl name="asst2">
+    <dgm:fillClrLst meth="repeat">
+      <a:schemeClr val="dk2"/>
+    </dgm:fillClrLst>
+    <dgm:linClrLst meth="repeat">
+      <a:schemeClr val="lt2"/>
+    </dgm:linClrLst>
+    <dgm:effectClrLst/>
+    <dgm:txLinClrLst/>
+    <dgm:txFillClrLst/>
+    <dgm:txEffectClrLst/>
+  </dgm:styleLbl>
+  <dgm:styleLbl name="asst3">
+    <dgm:fillClrLst meth="repeat">
+      <a:schemeClr val="dk2"/>
+    </dgm:fillClrLst>
+    <dgm:linClrLst meth="repeat">
+      <a:schemeClr val="lt2"/>
+    </dgm:linClrLst>
+    <dgm:effectClrLst/>
+    <dgm:txLinClrLst/>
+    <dgm:txFillClrLst/>
+    <dgm:txEffectClrLst/>
+  </dgm:styleLbl>
+  <dgm:styleLbl name="asst4">
+    <dgm:fillClrLst meth="repeat">
+      <a:schemeClr val="dk2"/>
+    </dgm:fillClrLst>
+    <dgm:linClrLst meth="repeat">
+      <a:schemeClr val="lt2"/>
+    </dgm:linClrLst>
+    <dgm:effectClrLst/>
+    <dgm:txLinClrLst/>
+    <dgm:txFillClrLst/>
+    <dgm:txEffectClrLst/>
+  </dgm:styleLbl>
+  <dgm:styleLbl name="parChTrans2D1">
+    <dgm:fillClrLst meth="repeat">
+      <a:schemeClr val="dk2">
+        <a:tint val="60000"/>
+      </a:schemeClr>
+    </dgm:fillClrLst>
+    <dgm:linClrLst meth="repeat">
+      <a:schemeClr val="dk2">
+        <a:tint val="60000"/>
+      </a:schemeClr>
+    </dgm:linClrLst>
+    <dgm:effectClrLst/>
+    <dgm:txLinClrLst/>
+    <dgm:txFillClrLst meth="repeat">
+      <a:schemeClr val="lt2"/>
+    </dgm:txFillClrLst>
+    <dgm:txEffectClrLst/>
+  </dgm:styleLbl>
+  <dgm:styleLbl name="parChTrans2D2">
+    <dgm:fillClrLst meth="repeat">
+      <a:schemeClr val="dk2"/>
+    </dgm:fillClrLst>
+    <dgm:linClrLst meth="repeat">
+      <a:schemeClr val="dk2"/>
+    </dgm:linClrLst>
+    <dgm:effectClrLst/>
+    <dgm:txLinClrLst/>
+    <dgm:txFillClrLst meth="repeat">
+      <a:schemeClr val="lt2"/>
+    </dgm:txFillClrLst>
+    <dgm:txEffectClrLst/>
+  </dgm:styleLbl>
+  <dgm:styleLbl name="parChTrans2D3">
+    <dgm:fillClrLst meth="repeat">
+      <a:schemeClr val="dk2"/>
+    </dgm:fillClrLst>
+    <dgm:linClrLst meth="repeat">
+      <a:schemeClr val="dk2"/>
+    </dgm:linClrLst>
+    <dgm:effectClrLst/>
+    <dgm:txLinClrLst/>
+    <dgm:txFillClrLst meth="repeat">
+      <a:schemeClr val="lt2"/>
+    </dgm:txFillClrLst>
+    <dgm:txEffectClrLst/>
+  </dgm:styleLbl>
+  <dgm:styleLbl name="parChTrans2D4">
+    <dgm:fillClrLst meth="repeat">
+      <a:schemeClr val="dk2"/>
+    </dgm:fillClrLst>
+    <dgm:linClrLst meth="repeat">
+      <a:schemeClr val="dk2"/>
+    </dgm:linClrLst>
+    <dgm:effectClrLst/>
+    <dgm:txLinClrLst/>
+    <dgm:txFillClrLst meth="repeat">
+      <a:schemeClr val="lt2"/>
+    </dgm:txFillClrLst>
+    <dgm:txEffectClrLst/>
+  </dgm:styleLbl>
+  <dgm:styleLbl name="parChTrans1D1">
+    <dgm:fillClrLst meth="repeat">
+      <a:schemeClr val="dk2"/>
+    </dgm:fillClrLst>
+    <dgm:linClrLst meth="repeat">
+      <a:schemeClr val="dk2">
+        <a:shade val="60000"/>
+      </a:schemeClr>
+    </dgm:linClrLst>
+    <dgm:effectClrLst/>
+    <dgm:txLinClrLst/>
+    <dgm:txFillClrLst meth="repeat">
+      <a:schemeClr val="tx1"/>
+    </dgm:txFillClrLst>
+    <dgm:txEffectClrLst/>
+  </dgm:styleLbl>
+  <dgm:styleLbl name="parChTrans1D2">
+    <dgm:fillClrLst meth="repeat">
+      <a:schemeClr val="dk2"/>
+    </dgm:fillClrLst>
+    <dgm:linClrLst meth="repeat">
+      <a:schemeClr val="dk2">
+        <a:shade val="60000"/>
+      </a:schemeClr>
+    </dgm:linClrLst>
+    <dgm:effectClrLst/>
+    <dgm:txLinClrLst/>
+    <dgm:txFillClrLst meth="repeat">
+      <a:schemeClr val="tx1"/>
+    </dgm:txFillClrLst>
+    <dgm:txEffectClrLst/>
+  </dgm:styleLbl>
+  <dgm:styleLbl name="parChTrans1D3">
+    <dgm:fillClrLst meth="repeat">
+      <a:schemeClr val="dk2"/>
+    </dgm:fillClrLst>
+    <dgm:linClrLst meth="repeat">
+      <a:schemeClr val="dk2">
+        <a:shade val="80000"/>
+      </a:schemeClr>
+    </dgm:linClrLst>
+    <dgm:effectClrLst/>
+    <dgm:txLinClrLst/>
+    <dgm:txFillClrLst meth="repeat">
+      <a:schemeClr val="tx1"/>
+    </dgm:txFillClrLst>
+    <dgm:txEffectClrLst/>
+  </dgm:styleLbl>
+  <dgm:styleLbl name="parChTrans1D4">
+    <dgm:fillClrLst meth="repeat">
+      <a:schemeClr val="dk2"/>
+    </dgm:fillClrLst>
+    <dgm:linClrLst meth="repeat">
+      <a:schemeClr val="dk2">
+        <a:shade val="80000"/>
+      </a:schemeClr>
+    </dgm:linClrLst>
+    <dgm:effectClrLst/>
+    <dgm:txLinClrLst/>
+    <dgm:txFillClrLst meth="repeat">
+      <a:schemeClr val="tx1"/>
+    </dgm:txFillClrLst>
+    <dgm:txEffectClrLst/>
+  </dgm:styleLbl>
+  <dgm:styleLbl name="fgAcc1">
+    <dgm:fillClrLst meth="repeat">
+      <a:schemeClr val="lt2">
+        <a:alpha val="90000"/>
+      </a:schemeClr>
+    </dgm:fillClrLst>
+    <dgm:linClrLst meth="repeat">
+      <a:schemeClr val="dk2"/>
+    </dgm:linClrLst>
+    <dgm:effectClrLst/>
+    <dgm:txLinClrLst/>
+    <dgm:txFillClrLst meth="repeat">
+      <a:schemeClr val="dk1"/>
+    </dgm:txFillClrLst>
+    <dgm:txEffectClrLst/>
+  </dgm:styleLbl>
+  <dgm:styleLbl name="conFgAcc1">
+    <dgm:fillClrLst meth="repeat">
+      <a:schemeClr val="lt2">
+        <a:alpha val="90000"/>
+      </a:schemeClr>
+    </dgm:fillClrLst>
+    <dgm:linClrLst meth="repeat">
+      <a:schemeClr val="dk2"/>
+    </dgm:linClrLst>
+    <dgm:effectClrLst/>
+    <dgm:txLinClrLst/>
+    <dgm:txFillClrLst meth="repeat">
+      <a:schemeClr val="dk1"/>
+    </dgm:txFillClrLst>
+    <dgm:txEffectClrLst/>
+  </dgm:styleLbl>
+  <dgm:styleLbl name="alignAcc1">
+    <dgm:fillClrLst meth="repeat">
+      <a:schemeClr val="lt2">
+        <a:alpha val="90000"/>
+      </a:schemeClr>
+    </dgm:fillClrLst>
+    <dgm:linClrLst meth="repeat">
+      <a:schemeClr val="dk2"/>
+    </dgm:linClrLst>
+    <dgm:effectClrLst/>
+    <dgm:txLinClrLst/>
+    <dgm:txFillClrLst meth="repeat">
+      <a:schemeClr val="dk1"/>
+    </dgm:txFillClrLst>
+    <dgm:txEffectClrLst/>
+  </dgm:styleLbl>
+  <dgm:styleLbl name="trAlignAcc1">
+    <dgm:fillClrLst meth="repeat">
+      <a:schemeClr val="lt2">
+        <a:alpha val="40000"/>
+      </a:schemeClr>
+    </dgm:fillClrLst>
+    <dgm:linClrLst meth="repeat">
+      <a:schemeClr val="dk2"/>
+    </dgm:linClrLst>
+    <dgm:effectClrLst/>
+    <dgm:txLinClrLst/>
+    <dgm:txFillClrLst meth="repeat">
+      <a:schemeClr val="dk1"/>
+    </dgm:txFillClrLst>
+    <dgm:txEffectClrLst/>
+  </dgm:styleLbl>
+  <dgm:styleLbl name="bgAcc1">
+    <dgm:fillClrLst meth="repeat">
+      <a:schemeClr val="lt2">
+        <a:alpha val="90000"/>
+      </a:schemeClr>
+    </dgm:fillClrLst>
+    <dgm:linClrLst meth="repeat">
+      <a:schemeClr val="dk2"/>
+    </dgm:linClrLst>
+    <dgm:effectClrLst/>
+    <dgm:txLinClrLst/>
+    <dgm:txFillClrLst meth="repeat">
+      <a:schemeClr val="dk1"/>
+    </dgm:txFillClrLst>
+    <dgm:txEffectClrLst/>
+  </dgm:styleLbl>
+  <dgm:styleLbl name="solidFgAcc1">
+    <dgm:fillClrLst meth="repeat">
+      <a:schemeClr val="lt2"/>
+    </dgm:fillClrLst>
+    <dgm:linClrLst meth="repeat">
+      <a:schemeClr val="dk2"/>
+    </dgm:linClrLst>
+    <dgm:effectClrLst/>
+    <dgm:txLinClrLst/>
+    <dgm:txFillClrLst meth="repeat">
+      <a:schemeClr val="dk1"/>
+    </dgm:txFillClrLst>
+    <dgm:txEffectClrLst/>
+  </dgm:styleLbl>
+  <dgm:styleLbl name="solidAlignAcc1">
+    <dgm:fillClrLst meth="repeat">
+      <a:schemeClr val="lt2"/>
+    </dgm:fillClrLst>
+    <dgm:linClrLst meth="repeat">
+      <a:schemeClr val="dk2"/>
+    </dgm:linClrLst>
+    <dgm:effectClrLst/>
+    <dgm:txLinClrLst/>
+    <dgm:txFillClrLst meth="repeat">
+      <a:schemeClr val="dk1"/>
+    </dgm:txFillClrLst>
+    <dgm:txEffectClrLst/>
+  </dgm:styleLbl>
+  <dgm:styleLbl name="solidBgAcc1">
+    <dgm:fillClrLst meth="repeat">
+      <a:schemeClr val="lt2"/>
+    </dgm:fillClrLst>
+    <dgm:linClrLst meth="repeat">
+      <a:schemeClr val="dk2"/>
+    </dgm:linClrLst>
+    <dgm:effectClrLst/>
+    <dgm:txLinClrLst/>
+    <dgm:txFillClrLst meth="repeat">
+      <a:schemeClr val="dk1"/>
+    </dgm:txFillClrLst>
+    <dgm:txEffectClrLst/>
+  </dgm:styleLbl>
+  <dgm:styleLbl name="fgAccFollowNode1">
+    <dgm:fillClrLst meth="repeat">
+      <a:schemeClr val="dk2">
+        <a:alpha val="90000"/>
+        <a:tint val="40000"/>
+      </a:schemeClr>
+    </dgm:fillClrLst>
+    <dgm:linClrLst meth="repeat">
+      <a:schemeClr val="dk2">
+        <a:alpha val="90000"/>
+        <a:tint val="40000"/>
+      </a:schemeClr>
+    </dgm:linClrLst>
+    <dgm:effectClrLst/>
+    <dgm:txLinClrLst/>
+    <dgm:txFillClrLst meth="repeat">
+      <a:schemeClr val="dk1"/>
+    </dgm:txFillClrLst>
+    <dgm:txEffectClrLst/>
+  </dgm:styleLbl>
+  <dgm:styleLbl name="alignAccFollowNode1">
+    <dgm:fillClrLst meth="repeat">
+      <a:schemeClr val="dk2">
+        <a:alpha val="90000"/>
+        <a:tint val="40000"/>
+      </a:schemeClr>
+    </dgm:fillClrLst>
+    <dgm:linClrLst meth="repeat">
+      <a:schemeClr val="dk2">
+        <a:alpha val="90000"/>
+        <a:tint val="40000"/>
+      </a:schemeClr>
+    </dgm:linClrLst>
+    <dgm:effectClrLst/>
+    <dgm:txLinClrLst/>
+    <dgm:txFillClrLst meth="repeat">
+      <a:schemeClr val="dk1"/>
+    </dgm:txFillClrLst>
+    <dgm:txEffectClrLst/>
+  </dgm:styleLbl>
+  <dgm:styleLbl name="bgAccFollowNode1">
+    <dgm:fillClrLst meth="repeat">
+      <a:schemeClr val="dk2">
+        <a:alpha val="90000"/>
+        <a:tint val="40000"/>
+      </a:schemeClr>
+    </dgm:fillClrLst>
+    <dgm:linClrLst meth="repeat">
+      <a:schemeClr val="dk2">
+        <a:alpha val="90000"/>
+        <a:tint val="40000"/>
+      </a:schemeClr>
+    </dgm:linClrLst>
+    <dgm:effectClrLst/>
+    <dgm:txLinClrLst/>
+    <dgm:txFillClrLst meth="repeat">
+      <a:schemeClr val="dk1"/>
+    </dgm:txFillClrLst>
+    <dgm:txEffectClrLst/>
+  </dgm:styleLbl>
+  <dgm:styleLbl name="fgAcc0">
+    <dgm:fillClrLst meth="repeat">
+      <a:schemeClr val="lt2">
+        <a:alpha val="90000"/>
+      </a:schemeClr>
+    </dgm:fillClrLst>
+    <dgm:linClrLst meth="repeat">
+      <a:schemeClr val="dk2"/>
+    </dgm:linClrLst>
+    <dgm:effectClrLst/>
+    <dgm:txLinClrLst/>
+    <dgm:txFillClrLst meth="repeat">
+      <a:schemeClr val="dk1"/>
+    </dgm:txFillClrLst>
+    <dgm:txEffectClrLst/>
+  </dgm:styleLbl>
+  <dgm:styleLbl name="fgAcc2">
+    <dgm:fillClrLst meth="repeat">
+      <a:schemeClr val="lt2">
+        <a:alpha val="90000"/>
+      </a:schemeClr>
+    </dgm:fillClrLst>
+    <dgm:linClrLst meth="repeat">
+      <a:schemeClr val="dk2"/>
+    </dgm:linClrLst>
+    <dgm:effectClrLst/>
+    <dgm:txLinClrLst/>
+    <dgm:txFillClrLst meth="repeat">
+      <a:schemeClr val="dk1"/>
+    </dgm:txFillClrLst>
+    <dgm:txEffectClrLst/>
+  </dgm:styleLbl>
+  <dgm:styleLbl name="fgAcc3">
+    <dgm:fillClrLst meth="repeat">
+      <a:schemeClr val="lt2">
+        <a:alpha val="90000"/>
+      </a:schemeClr>
+    </dgm:fillClrLst>
+    <dgm:linClrLst meth="repeat">
+      <a:schemeClr val="dk2"/>
+    </dgm:linClrLst>
+    <dgm:effectClrLst/>
+    <dgm:txLinClrLst/>
+    <dgm:txFillClrLst meth="repeat">
+      <a:schemeClr val="dk1"/>
+    </dgm:txFillClrLst>
+    <dgm:txEffectClrLst/>
+  </dgm:styleLbl>
+  <dgm:styleLbl name="fgAcc4">
+    <dgm:fillClrLst meth="repeat">
+      <a:schemeClr val="lt2">
+        <a:alpha val="90000"/>
+      </a:schemeClr>
+    </dgm:fillClrLst>
+    <dgm:linClrLst meth="repeat">
+      <a:schemeClr val="dk2"/>
+    </dgm:linClrLst>
+    <dgm:effectClrLst/>
+    <dgm:txLinClrLst/>
+    <dgm:txFillClrLst meth="repeat">
+      <a:schemeClr val="dk1"/>
+    </dgm:txFillClrLst>
+    <dgm:txEffectClrLst/>
+  </dgm:styleLbl>
+  <dgm:styleLbl name="bgShp">
+    <dgm:fillClrLst meth="repeat">
+      <a:schemeClr val="dk2">
+        <a:tint val="40000"/>
+      </a:schemeClr>
+    </dgm:fillClrLst>
+    <dgm:linClrLst meth="repeat">
+      <a:schemeClr val="dk2"/>
+    </dgm:linClrLst>
+    <dgm:effectClrLst/>
+    <dgm:txLinClrLst/>
+    <dgm:txFillClrLst meth="repeat">
+      <a:schemeClr val="dk1"/>
+    </dgm:txFillClrLst>
+    <dgm:txEffectClrLst/>
+  </dgm:styleLbl>
+  <dgm:styleLbl name="dkBgShp">
+    <dgm:fillClrLst meth="repeat">
+      <a:schemeClr val="dk2">
+        <a:shade val="80000"/>
+      </a:schemeClr>
+    </dgm:fillClrLst>
+    <dgm:linClrLst meth="repeat">
+      <a:schemeClr val="dk2"/>
+    </dgm:linClrLst>
+    <dgm:effectClrLst/>
+    <dgm:txLinClrLst/>
+    <dgm:txFillClrLst meth="repeat">
+      <a:schemeClr val="lt1"/>
+    </dgm:txFillClrLst>
+    <dgm:txEffectClrLst/>
+  </dgm:styleLbl>
+  <dgm:styleLbl name="trBgShp">
+    <dgm:fillClrLst meth="repeat">
+      <a:schemeClr val="dk2">
+        <a:tint val="50000"/>
+        <a:alpha val="40000"/>
+      </a:schemeClr>
+    </dgm:fillClrLst>
+    <dgm:linClrLst meth="repeat">
+      <a:schemeClr val="dk2"/>
+    </dgm:linClrLst>
+    <dgm:effectClrLst/>
+    <dgm:txLinClrLst/>
+    <dgm:txFillClrLst meth="repeat">
+      <a:schemeClr val="lt1"/>
+    </dgm:txFillClrLst>
+    <dgm:txEffectClrLst/>
+  </dgm:styleLbl>
+  <dgm:styleLbl name="fgShp">
+    <dgm:fillClrLst meth="repeat">
+      <a:schemeClr val="dk2">
+        <a:tint val="60000"/>
+      </a:schemeClr>
+    </dgm:fillClrLst>
+    <dgm:linClrLst meth="repeat">
+      <a:schemeClr val="lt2"/>
+    </dgm:linClrLst>
+    <dgm:effectClrLst/>
+    <dgm:txLinClrLst/>
+    <dgm:txFillClrLst meth="repeat">
+      <a:schemeClr val="dk1"/>
+    </dgm:txFillClrLst>
+    <dgm:txEffectClrLst/>
+  </dgm:styleLbl>
+  <dgm:styleLbl name="revTx">
+    <dgm:fillClrLst meth="repeat">
+      <a:schemeClr val="lt2">
+        <a:alpha val="0"/>
+      </a:schemeClr>
+    </dgm:fillClrLst>
+    <dgm:linClrLst meth="repeat">
+      <a:schemeClr val="dk1">
+        <a:alpha val="0"/>
+      </a:schemeClr>
+    </dgm:linClrLst>
+    <dgm:effectClrLst/>
+    <dgm:txLinClrLst/>
+    <dgm:txFillClrLst meth="repeat">
+      <a:schemeClr val="tx1"/>
+    </dgm:txFillClrLst>
+    <dgm:txEffectClrLst/>
+  </dgm:styleLbl>
+</dgm:colorsDef>
+</file>
+
+<file path=ppt/diagrams/colors9.xml><?xml version="1.0" encoding="utf-8"?>
 <dgm:colorsDef xmlns:dgm="http://schemas.openxmlformats.org/drawingml/2006/diagram" xmlns:a="http://schemas.openxmlformats.org/drawingml/2006/main" uniqueId="urn:microsoft.com/office/officeart/2005/8/colors/accent0_3">
   <dgm:title val=""/>
   <dgm:desc val=""/>
@@ -6374,14 +7126,35 @@
         </dgm:presLayoutVars>
       </dgm:prSet>
       <dgm:spPr/>
+      <dgm:t>
+        <a:bodyPr/>
+        <a:lstStyle/>
+        <a:p>
+          <a:endParaRPr lang="en-US"/>
+        </a:p>
+      </dgm:t>
     </dgm:pt>
     <dgm:pt modelId="{68E457C0-EEC4-4144-9582-7436AF01E24E}" type="pres">
       <dgm:prSet presAssocID="{ACB7CB87-4355-4B4F-A3CB-1A08B9EB3754}" presName="centerShape" presStyleLbl="node0" presStyleIdx="0" presStyleCnt="1"/>
       <dgm:spPr/>
+      <dgm:t>
+        <a:bodyPr/>
+        <a:lstStyle/>
+        <a:p>
+          <a:endParaRPr lang="en-US"/>
+        </a:p>
+      </dgm:t>
     </dgm:pt>
     <dgm:pt modelId="{1874DE83-C993-48E1-94DC-55EB7F84369B}" type="pres">
       <dgm:prSet presAssocID="{CB7851C3-1FEA-478A-A8A8-4AAAAD1DF099}" presName="parTrans" presStyleLbl="bgSibTrans2D1" presStyleIdx="0" presStyleCnt="2"/>
       <dgm:spPr/>
+      <dgm:t>
+        <a:bodyPr/>
+        <a:lstStyle/>
+        <a:p>
+          <a:endParaRPr lang="en-US"/>
+        </a:p>
+      </dgm:t>
     </dgm:pt>
     <dgm:pt modelId="{781CE8B8-E14A-4896-B940-3032C81935F0}" type="pres">
       <dgm:prSet presAssocID="{1AE62EEA-52FA-4324-B993-C2C1F4BE7BFF}" presName="node" presStyleLbl="node1" presStyleIdx="0" presStyleCnt="2">
@@ -6390,10 +7163,24 @@
         </dgm:presLayoutVars>
       </dgm:prSet>
       <dgm:spPr/>
+      <dgm:t>
+        <a:bodyPr/>
+        <a:lstStyle/>
+        <a:p>
+          <a:endParaRPr lang="en-US"/>
+        </a:p>
+      </dgm:t>
     </dgm:pt>
     <dgm:pt modelId="{048D9D0E-42BF-4DAA-9441-7A5B6B1B078E}" type="pres">
       <dgm:prSet presAssocID="{A2F6EAF5-9030-4A5B-AF5B-DE4066C18B55}" presName="parTrans" presStyleLbl="bgSibTrans2D1" presStyleIdx="1" presStyleCnt="2"/>
       <dgm:spPr/>
+      <dgm:t>
+        <a:bodyPr/>
+        <a:lstStyle/>
+        <a:p>
+          <a:endParaRPr lang="en-US"/>
+        </a:p>
+      </dgm:t>
     </dgm:pt>
     <dgm:pt modelId="{6A3081ED-EB9D-40F8-9718-AD16F3081D0A}" type="pres">
       <dgm:prSet presAssocID="{16532D3D-4937-4F20-B09C-7BD0D055A2C6}" presName="node" presStyleLbl="node1" presStyleIdx="1" presStyleCnt="2">
@@ -6402,17 +7189,24 @@
         </dgm:presLayoutVars>
       </dgm:prSet>
       <dgm:spPr/>
+      <dgm:t>
+        <a:bodyPr/>
+        <a:lstStyle/>
+        <a:p>
+          <a:endParaRPr lang="en-US"/>
+        </a:p>
+      </dgm:t>
     </dgm:pt>
   </dgm:ptLst>
   <dgm:cxnLst>
-    <dgm:cxn modelId="{EC9977B3-1A39-4060-A12D-D20FAA66B6A5}" srcId="{ACB7CB87-4355-4B4F-A3CB-1A08B9EB3754}" destId="{1AE62EEA-52FA-4324-B993-C2C1F4BE7BFF}" srcOrd="0" destOrd="0" parTransId="{CB7851C3-1FEA-478A-A8A8-4AAAAD1DF099}" sibTransId="{2DAB18E8-6023-4BDD-9328-DCD4F85B8372}"/>
-    <dgm:cxn modelId="{872E90E5-5DC9-459B-8D98-33C726BBF1D0}" srcId="{ACB7CB87-4355-4B4F-A3CB-1A08B9EB3754}" destId="{16532D3D-4937-4F20-B09C-7BD0D055A2C6}" srcOrd="1" destOrd="0" parTransId="{A2F6EAF5-9030-4A5B-AF5B-DE4066C18B55}" sibTransId="{6F917F29-BA8C-4341-B150-AA27D55E3179}"/>
     <dgm:cxn modelId="{E5FD12EC-5084-4821-BE00-766A1C97ECD4}" type="presOf" srcId="{16532D3D-4937-4F20-B09C-7BD0D055A2C6}" destId="{6A3081ED-EB9D-40F8-9718-AD16F3081D0A}" srcOrd="0" destOrd="0" presId="urn:microsoft.com/office/officeart/2005/8/layout/radial4"/>
     <dgm:cxn modelId="{EADAB10C-3772-4C77-9507-239D1473E3E7}" type="presOf" srcId="{A2F6EAF5-9030-4A5B-AF5B-DE4066C18B55}" destId="{048D9D0E-42BF-4DAA-9441-7A5B6B1B078E}" srcOrd="0" destOrd="0" presId="urn:microsoft.com/office/officeart/2005/8/layout/radial4"/>
+    <dgm:cxn modelId="{FE169103-E178-462C-B5C5-E5D7D797B214}" type="presOf" srcId="{1AE62EEA-52FA-4324-B993-C2C1F4BE7BFF}" destId="{781CE8B8-E14A-4896-B940-3032C81935F0}" srcOrd="0" destOrd="0" presId="urn:microsoft.com/office/officeart/2005/8/layout/radial4"/>
+    <dgm:cxn modelId="{EC9977B3-1A39-4060-A12D-D20FAA66B6A5}" srcId="{ACB7CB87-4355-4B4F-A3CB-1A08B9EB3754}" destId="{1AE62EEA-52FA-4324-B993-C2C1F4BE7BFF}" srcOrd="0" destOrd="0" parTransId="{CB7851C3-1FEA-478A-A8A8-4AAAAD1DF099}" sibTransId="{2DAB18E8-6023-4BDD-9328-DCD4F85B8372}"/>
     <dgm:cxn modelId="{8CA01F3F-0224-4F3C-9267-2E6C82DE8124}" type="presOf" srcId="{CB7851C3-1FEA-478A-A8A8-4AAAAD1DF099}" destId="{1874DE83-C993-48E1-94DC-55EB7F84369B}" srcOrd="0" destOrd="0" presId="urn:microsoft.com/office/officeart/2005/8/layout/radial4"/>
+    <dgm:cxn modelId="{8C6F3FCE-AEEA-4A1F-AF33-F1B83E518AC4}" srcId="{DD09108D-05FE-414A-9DAD-4074F1801218}" destId="{ACB7CB87-4355-4B4F-A3CB-1A08B9EB3754}" srcOrd="0" destOrd="0" parTransId="{2E98AF64-95EC-4581-A15C-30CD40DD6778}" sibTransId="{F81F913E-5E16-4C94-A960-4CADD7DC3113}"/>
     <dgm:cxn modelId="{8D2C3F9D-3E7B-48CA-8C18-05A0BC836CC4}" type="presOf" srcId="{ACB7CB87-4355-4B4F-A3CB-1A08B9EB3754}" destId="{68E457C0-EEC4-4144-9582-7436AF01E24E}" srcOrd="0" destOrd="0" presId="urn:microsoft.com/office/officeart/2005/8/layout/radial4"/>
-    <dgm:cxn modelId="{FE169103-E178-462C-B5C5-E5D7D797B214}" type="presOf" srcId="{1AE62EEA-52FA-4324-B993-C2C1F4BE7BFF}" destId="{781CE8B8-E14A-4896-B940-3032C81935F0}" srcOrd="0" destOrd="0" presId="urn:microsoft.com/office/officeart/2005/8/layout/radial4"/>
-    <dgm:cxn modelId="{8C6F3FCE-AEEA-4A1F-AF33-F1B83E518AC4}" srcId="{DD09108D-05FE-414A-9DAD-4074F1801218}" destId="{ACB7CB87-4355-4B4F-A3CB-1A08B9EB3754}" srcOrd="0" destOrd="0" parTransId="{2E98AF64-95EC-4581-A15C-30CD40DD6778}" sibTransId="{F81F913E-5E16-4C94-A960-4CADD7DC3113}"/>
+    <dgm:cxn modelId="{872E90E5-5DC9-459B-8D98-33C726BBF1D0}" srcId="{ACB7CB87-4355-4B4F-A3CB-1A08B9EB3754}" destId="{16532D3D-4937-4F20-B09C-7BD0D055A2C6}" srcOrd="1" destOrd="0" parTransId="{A2F6EAF5-9030-4A5B-AF5B-DE4066C18B55}" sibTransId="{6F917F29-BA8C-4341-B150-AA27D55E3179}"/>
     <dgm:cxn modelId="{B94C58AE-FC22-480C-BC80-EDA894C80987}" type="presOf" srcId="{DD09108D-05FE-414A-9DAD-4074F1801218}" destId="{FC69C7F1-A3E1-49BC-AE4A-6024E9993608}" srcOrd="0" destOrd="0" presId="urn:microsoft.com/office/officeart/2005/8/layout/radial4"/>
     <dgm:cxn modelId="{9FD9970D-340E-4BFE-9DA2-9696888ED5E2}" type="presParOf" srcId="{FC69C7F1-A3E1-49BC-AE4A-6024E9993608}" destId="{68E457C0-EEC4-4144-9582-7436AF01E24E}" srcOrd="0" destOrd="0" presId="urn:microsoft.com/office/officeart/2005/8/layout/radial4"/>
     <dgm:cxn modelId="{9F5519FA-9C0D-4B87-BE39-BBE9C4D545BB}" type="presParOf" srcId="{FC69C7F1-A3E1-49BC-AE4A-6024E9993608}" destId="{1874DE83-C993-48E1-94DC-55EB7F84369B}" srcOrd="1" destOrd="0" presId="urn:microsoft.com/office/officeart/2005/8/layout/radial4"/>
@@ -6591,6 +7385,13 @@
         </dgm:presLayoutVars>
       </dgm:prSet>
       <dgm:spPr/>
+      <dgm:t>
+        <a:bodyPr/>
+        <a:lstStyle/>
+        <a:p>
+          <a:endParaRPr lang="en-US"/>
+        </a:p>
+      </dgm:t>
     </dgm:pt>
     <dgm:pt modelId="{C8DB5D52-D651-4893-8D32-3B4EA080765C}" type="pres">
       <dgm:prSet presAssocID="{3F3D89EF-C712-4FA0-B746-8D2E2CC85318}" presName="parSpace" presStyleCnt="0"/>
@@ -6603,6 +7404,13 @@
         </dgm:presLayoutVars>
       </dgm:prSet>
       <dgm:spPr/>
+      <dgm:t>
+        <a:bodyPr/>
+        <a:lstStyle/>
+        <a:p>
+          <a:endParaRPr lang="en-US"/>
+        </a:p>
+      </dgm:t>
     </dgm:pt>
     <dgm:pt modelId="{52F438A7-97F5-4BC7-840F-053C2BA74FEA}" type="pres">
       <dgm:prSet presAssocID="{EA859464-0BB1-4253-80DE-F71C7CC3408D}" presName="parSpace" presStyleCnt="0"/>
@@ -6615,13 +7423,20 @@
         </dgm:presLayoutVars>
       </dgm:prSet>
       <dgm:spPr/>
+      <dgm:t>
+        <a:bodyPr/>
+        <a:lstStyle/>
+        <a:p>
+          <a:endParaRPr lang="en-US"/>
+        </a:p>
+      </dgm:t>
     </dgm:pt>
   </dgm:ptLst>
   <dgm:cxnLst>
     <dgm:cxn modelId="{24C2A1E3-AAD3-450D-BA22-D11414EB4D92}" type="presOf" srcId="{D77F973E-DBE7-4971-A912-3B842F68AE28}" destId="{3D68703C-D16F-4B94-8048-727D716F0341}" srcOrd="0" destOrd="0" presId="urn:microsoft.com/office/officeart/2005/8/layout/hChevron3"/>
     <dgm:cxn modelId="{AF0A90C1-7B99-4A13-B55A-F01CC865D307}" srcId="{09EC98DC-8F45-4AD5-912B-A92963C4FEFE}" destId="{731F41DA-2498-45CA-8528-6FD1DC5C09DA}" srcOrd="2" destOrd="0" parTransId="{E1426EC7-4F10-4E2B-99F2-C824CE27B14B}" sibTransId="{CB478F14-E0FF-4D50-BF5A-2745756ADB85}"/>
+    <dgm:cxn modelId="{70B29392-AED4-428F-8B7C-6C986CFD8605}" type="presOf" srcId="{E2B88BD7-B9AA-4888-A409-7B49742D9704}" destId="{D63F070F-BF1F-4CB4-9F52-F2692A513684}" srcOrd="0" destOrd="0" presId="urn:microsoft.com/office/officeart/2005/8/layout/hChevron3"/>
     <dgm:cxn modelId="{64282974-7445-4BE4-9ED7-42BA1C5512B2}" srcId="{09EC98DC-8F45-4AD5-912B-A92963C4FEFE}" destId="{D77F973E-DBE7-4971-A912-3B842F68AE28}" srcOrd="0" destOrd="0" parTransId="{FE0B926B-F8C4-4E24-BFB5-FE20D92DF808}" sibTransId="{3F3D89EF-C712-4FA0-B746-8D2E2CC85318}"/>
-    <dgm:cxn modelId="{70B29392-AED4-428F-8B7C-6C986CFD8605}" type="presOf" srcId="{E2B88BD7-B9AA-4888-A409-7B49742D9704}" destId="{D63F070F-BF1F-4CB4-9F52-F2692A513684}" srcOrd="0" destOrd="0" presId="urn:microsoft.com/office/officeart/2005/8/layout/hChevron3"/>
     <dgm:cxn modelId="{118C6BDB-1254-43F2-ADC0-1EB851BE7EB5}" type="presOf" srcId="{09EC98DC-8F45-4AD5-912B-A92963C4FEFE}" destId="{EEAC9077-01F1-42BD-846F-6BED530C288B}" srcOrd="0" destOrd="0" presId="urn:microsoft.com/office/officeart/2005/8/layout/hChevron3"/>
     <dgm:cxn modelId="{BBB60825-C0B6-458A-914B-603B015A0758}" srcId="{09EC98DC-8F45-4AD5-912B-A92963C4FEFE}" destId="{E2B88BD7-B9AA-4888-A409-7B49742D9704}" srcOrd="1" destOrd="0" parTransId="{0B906902-18B8-4450-8F1B-300EA1D9B1B3}" sibTransId="{EA859464-0BB1-4253-80DE-F71C7CC3408D}"/>
     <dgm:cxn modelId="{CE7D50C3-BCA4-404B-B108-7496521E3B7E}" type="presOf" srcId="{731F41DA-2498-45CA-8528-6FD1DC5C09DA}" destId="{4C5A3F48-B278-4C40-93C5-1081667AF128}" srcOrd="0" destOrd="0" presId="urn:microsoft.com/office/officeart/2005/8/layout/hChevron3"/>
@@ -6799,6 +7614,13 @@
         </dgm:presLayoutVars>
       </dgm:prSet>
       <dgm:spPr/>
+      <dgm:t>
+        <a:bodyPr/>
+        <a:lstStyle/>
+        <a:p>
+          <a:endParaRPr lang="en-US"/>
+        </a:p>
+      </dgm:t>
     </dgm:pt>
     <dgm:pt modelId="{C8DB5D52-D651-4893-8D32-3B4EA080765C}" type="pres">
       <dgm:prSet presAssocID="{3F3D89EF-C712-4FA0-B746-8D2E2CC85318}" presName="parSpace" presStyleCnt="0"/>
@@ -6811,6 +7633,13 @@
         </dgm:presLayoutVars>
       </dgm:prSet>
       <dgm:spPr/>
+      <dgm:t>
+        <a:bodyPr/>
+        <a:lstStyle/>
+        <a:p>
+          <a:endParaRPr lang="en-US"/>
+        </a:p>
+      </dgm:t>
     </dgm:pt>
     <dgm:pt modelId="{52F438A7-97F5-4BC7-840F-053C2BA74FEA}" type="pres">
       <dgm:prSet presAssocID="{EA859464-0BB1-4253-80DE-F71C7CC3408D}" presName="parSpace" presStyleCnt="0"/>
@@ -6823,13 +7652,20 @@
         </dgm:presLayoutVars>
       </dgm:prSet>
       <dgm:spPr/>
+      <dgm:t>
+        <a:bodyPr/>
+        <a:lstStyle/>
+        <a:p>
+          <a:endParaRPr lang="en-US"/>
+        </a:p>
+      </dgm:t>
     </dgm:pt>
   </dgm:ptLst>
   <dgm:cxnLst>
     <dgm:cxn modelId="{24C2A1E3-AAD3-450D-BA22-D11414EB4D92}" type="presOf" srcId="{D77F973E-DBE7-4971-A912-3B842F68AE28}" destId="{3D68703C-D16F-4B94-8048-727D716F0341}" srcOrd="0" destOrd="0" presId="urn:microsoft.com/office/officeart/2005/8/layout/hChevron3"/>
     <dgm:cxn modelId="{AF0A90C1-7B99-4A13-B55A-F01CC865D307}" srcId="{09EC98DC-8F45-4AD5-912B-A92963C4FEFE}" destId="{731F41DA-2498-45CA-8528-6FD1DC5C09DA}" srcOrd="2" destOrd="0" parTransId="{E1426EC7-4F10-4E2B-99F2-C824CE27B14B}" sibTransId="{CB478F14-E0FF-4D50-BF5A-2745756ADB85}"/>
+    <dgm:cxn modelId="{70B29392-AED4-428F-8B7C-6C986CFD8605}" type="presOf" srcId="{E2B88BD7-B9AA-4888-A409-7B49742D9704}" destId="{D63F070F-BF1F-4CB4-9F52-F2692A513684}" srcOrd="0" destOrd="0" presId="urn:microsoft.com/office/officeart/2005/8/layout/hChevron3"/>
     <dgm:cxn modelId="{64282974-7445-4BE4-9ED7-42BA1C5512B2}" srcId="{09EC98DC-8F45-4AD5-912B-A92963C4FEFE}" destId="{D77F973E-DBE7-4971-A912-3B842F68AE28}" srcOrd="0" destOrd="0" parTransId="{FE0B926B-F8C4-4E24-BFB5-FE20D92DF808}" sibTransId="{3F3D89EF-C712-4FA0-B746-8D2E2CC85318}"/>
-    <dgm:cxn modelId="{70B29392-AED4-428F-8B7C-6C986CFD8605}" type="presOf" srcId="{E2B88BD7-B9AA-4888-A409-7B49742D9704}" destId="{D63F070F-BF1F-4CB4-9F52-F2692A513684}" srcOrd="0" destOrd="0" presId="urn:microsoft.com/office/officeart/2005/8/layout/hChevron3"/>
     <dgm:cxn modelId="{118C6BDB-1254-43F2-ADC0-1EB851BE7EB5}" type="presOf" srcId="{09EC98DC-8F45-4AD5-912B-A92963C4FEFE}" destId="{EEAC9077-01F1-42BD-846F-6BED530C288B}" srcOrd="0" destOrd="0" presId="urn:microsoft.com/office/officeart/2005/8/layout/hChevron3"/>
     <dgm:cxn modelId="{BBB60825-C0B6-458A-914B-603B015A0758}" srcId="{09EC98DC-8F45-4AD5-912B-A92963C4FEFE}" destId="{E2B88BD7-B9AA-4888-A409-7B49742D9704}" srcOrd="1" destOrd="0" parTransId="{0B906902-18B8-4450-8F1B-300EA1D9B1B3}" sibTransId="{EA859464-0BB1-4253-80DE-F71C7CC3408D}"/>
     <dgm:cxn modelId="{CE7D50C3-BCA4-404B-B108-7496521E3B7E}" type="presOf" srcId="{731F41DA-2498-45CA-8528-6FD1DC5C09DA}" destId="{4C5A3F48-B278-4C40-93C5-1081667AF128}" srcOrd="0" destOrd="0" presId="urn:microsoft.com/office/officeart/2005/8/layout/hChevron3"/>
@@ -7051,6 +7887,13 @@
         </dgm:presLayoutVars>
       </dgm:prSet>
       <dgm:spPr/>
+      <dgm:t>
+        <a:bodyPr/>
+        <a:lstStyle/>
+        <a:p>
+          <a:endParaRPr lang="en-US"/>
+        </a:p>
+      </dgm:t>
     </dgm:pt>
     <dgm:pt modelId="{388618E7-6DB7-44A2-86E7-6709BF6C1D78}" type="pres">
       <dgm:prSet presAssocID="{EC1F7537-1C71-407D-8661-3C4C2F8CC3D2}" presName="node" presStyleLbl="node1" presStyleIdx="0" presStyleCnt="5">
@@ -7059,14 +7902,35 @@
         </dgm:presLayoutVars>
       </dgm:prSet>
       <dgm:spPr/>
+      <dgm:t>
+        <a:bodyPr/>
+        <a:lstStyle/>
+        <a:p>
+          <a:endParaRPr lang="en-US"/>
+        </a:p>
+      </dgm:t>
     </dgm:pt>
     <dgm:pt modelId="{A7F16CF1-E6A7-4EF0-B562-F56AA39464B4}" type="pres">
       <dgm:prSet presAssocID="{9E2818E6-7323-4CFA-A484-3C78B815C349}" presName="sibTrans" presStyleLbl="sibTrans2D1" presStyleIdx="0" presStyleCnt="5"/>
       <dgm:spPr/>
+      <dgm:t>
+        <a:bodyPr/>
+        <a:lstStyle/>
+        <a:p>
+          <a:endParaRPr lang="en-US"/>
+        </a:p>
+      </dgm:t>
     </dgm:pt>
     <dgm:pt modelId="{94C90444-42A3-4B83-B348-22AEBA282A70}" type="pres">
       <dgm:prSet presAssocID="{9E2818E6-7323-4CFA-A484-3C78B815C349}" presName="connectorText" presStyleLbl="sibTrans2D1" presStyleIdx="0" presStyleCnt="5"/>
       <dgm:spPr/>
+      <dgm:t>
+        <a:bodyPr/>
+        <a:lstStyle/>
+        <a:p>
+          <a:endParaRPr lang="en-US"/>
+        </a:p>
+      </dgm:t>
     </dgm:pt>
     <dgm:pt modelId="{171F66AA-DFE7-4A0F-8320-F73D390D7023}" type="pres">
       <dgm:prSet presAssocID="{EF05CCAE-94FB-47C5-9E20-2BB69A49BF37}" presName="node" presStyleLbl="node1" presStyleIdx="1" presStyleCnt="5">
@@ -7075,14 +7939,35 @@
         </dgm:presLayoutVars>
       </dgm:prSet>
       <dgm:spPr/>
+      <dgm:t>
+        <a:bodyPr/>
+        <a:lstStyle/>
+        <a:p>
+          <a:endParaRPr lang="en-US"/>
+        </a:p>
+      </dgm:t>
     </dgm:pt>
     <dgm:pt modelId="{F5E5FAEF-14FB-4267-8ECC-617319CAD0F3}" type="pres">
       <dgm:prSet presAssocID="{01C70EED-C470-4B95-8984-F7B3DD6BE79A}" presName="sibTrans" presStyleLbl="sibTrans2D1" presStyleIdx="1" presStyleCnt="5"/>
       <dgm:spPr/>
+      <dgm:t>
+        <a:bodyPr/>
+        <a:lstStyle/>
+        <a:p>
+          <a:endParaRPr lang="en-US"/>
+        </a:p>
+      </dgm:t>
     </dgm:pt>
     <dgm:pt modelId="{36EB0532-A462-42C5-940D-877FF583C12D}" type="pres">
       <dgm:prSet presAssocID="{01C70EED-C470-4B95-8984-F7B3DD6BE79A}" presName="connectorText" presStyleLbl="sibTrans2D1" presStyleIdx="1" presStyleCnt="5"/>
       <dgm:spPr/>
+      <dgm:t>
+        <a:bodyPr/>
+        <a:lstStyle/>
+        <a:p>
+          <a:endParaRPr lang="en-US"/>
+        </a:p>
+      </dgm:t>
     </dgm:pt>
     <dgm:pt modelId="{7C4BA0FF-0BE7-4B10-B1C4-69A8399EA6C4}" type="pres">
       <dgm:prSet presAssocID="{4F20B239-7141-4209-98D7-014647BE3FD9}" presName="node" presStyleLbl="node1" presStyleIdx="2" presStyleCnt="5">
@@ -7091,14 +7976,35 @@
         </dgm:presLayoutVars>
       </dgm:prSet>
       <dgm:spPr/>
+      <dgm:t>
+        <a:bodyPr/>
+        <a:lstStyle/>
+        <a:p>
+          <a:endParaRPr lang="en-US"/>
+        </a:p>
+      </dgm:t>
     </dgm:pt>
     <dgm:pt modelId="{FF743144-58AB-447C-B6FA-2CED1607B12F}" type="pres">
       <dgm:prSet presAssocID="{7BC8C054-1A17-49B3-B3D3-1C113DEC3A88}" presName="sibTrans" presStyleLbl="sibTrans2D1" presStyleIdx="2" presStyleCnt="5"/>
       <dgm:spPr/>
+      <dgm:t>
+        <a:bodyPr/>
+        <a:lstStyle/>
+        <a:p>
+          <a:endParaRPr lang="en-US"/>
+        </a:p>
+      </dgm:t>
     </dgm:pt>
     <dgm:pt modelId="{56AAF5C8-DC1C-4C58-95D0-A49F8D204A96}" type="pres">
       <dgm:prSet presAssocID="{7BC8C054-1A17-49B3-B3D3-1C113DEC3A88}" presName="connectorText" presStyleLbl="sibTrans2D1" presStyleIdx="2" presStyleCnt="5"/>
       <dgm:spPr/>
+      <dgm:t>
+        <a:bodyPr/>
+        <a:lstStyle/>
+        <a:p>
+          <a:endParaRPr lang="en-US"/>
+        </a:p>
+      </dgm:t>
     </dgm:pt>
     <dgm:pt modelId="{4177EB25-4534-4028-A7B4-4E9CED0C87B4}" type="pres">
       <dgm:prSet presAssocID="{D65C761D-8546-41FE-8FD6-58B2C81DEE2F}" presName="node" presStyleLbl="node1" presStyleIdx="3" presStyleCnt="5">
@@ -7107,14 +8013,35 @@
         </dgm:presLayoutVars>
       </dgm:prSet>
       <dgm:spPr/>
+      <dgm:t>
+        <a:bodyPr/>
+        <a:lstStyle/>
+        <a:p>
+          <a:endParaRPr lang="en-US"/>
+        </a:p>
+      </dgm:t>
     </dgm:pt>
     <dgm:pt modelId="{988C0722-6581-4472-B72B-583982AB41FA}" type="pres">
       <dgm:prSet presAssocID="{8510248F-F7DA-4B39-9BA3-EB5D7EE72E6E}" presName="sibTrans" presStyleLbl="sibTrans2D1" presStyleIdx="3" presStyleCnt="5"/>
       <dgm:spPr/>
+      <dgm:t>
+        <a:bodyPr/>
+        <a:lstStyle/>
+        <a:p>
+          <a:endParaRPr lang="en-US"/>
+        </a:p>
+      </dgm:t>
     </dgm:pt>
     <dgm:pt modelId="{83995EBC-CD47-4460-A5C7-ACBE63E10CAA}" type="pres">
       <dgm:prSet presAssocID="{8510248F-F7DA-4B39-9BA3-EB5D7EE72E6E}" presName="connectorText" presStyleLbl="sibTrans2D1" presStyleIdx="3" presStyleCnt="5"/>
       <dgm:spPr/>
+      <dgm:t>
+        <a:bodyPr/>
+        <a:lstStyle/>
+        <a:p>
+          <a:endParaRPr lang="en-US"/>
+        </a:p>
+      </dgm:t>
     </dgm:pt>
     <dgm:pt modelId="{0DAB8D05-7AA6-43E1-9BB1-11F4130BDB8E}" type="pres">
       <dgm:prSet presAssocID="{492152C7-EAE6-48C5-BFF9-50C31AD68C8B}" presName="node" presStyleLbl="node1" presStyleIdx="4" presStyleCnt="5">
@@ -7123,29 +8050,50 @@
         </dgm:presLayoutVars>
       </dgm:prSet>
       <dgm:spPr/>
+      <dgm:t>
+        <a:bodyPr/>
+        <a:lstStyle/>
+        <a:p>
+          <a:endParaRPr lang="en-US"/>
+        </a:p>
+      </dgm:t>
     </dgm:pt>
     <dgm:pt modelId="{91C5FDB7-98C9-4B91-8EAF-59A18274B3E9}" type="pres">
       <dgm:prSet presAssocID="{04CBE0D4-B176-43CE-AE25-85667C653F48}" presName="sibTrans" presStyleLbl="sibTrans2D1" presStyleIdx="4" presStyleCnt="5"/>
       <dgm:spPr/>
+      <dgm:t>
+        <a:bodyPr/>
+        <a:lstStyle/>
+        <a:p>
+          <a:endParaRPr lang="en-US"/>
+        </a:p>
+      </dgm:t>
     </dgm:pt>
     <dgm:pt modelId="{C56FE362-1889-4B92-AD9C-864D5AFB8A07}" type="pres">
       <dgm:prSet presAssocID="{04CBE0D4-B176-43CE-AE25-85667C653F48}" presName="connectorText" presStyleLbl="sibTrans2D1" presStyleIdx="4" presStyleCnt="5"/>
       <dgm:spPr/>
+      <dgm:t>
+        <a:bodyPr/>
+        <a:lstStyle/>
+        <a:p>
+          <a:endParaRPr lang="en-US"/>
+        </a:p>
+      </dgm:t>
     </dgm:pt>
   </dgm:ptLst>
   <dgm:cxnLst>
     <dgm:cxn modelId="{FE46C831-A2A5-4AE6-93B3-72A23FFECB3B}" type="presOf" srcId="{8510248F-F7DA-4B39-9BA3-EB5D7EE72E6E}" destId="{988C0722-6581-4472-B72B-583982AB41FA}" srcOrd="0" destOrd="0" presId="urn:microsoft.com/office/officeart/2005/8/layout/cycle2"/>
     <dgm:cxn modelId="{649FF86A-9CF6-4798-85CC-194FE1D5AA90}" type="presOf" srcId="{7BC8C054-1A17-49B3-B3D3-1C113DEC3A88}" destId="{FF743144-58AB-447C-B6FA-2CED1607B12F}" srcOrd="0" destOrd="0" presId="urn:microsoft.com/office/officeart/2005/8/layout/cycle2"/>
+    <dgm:cxn modelId="{AC4197E1-9EA7-45D8-A389-4788921D88AA}" type="presOf" srcId="{EF05CCAE-94FB-47C5-9E20-2BB69A49BF37}" destId="{171F66AA-DFE7-4A0F-8320-F73D390D7023}" srcOrd="0" destOrd="0" presId="urn:microsoft.com/office/officeart/2005/8/layout/cycle2"/>
     <dgm:cxn modelId="{32B962FE-EB00-46AE-AA22-60BCDFF0FC06}" type="presOf" srcId="{9A2E86FB-D35B-46D8-AEBC-6BCBA745AED3}" destId="{B45D45F5-88B4-45BA-92A4-0FCB7857FC14}" srcOrd="0" destOrd="0" presId="urn:microsoft.com/office/officeart/2005/8/layout/cycle2"/>
-    <dgm:cxn modelId="{AC4197E1-9EA7-45D8-A389-4788921D88AA}" type="presOf" srcId="{EF05CCAE-94FB-47C5-9E20-2BB69A49BF37}" destId="{171F66AA-DFE7-4A0F-8320-F73D390D7023}" srcOrd="0" destOrd="0" presId="urn:microsoft.com/office/officeart/2005/8/layout/cycle2"/>
     <dgm:cxn modelId="{642C3866-2075-477A-B4F1-327D719014CA}" type="presOf" srcId="{01C70EED-C470-4B95-8984-F7B3DD6BE79A}" destId="{F5E5FAEF-14FB-4267-8ECC-617319CAD0F3}" srcOrd="0" destOrd="0" presId="urn:microsoft.com/office/officeart/2005/8/layout/cycle2"/>
     <dgm:cxn modelId="{537EECAD-7D29-448F-B05B-F0111A28F502}" type="presOf" srcId="{9E2818E6-7323-4CFA-A484-3C78B815C349}" destId="{A7F16CF1-E6A7-4EF0-B562-F56AA39464B4}" srcOrd="0" destOrd="0" presId="urn:microsoft.com/office/officeart/2005/8/layout/cycle2"/>
     <dgm:cxn modelId="{E6202EBA-F173-4432-9EC3-D03D6733FDE3}" type="presOf" srcId="{D65C761D-8546-41FE-8FD6-58B2C81DEE2F}" destId="{4177EB25-4534-4028-A7B4-4E9CED0C87B4}" srcOrd="0" destOrd="0" presId="urn:microsoft.com/office/officeart/2005/8/layout/cycle2"/>
     <dgm:cxn modelId="{19745C18-707C-479A-8887-CB81F6D62DFD}" srcId="{9A2E86FB-D35B-46D8-AEBC-6BCBA745AED3}" destId="{EC1F7537-1C71-407D-8661-3C4C2F8CC3D2}" srcOrd="0" destOrd="0" parTransId="{300D46E9-8214-4B81-98F7-5BF4E9F4BCE2}" sibTransId="{9E2818E6-7323-4CFA-A484-3C78B815C349}"/>
     <dgm:cxn modelId="{143A0604-06D2-4594-9145-1484101C6355}" type="presOf" srcId="{EC1F7537-1C71-407D-8661-3C4C2F8CC3D2}" destId="{388618E7-6DB7-44A2-86E7-6709BF6C1D78}" srcOrd="0" destOrd="0" presId="urn:microsoft.com/office/officeart/2005/8/layout/cycle2"/>
     <dgm:cxn modelId="{B170A8D1-DCA4-422A-BAFE-58A64FAEDD4B}" type="presOf" srcId="{01C70EED-C470-4B95-8984-F7B3DD6BE79A}" destId="{36EB0532-A462-42C5-940D-877FF583C12D}" srcOrd="1" destOrd="0" presId="urn:microsoft.com/office/officeart/2005/8/layout/cycle2"/>
+    <dgm:cxn modelId="{2A7D903E-41CC-4734-8991-73C57B1DEF50}" srcId="{9A2E86FB-D35B-46D8-AEBC-6BCBA745AED3}" destId="{4F20B239-7141-4209-98D7-014647BE3FD9}" srcOrd="2" destOrd="0" parTransId="{1640495B-CA62-4DB7-832F-8B08DD3C3CCB}" sibTransId="{7BC8C054-1A17-49B3-B3D3-1C113DEC3A88}"/>
     <dgm:cxn modelId="{17D9C8D5-7875-4B3F-8F67-88F75D00940B}" type="presOf" srcId="{9E2818E6-7323-4CFA-A484-3C78B815C349}" destId="{94C90444-42A3-4B83-B348-22AEBA282A70}" srcOrd="1" destOrd="0" presId="urn:microsoft.com/office/officeart/2005/8/layout/cycle2"/>
-    <dgm:cxn modelId="{2A7D903E-41CC-4734-8991-73C57B1DEF50}" srcId="{9A2E86FB-D35B-46D8-AEBC-6BCBA745AED3}" destId="{4F20B239-7141-4209-98D7-014647BE3FD9}" srcOrd="2" destOrd="0" parTransId="{1640495B-CA62-4DB7-832F-8B08DD3C3CCB}" sibTransId="{7BC8C054-1A17-49B3-B3D3-1C113DEC3A88}"/>
     <dgm:cxn modelId="{98C7D8E8-4AC0-495B-8428-E2CF2EAF068D}" type="presOf" srcId="{492152C7-EAE6-48C5-BFF9-50C31AD68C8B}" destId="{0DAB8D05-7AA6-43E1-9BB1-11F4130BDB8E}" srcOrd="0" destOrd="0" presId="urn:microsoft.com/office/officeart/2005/8/layout/cycle2"/>
     <dgm:cxn modelId="{4FAD805D-B8EC-4F8D-9E34-C56FF1FCCE62}" srcId="{9A2E86FB-D35B-46D8-AEBC-6BCBA745AED3}" destId="{D65C761D-8546-41FE-8FD6-58B2C81DEE2F}" srcOrd="3" destOrd="0" parTransId="{AAB356C1-9925-41B3-A31D-C00AD47F8E5A}" sibTransId="{8510248F-F7DA-4B39-9BA3-EB5D7EE72E6E}"/>
     <dgm:cxn modelId="{C46E9AD8-E1FE-4841-98DE-03C49C8DB74F}" type="presOf" srcId="{8510248F-F7DA-4B39-9BA3-EB5D7EE72E6E}" destId="{83995EBC-CD47-4460-A5C7-ACBE63E10CAA}" srcOrd="1" destOrd="0" presId="urn:microsoft.com/office/officeart/2005/8/layout/cycle2"/>
@@ -7339,6 +8287,13 @@
         </dgm:presLayoutVars>
       </dgm:prSet>
       <dgm:spPr/>
+      <dgm:t>
+        <a:bodyPr/>
+        <a:lstStyle/>
+        <a:p>
+          <a:endParaRPr lang="en-US"/>
+        </a:p>
+      </dgm:t>
     </dgm:pt>
     <dgm:pt modelId="{C8DB5D52-D651-4893-8D32-3B4EA080765C}" type="pres">
       <dgm:prSet presAssocID="{3F3D89EF-C712-4FA0-B746-8D2E2CC85318}" presName="parSpace" presStyleCnt="0"/>
@@ -7351,6 +8306,13 @@
         </dgm:presLayoutVars>
       </dgm:prSet>
       <dgm:spPr/>
+      <dgm:t>
+        <a:bodyPr/>
+        <a:lstStyle/>
+        <a:p>
+          <a:endParaRPr lang="en-US"/>
+        </a:p>
+      </dgm:t>
     </dgm:pt>
     <dgm:pt modelId="{52F438A7-97F5-4BC7-840F-053C2BA74FEA}" type="pres">
       <dgm:prSet presAssocID="{EA859464-0BB1-4253-80DE-F71C7CC3408D}" presName="parSpace" presStyleCnt="0"/>
@@ -7363,13 +8325,20 @@
         </dgm:presLayoutVars>
       </dgm:prSet>
       <dgm:spPr/>
+      <dgm:t>
+        <a:bodyPr/>
+        <a:lstStyle/>
+        <a:p>
+          <a:endParaRPr lang="en-US"/>
+        </a:p>
+      </dgm:t>
     </dgm:pt>
   </dgm:ptLst>
   <dgm:cxnLst>
     <dgm:cxn modelId="{24C2A1E3-AAD3-450D-BA22-D11414EB4D92}" type="presOf" srcId="{D77F973E-DBE7-4971-A912-3B842F68AE28}" destId="{3D68703C-D16F-4B94-8048-727D716F0341}" srcOrd="0" destOrd="0" presId="urn:microsoft.com/office/officeart/2005/8/layout/hChevron3"/>
     <dgm:cxn modelId="{AF0A90C1-7B99-4A13-B55A-F01CC865D307}" srcId="{09EC98DC-8F45-4AD5-912B-A92963C4FEFE}" destId="{731F41DA-2498-45CA-8528-6FD1DC5C09DA}" srcOrd="2" destOrd="0" parTransId="{E1426EC7-4F10-4E2B-99F2-C824CE27B14B}" sibTransId="{CB478F14-E0FF-4D50-BF5A-2745756ADB85}"/>
+    <dgm:cxn modelId="{70B29392-AED4-428F-8B7C-6C986CFD8605}" type="presOf" srcId="{E2B88BD7-B9AA-4888-A409-7B49742D9704}" destId="{D63F070F-BF1F-4CB4-9F52-F2692A513684}" srcOrd="0" destOrd="0" presId="urn:microsoft.com/office/officeart/2005/8/layout/hChevron3"/>
     <dgm:cxn modelId="{64282974-7445-4BE4-9ED7-42BA1C5512B2}" srcId="{09EC98DC-8F45-4AD5-912B-A92963C4FEFE}" destId="{D77F973E-DBE7-4971-A912-3B842F68AE28}" srcOrd="0" destOrd="0" parTransId="{FE0B926B-F8C4-4E24-BFB5-FE20D92DF808}" sibTransId="{3F3D89EF-C712-4FA0-B746-8D2E2CC85318}"/>
-    <dgm:cxn modelId="{70B29392-AED4-428F-8B7C-6C986CFD8605}" type="presOf" srcId="{E2B88BD7-B9AA-4888-A409-7B49742D9704}" destId="{D63F070F-BF1F-4CB4-9F52-F2692A513684}" srcOrd="0" destOrd="0" presId="urn:microsoft.com/office/officeart/2005/8/layout/hChevron3"/>
     <dgm:cxn modelId="{118C6BDB-1254-43F2-ADC0-1EB851BE7EB5}" type="presOf" srcId="{09EC98DC-8F45-4AD5-912B-A92963C4FEFE}" destId="{EEAC9077-01F1-42BD-846F-6BED530C288B}" srcOrd="0" destOrd="0" presId="urn:microsoft.com/office/officeart/2005/8/layout/hChevron3"/>
     <dgm:cxn modelId="{BBB60825-C0B6-458A-914B-603B015A0758}" srcId="{09EC98DC-8F45-4AD5-912B-A92963C4FEFE}" destId="{E2B88BD7-B9AA-4888-A409-7B49742D9704}" srcOrd="1" destOrd="0" parTransId="{0B906902-18B8-4450-8F1B-300EA1D9B1B3}" sibTransId="{EA859464-0BB1-4253-80DE-F71C7CC3408D}"/>
     <dgm:cxn modelId="{CE7D50C3-BCA4-404B-B108-7496521E3B7E}" type="presOf" srcId="{731F41DA-2498-45CA-8528-6FD1DC5C09DA}" destId="{4C5A3F48-B278-4C40-93C5-1081667AF128}" srcOrd="0" destOrd="0" presId="urn:microsoft.com/office/officeart/2005/8/layout/hChevron3"/>
@@ -7550,6 +8519,13 @@
         </dgm:presLayoutVars>
       </dgm:prSet>
       <dgm:spPr/>
+      <dgm:t>
+        <a:bodyPr/>
+        <a:lstStyle/>
+        <a:p>
+          <a:endParaRPr lang="en-US"/>
+        </a:p>
+      </dgm:t>
     </dgm:pt>
     <dgm:pt modelId="{C8DB5D52-D651-4893-8D32-3B4EA080765C}" type="pres">
       <dgm:prSet presAssocID="{3F3D89EF-C712-4FA0-B746-8D2E2CC85318}" presName="parSpace" presStyleCnt="0"/>
@@ -7562,6 +8538,13 @@
         </dgm:presLayoutVars>
       </dgm:prSet>
       <dgm:spPr/>
+      <dgm:t>
+        <a:bodyPr/>
+        <a:lstStyle/>
+        <a:p>
+          <a:endParaRPr lang="en-US"/>
+        </a:p>
+      </dgm:t>
     </dgm:pt>
     <dgm:pt modelId="{52F438A7-97F5-4BC7-840F-053C2BA74FEA}" type="pres">
       <dgm:prSet presAssocID="{EA859464-0BB1-4253-80DE-F71C7CC3408D}" presName="parSpace" presStyleCnt="0"/>
@@ -7574,27 +8557,34 @@
         </dgm:presLayoutVars>
       </dgm:prSet>
       <dgm:spPr/>
+      <dgm:t>
+        <a:bodyPr/>
+        <a:lstStyle/>
+        <a:p>
+          <a:endParaRPr lang="en-US"/>
+        </a:p>
+      </dgm:t>
     </dgm:pt>
   </dgm:ptLst>
   <dgm:cxnLst>
-    <dgm:cxn modelId="{24C2A1E3-AAD3-450D-BA22-D11414EB4D92}" type="presOf" srcId="{D77F973E-DBE7-4971-A912-3B842F68AE28}" destId="{3D68703C-D16F-4B94-8048-727D716F0341}" srcOrd="0" destOrd="0" presId="urn:microsoft.com/office/officeart/2005/8/layout/hChevron3"/>
     <dgm:cxn modelId="{AF0A90C1-7B99-4A13-B55A-F01CC865D307}" srcId="{09EC98DC-8F45-4AD5-912B-A92963C4FEFE}" destId="{731F41DA-2498-45CA-8528-6FD1DC5C09DA}" srcOrd="2" destOrd="0" parTransId="{E1426EC7-4F10-4E2B-99F2-C824CE27B14B}" sibTransId="{CB478F14-E0FF-4D50-BF5A-2745756ADB85}"/>
     <dgm:cxn modelId="{64282974-7445-4BE4-9ED7-42BA1C5512B2}" srcId="{09EC98DC-8F45-4AD5-912B-A92963C4FEFE}" destId="{D77F973E-DBE7-4971-A912-3B842F68AE28}" srcOrd="0" destOrd="0" parTransId="{FE0B926B-F8C4-4E24-BFB5-FE20D92DF808}" sibTransId="{3F3D89EF-C712-4FA0-B746-8D2E2CC85318}"/>
-    <dgm:cxn modelId="{70B29392-AED4-428F-8B7C-6C986CFD8605}" type="presOf" srcId="{E2B88BD7-B9AA-4888-A409-7B49742D9704}" destId="{D63F070F-BF1F-4CB4-9F52-F2692A513684}" srcOrd="0" destOrd="0" presId="urn:microsoft.com/office/officeart/2005/8/layout/hChevron3"/>
-    <dgm:cxn modelId="{118C6BDB-1254-43F2-ADC0-1EB851BE7EB5}" type="presOf" srcId="{09EC98DC-8F45-4AD5-912B-A92963C4FEFE}" destId="{EEAC9077-01F1-42BD-846F-6BED530C288B}" srcOrd="0" destOrd="0" presId="urn:microsoft.com/office/officeart/2005/8/layout/hChevron3"/>
+    <dgm:cxn modelId="{B62C08D5-5E3E-4FFE-9B2E-E3DC9FBB7F7B}" type="presOf" srcId="{09EC98DC-8F45-4AD5-912B-A92963C4FEFE}" destId="{EEAC9077-01F1-42BD-846F-6BED530C288B}" srcOrd="0" destOrd="0" presId="urn:microsoft.com/office/officeart/2005/8/layout/hChevron3"/>
+    <dgm:cxn modelId="{CA39F218-8A51-4128-ACC4-EFDA5A467D36}" type="presOf" srcId="{731F41DA-2498-45CA-8528-6FD1DC5C09DA}" destId="{4C5A3F48-B278-4C40-93C5-1081667AF128}" srcOrd="0" destOrd="0" presId="urn:microsoft.com/office/officeart/2005/8/layout/hChevron3"/>
+    <dgm:cxn modelId="{108AE9E1-3B40-4E51-8217-EB94ABE6A7CB}" type="presOf" srcId="{D77F973E-DBE7-4971-A912-3B842F68AE28}" destId="{3D68703C-D16F-4B94-8048-727D716F0341}" srcOrd="0" destOrd="0" presId="urn:microsoft.com/office/officeart/2005/8/layout/hChevron3"/>
+    <dgm:cxn modelId="{F03E2C5D-316E-4579-B3A4-1A9C73F9FC6A}" type="presOf" srcId="{E2B88BD7-B9AA-4888-A409-7B49742D9704}" destId="{D63F070F-BF1F-4CB4-9F52-F2692A513684}" srcOrd="0" destOrd="0" presId="urn:microsoft.com/office/officeart/2005/8/layout/hChevron3"/>
     <dgm:cxn modelId="{BBB60825-C0B6-458A-914B-603B015A0758}" srcId="{09EC98DC-8F45-4AD5-912B-A92963C4FEFE}" destId="{E2B88BD7-B9AA-4888-A409-7B49742D9704}" srcOrd="1" destOrd="0" parTransId="{0B906902-18B8-4450-8F1B-300EA1D9B1B3}" sibTransId="{EA859464-0BB1-4253-80DE-F71C7CC3408D}"/>
-    <dgm:cxn modelId="{CE7D50C3-BCA4-404B-B108-7496521E3B7E}" type="presOf" srcId="{731F41DA-2498-45CA-8528-6FD1DC5C09DA}" destId="{4C5A3F48-B278-4C40-93C5-1081667AF128}" srcOrd="0" destOrd="0" presId="urn:microsoft.com/office/officeart/2005/8/layout/hChevron3"/>
-    <dgm:cxn modelId="{2AB5E077-AFF9-4E59-A49D-E1CDF9115DD0}" type="presParOf" srcId="{EEAC9077-01F1-42BD-846F-6BED530C288B}" destId="{3D68703C-D16F-4B94-8048-727D716F0341}" srcOrd="0" destOrd="0" presId="urn:microsoft.com/office/officeart/2005/8/layout/hChevron3"/>
-    <dgm:cxn modelId="{A911922A-2BA0-4380-8F37-C9D7096C4979}" type="presParOf" srcId="{EEAC9077-01F1-42BD-846F-6BED530C288B}" destId="{C8DB5D52-D651-4893-8D32-3B4EA080765C}" srcOrd="1" destOrd="0" presId="urn:microsoft.com/office/officeart/2005/8/layout/hChevron3"/>
-    <dgm:cxn modelId="{F9C1AE15-DB69-4670-81A2-EDB61B5D0D02}" type="presParOf" srcId="{EEAC9077-01F1-42BD-846F-6BED530C288B}" destId="{D63F070F-BF1F-4CB4-9F52-F2692A513684}" srcOrd="2" destOrd="0" presId="urn:microsoft.com/office/officeart/2005/8/layout/hChevron3"/>
-    <dgm:cxn modelId="{874CE961-E8CB-40B3-87BF-0DF7D4811AB7}" type="presParOf" srcId="{EEAC9077-01F1-42BD-846F-6BED530C288B}" destId="{52F438A7-97F5-4BC7-840F-053C2BA74FEA}" srcOrd="3" destOrd="0" presId="urn:microsoft.com/office/officeart/2005/8/layout/hChevron3"/>
-    <dgm:cxn modelId="{E55A0E56-E028-485A-BB73-5E7E3A1C5226}" type="presParOf" srcId="{EEAC9077-01F1-42BD-846F-6BED530C288B}" destId="{4C5A3F48-B278-4C40-93C5-1081667AF128}" srcOrd="4" destOrd="0" presId="urn:microsoft.com/office/officeart/2005/8/layout/hChevron3"/>
+    <dgm:cxn modelId="{50DD8128-0C8C-4F68-8BE8-2D3DCB5721E9}" type="presParOf" srcId="{EEAC9077-01F1-42BD-846F-6BED530C288B}" destId="{3D68703C-D16F-4B94-8048-727D716F0341}" srcOrd="0" destOrd="0" presId="urn:microsoft.com/office/officeart/2005/8/layout/hChevron3"/>
+    <dgm:cxn modelId="{4E69352C-7629-46C1-89BC-2D73ECC02742}" type="presParOf" srcId="{EEAC9077-01F1-42BD-846F-6BED530C288B}" destId="{C8DB5D52-D651-4893-8D32-3B4EA080765C}" srcOrd="1" destOrd="0" presId="urn:microsoft.com/office/officeart/2005/8/layout/hChevron3"/>
+    <dgm:cxn modelId="{A37E2B4E-D7D6-44CD-A5CA-6F15831C2CCB}" type="presParOf" srcId="{EEAC9077-01F1-42BD-846F-6BED530C288B}" destId="{D63F070F-BF1F-4CB4-9F52-F2692A513684}" srcOrd="2" destOrd="0" presId="urn:microsoft.com/office/officeart/2005/8/layout/hChevron3"/>
+    <dgm:cxn modelId="{A6206772-45EB-4CF9-B072-2550750D6258}" type="presParOf" srcId="{EEAC9077-01F1-42BD-846F-6BED530C288B}" destId="{52F438A7-97F5-4BC7-840F-053C2BA74FEA}" srcOrd="3" destOrd="0" presId="urn:microsoft.com/office/officeart/2005/8/layout/hChevron3"/>
+    <dgm:cxn modelId="{4160E60A-6729-4D5F-B6CB-F8E58105CD8A}" type="presParOf" srcId="{EEAC9077-01F1-42BD-846F-6BED530C288B}" destId="{4C5A3F48-B278-4C40-93C5-1081667AF128}" srcOrd="4" destOrd="0" presId="urn:microsoft.com/office/officeart/2005/8/layout/hChevron3"/>
   </dgm:cxnLst>
   <dgm:bg/>
   <dgm:whole/>
   <dgm:extLst>
     <a:ext uri="http://schemas.microsoft.com/office/drawing/2008/diagram">
-      <dsp:dataModelExt xmlns:dsp="http://schemas.microsoft.com/office/drawing/2008/diagram" relId="rId7" minVer="http://schemas.openxmlformats.org/drawingml/2006/diagram"/>
+      <dsp:dataModelExt xmlns:dsp="http://schemas.microsoft.com/office/drawing/2008/diagram" relId="rId6" minVer="http://schemas.openxmlformats.org/drawingml/2006/diagram"/>
     </a:ext>
   </dgm:extLst>
 </dgm:dataModel>
@@ -7657,7 +8647,10 @@
       <dgm:prSet phldrT="[Text]" custT="1"/>
       <dgm:spPr>
         <a:solidFill>
-          <a:schemeClr val="tx2"/>
+          <a:schemeClr val="accent2">
+            <a:lumMod val="40000"/>
+            <a:lumOff val="60000"/>
+          </a:schemeClr>
         </a:solidFill>
       </dgm:spPr>
       <dgm:t>
@@ -7667,7 +8660,7 @@
           <a:r>
             <a:rPr lang="en-US" sz="1800" dirty="0">
               <a:solidFill>
-                <a:schemeClr val="bg1"/>
+                <a:schemeClr val="tx2"/>
               </a:solidFill>
               <a:latin typeface="Helvetica" panose="020B0604020202020204" pitchFamily="34" charset="0"/>
               <a:cs typeface="Helvetica" panose="020B0604020202020204" pitchFamily="34" charset="0"/>
@@ -7703,10 +8696,7 @@
       <dgm:prSet phldrT="[Text]" custT="1"/>
       <dgm:spPr>
         <a:solidFill>
-          <a:schemeClr val="accent2">
-            <a:lumMod val="40000"/>
-            <a:lumOff val="60000"/>
-          </a:schemeClr>
+          <a:schemeClr val="tx2"/>
         </a:solidFill>
       </dgm:spPr>
       <dgm:t>
@@ -7715,9 +8705,6 @@
         <a:p>
           <a:r>
             <a:rPr lang="en-US" sz="1800" dirty="0">
-              <a:solidFill>
-                <a:schemeClr val="tx2"/>
-              </a:solidFill>
               <a:latin typeface="Helvetica" panose="020B0604020202020204" pitchFamily="34" charset="0"/>
               <a:cs typeface="Helvetica" panose="020B0604020202020204" pitchFamily="34" charset="0"/>
             </a:rPr>
@@ -7764,6 +8751,13 @@
         </dgm:presLayoutVars>
       </dgm:prSet>
       <dgm:spPr/>
+      <dgm:t>
+        <a:bodyPr/>
+        <a:lstStyle/>
+        <a:p>
+          <a:endParaRPr lang="en-US"/>
+        </a:p>
+      </dgm:t>
     </dgm:pt>
     <dgm:pt modelId="{C8DB5D52-D651-4893-8D32-3B4EA080765C}" type="pres">
       <dgm:prSet presAssocID="{3F3D89EF-C712-4FA0-B746-8D2E2CC85318}" presName="parSpace" presStyleCnt="0"/>
@@ -7776,6 +8770,13 @@
         </dgm:presLayoutVars>
       </dgm:prSet>
       <dgm:spPr/>
+      <dgm:t>
+        <a:bodyPr/>
+        <a:lstStyle/>
+        <a:p>
+          <a:endParaRPr lang="en-US"/>
+        </a:p>
+      </dgm:t>
     </dgm:pt>
     <dgm:pt modelId="{52F438A7-97F5-4BC7-840F-053C2BA74FEA}" type="pres">
       <dgm:prSet presAssocID="{EA859464-0BB1-4253-80DE-F71C7CC3408D}" presName="parSpace" presStyleCnt="0"/>
@@ -7788,13 +8789,20 @@
         </dgm:presLayoutVars>
       </dgm:prSet>
       <dgm:spPr/>
+      <dgm:t>
+        <a:bodyPr/>
+        <a:lstStyle/>
+        <a:p>
+          <a:endParaRPr lang="en-US"/>
+        </a:p>
+      </dgm:t>
     </dgm:pt>
   </dgm:ptLst>
   <dgm:cxnLst>
     <dgm:cxn modelId="{24C2A1E3-AAD3-450D-BA22-D11414EB4D92}" type="presOf" srcId="{D77F973E-DBE7-4971-A912-3B842F68AE28}" destId="{3D68703C-D16F-4B94-8048-727D716F0341}" srcOrd="0" destOrd="0" presId="urn:microsoft.com/office/officeart/2005/8/layout/hChevron3"/>
     <dgm:cxn modelId="{AF0A90C1-7B99-4A13-B55A-F01CC865D307}" srcId="{09EC98DC-8F45-4AD5-912B-A92963C4FEFE}" destId="{731F41DA-2498-45CA-8528-6FD1DC5C09DA}" srcOrd="2" destOrd="0" parTransId="{E1426EC7-4F10-4E2B-99F2-C824CE27B14B}" sibTransId="{CB478F14-E0FF-4D50-BF5A-2745756ADB85}"/>
+    <dgm:cxn modelId="{70B29392-AED4-428F-8B7C-6C986CFD8605}" type="presOf" srcId="{E2B88BD7-B9AA-4888-A409-7B49742D9704}" destId="{D63F070F-BF1F-4CB4-9F52-F2692A513684}" srcOrd="0" destOrd="0" presId="urn:microsoft.com/office/officeart/2005/8/layout/hChevron3"/>
     <dgm:cxn modelId="{64282974-7445-4BE4-9ED7-42BA1C5512B2}" srcId="{09EC98DC-8F45-4AD5-912B-A92963C4FEFE}" destId="{D77F973E-DBE7-4971-A912-3B842F68AE28}" srcOrd="0" destOrd="0" parTransId="{FE0B926B-F8C4-4E24-BFB5-FE20D92DF808}" sibTransId="{3F3D89EF-C712-4FA0-B746-8D2E2CC85318}"/>
-    <dgm:cxn modelId="{70B29392-AED4-428F-8B7C-6C986CFD8605}" type="presOf" srcId="{E2B88BD7-B9AA-4888-A409-7B49742D9704}" destId="{D63F070F-BF1F-4CB4-9F52-F2692A513684}" srcOrd="0" destOrd="0" presId="urn:microsoft.com/office/officeart/2005/8/layout/hChevron3"/>
     <dgm:cxn modelId="{118C6BDB-1254-43F2-ADC0-1EB851BE7EB5}" type="presOf" srcId="{09EC98DC-8F45-4AD5-912B-A92963C4FEFE}" destId="{EEAC9077-01F1-42BD-846F-6BED530C288B}" srcOrd="0" destOrd="0" presId="urn:microsoft.com/office/officeart/2005/8/layout/hChevron3"/>
     <dgm:cxn modelId="{BBB60825-C0B6-458A-914B-603B015A0758}" srcId="{09EC98DC-8F45-4AD5-912B-A92963C4FEFE}" destId="{E2B88BD7-B9AA-4888-A409-7B49742D9704}" srcOrd="1" destOrd="0" parTransId="{0B906902-18B8-4450-8F1B-300EA1D9B1B3}" sibTransId="{EA859464-0BB1-4253-80DE-F71C7CC3408D}"/>
     <dgm:cxn modelId="{CE7D50C3-BCA4-404B-B108-7496521E3B7E}" type="presOf" srcId="{731F41DA-2498-45CA-8528-6FD1DC5C09DA}" destId="{4C5A3F48-B278-4C40-93C5-1081667AF128}" srcOrd="0" destOrd="0" presId="urn:microsoft.com/office/officeart/2005/8/layout/hChevron3"/>
@@ -7808,7 +8816,7 @@
   <dgm:whole/>
   <dgm:extLst>
     <a:ext uri="http://schemas.microsoft.com/office/drawing/2008/diagram">
-      <dsp:dataModelExt xmlns:dsp="http://schemas.microsoft.com/office/drawing/2008/diagram" relId="rId8" minVer="http://schemas.openxmlformats.org/drawingml/2006/diagram"/>
+      <dsp:dataModelExt xmlns:dsp="http://schemas.microsoft.com/office/drawing/2008/diagram" relId="rId7" minVer="http://schemas.openxmlformats.org/drawingml/2006/diagram"/>
     </a:ext>
   </dgm:extLst>
 </dgm:dataModel>
@@ -7978,6 +8986,13 @@
         </dgm:presLayoutVars>
       </dgm:prSet>
       <dgm:spPr/>
+      <dgm:t>
+        <a:bodyPr/>
+        <a:lstStyle/>
+        <a:p>
+          <a:endParaRPr lang="en-US"/>
+        </a:p>
+      </dgm:t>
     </dgm:pt>
     <dgm:pt modelId="{C8DB5D52-D651-4893-8D32-3B4EA080765C}" type="pres">
       <dgm:prSet presAssocID="{3F3D89EF-C712-4FA0-B746-8D2E2CC85318}" presName="parSpace" presStyleCnt="0"/>
@@ -7990,6 +9005,13 @@
         </dgm:presLayoutVars>
       </dgm:prSet>
       <dgm:spPr/>
+      <dgm:t>
+        <a:bodyPr/>
+        <a:lstStyle/>
+        <a:p>
+          <a:endParaRPr lang="en-US"/>
+        </a:p>
+      </dgm:t>
     </dgm:pt>
     <dgm:pt modelId="{52F438A7-97F5-4BC7-840F-053C2BA74FEA}" type="pres">
       <dgm:prSet presAssocID="{EA859464-0BB1-4253-80DE-F71C7CC3408D}" presName="parSpace" presStyleCnt="0"/>
@@ -8002,13 +9024,255 @@
         </dgm:presLayoutVars>
       </dgm:prSet>
       <dgm:spPr/>
+      <dgm:t>
+        <a:bodyPr/>
+        <a:lstStyle/>
+        <a:p>
+          <a:endParaRPr lang="en-US"/>
+        </a:p>
+      </dgm:t>
     </dgm:pt>
   </dgm:ptLst>
   <dgm:cxnLst>
     <dgm:cxn modelId="{24C2A1E3-AAD3-450D-BA22-D11414EB4D92}" type="presOf" srcId="{D77F973E-DBE7-4971-A912-3B842F68AE28}" destId="{3D68703C-D16F-4B94-8048-727D716F0341}" srcOrd="0" destOrd="0" presId="urn:microsoft.com/office/officeart/2005/8/layout/hChevron3"/>
     <dgm:cxn modelId="{AF0A90C1-7B99-4A13-B55A-F01CC865D307}" srcId="{09EC98DC-8F45-4AD5-912B-A92963C4FEFE}" destId="{731F41DA-2498-45CA-8528-6FD1DC5C09DA}" srcOrd="2" destOrd="0" parTransId="{E1426EC7-4F10-4E2B-99F2-C824CE27B14B}" sibTransId="{CB478F14-E0FF-4D50-BF5A-2745756ADB85}"/>
+    <dgm:cxn modelId="{70B29392-AED4-428F-8B7C-6C986CFD8605}" type="presOf" srcId="{E2B88BD7-B9AA-4888-A409-7B49742D9704}" destId="{D63F070F-BF1F-4CB4-9F52-F2692A513684}" srcOrd="0" destOrd="0" presId="urn:microsoft.com/office/officeart/2005/8/layout/hChevron3"/>
     <dgm:cxn modelId="{64282974-7445-4BE4-9ED7-42BA1C5512B2}" srcId="{09EC98DC-8F45-4AD5-912B-A92963C4FEFE}" destId="{D77F973E-DBE7-4971-A912-3B842F68AE28}" srcOrd="0" destOrd="0" parTransId="{FE0B926B-F8C4-4E24-BFB5-FE20D92DF808}" sibTransId="{3F3D89EF-C712-4FA0-B746-8D2E2CC85318}"/>
+    <dgm:cxn modelId="{118C6BDB-1254-43F2-ADC0-1EB851BE7EB5}" type="presOf" srcId="{09EC98DC-8F45-4AD5-912B-A92963C4FEFE}" destId="{EEAC9077-01F1-42BD-846F-6BED530C288B}" srcOrd="0" destOrd="0" presId="urn:microsoft.com/office/officeart/2005/8/layout/hChevron3"/>
+    <dgm:cxn modelId="{BBB60825-C0B6-458A-914B-603B015A0758}" srcId="{09EC98DC-8F45-4AD5-912B-A92963C4FEFE}" destId="{E2B88BD7-B9AA-4888-A409-7B49742D9704}" srcOrd="1" destOrd="0" parTransId="{0B906902-18B8-4450-8F1B-300EA1D9B1B3}" sibTransId="{EA859464-0BB1-4253-80DE-F71C7CC3408D}"/>
+    <dgm:cxn modelId="{CE7D50C3-BCA4-404B-B108-7496521E3B7E}" type="presOf" srcId="{731F41DA-2498-45CA-8528-6FD1DC5C09DA}" destId="{4C5A3F48-B278-4C40-93C5-1081667AF128}" srcOrd="0" destOrd="0" presId="urn:microsoft.com/office/officeart/2005/8/layout/hChevron3"/>
+    <dgm:cxn modelId="{2AB5E077-AFF9-4E59-A49D-E1CDF9115DD0}" type="presParOf" srcId="{EEAC9077-01F1-42BD-846F-6BED530C288B}" destId="{3D68703C-D16F-4B94-8048-727D716F0341}" srcOrd="0" destOrd="0" presId="urn:microsoft.com/office/officeart/2005/8/layout/hChevron3"/>
+    <dgm:cxn modelId="{A911922A-2BA0-4380-8F37-C9D7096C4979}" type="presParOf" srcId="{EEAC9077-01F1-42BD-846F-6BED530C288B}" destId="{C8DB5D52-D651-4893-8D32-3B4EA080765C}" srcOrd="1" destOrd="0" presId="urn:microsoft.com/office/officeart/2005/8/layout/hChevron3"/>
+    <dgm:cxn modelId="{F9C1AE15-DB69-4670-81A2-EDB61B5D0D02}" type="presParOf" srcId="{EEAC9077-01F1-42BD-846F-6BED530C288B}" destId="{D63F070F-BF1F-4CB4-9F52-F2692A513684}" srcOrd="2" destOrd="0" presId="urn:microsoft.com/office/officeart/2005/8/layout/hChevron3"/>
+    <dgm:cxn modelId="{874CE961-E8CB-40B3-87BF-0DF7D4811AB7}" type="presParOf" srcId="{EEAC9077-01F1-42BD-846F-6BED530C288B}" destId="{52F438A7-97F5-4BC7-840F-053C2BA74FEA}" srcOrd="3" destOrd="0" presId="urn:microsoft.com/office/officeart/2005/8/layout/hChevron3"/>
+    <dgm:cxn modelId="{E55A0E56-E028-485A-BB73-5E7E3A1C5226}" type="presParOf" srcId="{EEAC9077-01F1-42BD-846F-6BED530C288B}" destId="{4C5A3F48-B278-4C40-93C5-1081667AF128}" srcOrd="4" destOrd="0" presId="urn:microsoft.com/office/officeart/2005/8/layout/hChevron3"/>
+  </dgm:cxnLst>
+  <dgm:bg/>
+  <dgm:whole/>
+  <dgm:extLst>
+    <a:ext uri="http://schemas.microsoft.com/office/drawing/2008/diagram">
+      <dsp:dataModelExt xmlns:dsp="http://schemas.microsoft.com/office/drawing/2008/diagram" relId="rId8" minVer="http://schemas.openxmlformats.org/drawingml/2006/diagram"/>
+    </a:ext>
+  </dgm:extLst>
+</dgm:dataModel>
+</file>
+
+<file path=ppt/diagrams/data9.xml><?xml version="1.0" encoding="utf-8"?>
+<dgm:dataModel xmlns:dgm="http://schemas.openxmlformats.org/drawingml/2006/diagram" xmlns:a="http://schemas.openxmlformats.org/drawingml/2006/main">
+  <dgm:ptLst>
+    <dgm:pt modelId="{09EC98DC-8F45-4AD5-912B-A92963C4FEFE}" type="doc">
+      <dgm:prSet loTypeId="urn:microsoft.com/office/officeart/2005/8/layout/hChevron3" loCatId="process" qsTypeId="urn:microsoft.com/office/officeart/2005/8/quickstyle/simple1" qsCatId="simple" csTypeId="urn:microsoft.com/office/officeart/2005/8/colors/accent0_3" csCatId="mainScheme" phldr="1"/>
+      <dgm:spPr/>
+    </dgm:pt>
+    <dgm:pt modelId="{D77F973E-DBE7-4971-A912-3B842F68AE28}">
+      <dgm:prSet phldrT="[Text]" custT="1"/>
+      <dgm:spPr>
+        <a:solidFill>
+          <a:schemeClr val="tx2"/>
+        </a:solidFill>
+      </dgm:spPr>
+      <dgm:t>
+        <a:bodyPr/>
+        <a:lstStyle/>
+        <a:p>
+          <a:r>
+            <a:rPr lang="en-US" sz="1800" dirty="0">
+              <a:solidFill>
+                <a:schemeClr val="bg1"/>
+              </a:solidFill>
+              <a:latin typeface="Helvetica" panose="020B0604020202020204" pitchFamily="34" charset="0"/>
+              <a:cs typeface="Helvetica" panose="020B0604020202020204" pitchFamily="34" charset="0"/>
+            </a:rPr>
+            <a:t>problem</a:t>
+          </a:r>
+        </a:p>
+      </dgm:t>
+    </dgm:pt>
+    <dgm:pt modelId="{FE0B926B-F8C4-4E24-BFB5-FE20D92DF808}" type="parTrans" cxnId="{64282974-7445-4BE4-9ED7-42BA1C5512B2}">
+      <dgm:prSet/>
+      <dgm:spPr/>
+      <dgm:t>
+        <a:bodyPr/>
+        <a:lstStyle/>
+        <a:p>
+          <a:endParaRPr lang="en-US"/>
+        </a:p>
+      </dgm:t>
+    </dgm:pt>
+    <dgm:pt modelId="{3F3D89EF-C712-4FA0-B746-8D2E2CC85318}" type="sibTrans" cxnId="{64282974-7445-4BE4-9ED7-42BA1C5512B2}">
+      <dgm:prSet/>
+      <dgm:spPr/>
+      <dgm:t>
+        <a:bodyPr/>
+        <a:lstStyle/>
+        <a:p>
+          <a:endParaRPr lang="en-US"/>
+        </a:p>
+      </dgm:t>
+    </dgm:pt>
+    <dgm:pt modelId="{E2B88BD7-B9AA-4888-A409-7B49742D9704}">
+      <dgm:prSet phldrT="[Text]" custT="1"/>
+      <dgm:spPr>
+        <a:solidFill>
+          <a:schemeClr val="tx2"/>
+        </a:solidFill>
+      </dgm:spPr>
+      <dgm:t>
+        <a:bodyPr/>
+        <a:lstStyle/>
+        <a:p>
+          <a:r>
+            <a:rPr lang="en-US" sz="1800" dirty="0">
+              <a:solidFill>
+                <a:schemeClr val="bg1"/>
+              </a:solidFill>
+              <a:latin typeface="Helvetica" panose="020B0604020202020204" pitchFamily="34" charset="0"/>
+              <a:cs typeface="Helvetica" panose="020B0604020202020204" pitchFamily="34" charset="0"/>
+            </a:rPr>
+            <a:t>dataset</a:t>
+          </a:r>
+        </a:p>
+      </dgm:t>
+    </dgm:pt>
+    <dgm:pt modelId="{0B906902-18B8-4450-8F1B-300EA1D9B1B3}" type="parTrans" cxnId="{BBB60825-C0B6-458A-914B-603B015A0758}">
+      <dgm:prSet/>
+      <dgm:spPr/>
+      <dgm:t>
+        <a:bodyPr/>
+        <a:lstStyle/>
+        <a:p>
+          <a:endParaRPr lang="en-US"/>
+        </a:p>
+      </dgm:t>
+    </dgm:pt>
+    <dgm:pt modelId="{EA859464-0BB1-4253-80DE-F71C7CC3408D}" type="sibTrans" cxnId="{BBB60825-C0B6-458A-914B-603B015A0758}">
+      <dgm:prSet/>
+      <dgm:spPr/>
+      <dgm:t>
+        <a:bodyPr/>
+        <a:lstStyle/>
+        <a:p>
+          <a:endParaRPr lang="en-US"/>
+        </a:p>
+      </dgm:t>
+    </dgm:pt>
+    <dgm:pt modelId="{731F41DA-2498-45CA-8528-6FD1DC5C09DA}">
+      <dgm:prSet phldrT="[Text]" custT="1"/>
+      <dgm:spPr>
+        <a:solidFill>
+          <a:schemeClr val="accent2">
+            <a:lumMod val="40000"/>
+            <a:lumOff val="60000"/>
+          </a:schemeClr>
+        </a:solidFill>
+      </dgm:spPr>
+      <dgm:t>
+        <a:bodyPr/>
+        <a:lstStyle/>
+        <a:p>
+          <a:r>
+            <a:rPr lang="en-US" sz="1800" dirty="0">
+              <a:solidFill>
+                <a:schemeClr val="tx2"/>
+              </a:solidFill>
+              <a:latin typeface="Helvetica" panose="020B0604020202020204" pitchFamily="34" charset="0"/>
+              <a:cs typeface="Helvetica" panose="020B0604020202020204" pitchFamily="34" charset="0"/>
+            </a:rPr>
+            <a:t>progress</a:t>
+          </a:r>
+        </a:p>
+      </dgm:t>
+    </dgm:pt>
+    <dgm:pt modelId="{E1426EC7-4F10-4E2B-99F2-C824CE27B14B}" type="parTrans" cxnId="{AF0A90C1-7B99-4A13-B55A-F01CC865D307}">
+      <dgm:prSet/>
+      <dgm:spPr/>
+      <dgm:t>
+        <a:bodyPr/>
+        <a:lstStyle/>
+        <a:p>
+          <a:endParaRPr lang="en-US"/>
+        </a:p>
+      </dgm:t>
+    </dgm:pt>
+    <dgm:pt modelId="{CB478F14-E0FF-4D50-BF5A-2745756ADB85}" type="sibTrans" cxnId="{AF0A90C1-7B99-4A13-B55A-F01CC865D307}">
+      <dgm:prSet/>
+      <dgm:spPr/>
+      <dgm:t>
+        <a:bodyPr/>
+        <a:lstStyle/>
+        <a:p>
+          <a:endParaRPr lang="en-US"/>
+        </a:p>
+      </dgm:t>
+    </dgm:pt>
+    <dgm:pt modelId="{EEAC9077-01F1-42BD-846F-6BED530C288B}" type="pres">
+      <dgm:prSet presAssocID="{09EC98DC-8F45-4AD5-912B-A92963C4FEFE}" presName="Name0" presStyleCnt="0">
+        <dgm:presLayoutVars>
+          <dgm:dir/>
+          <dgm:resizeHandles val="exact"/>
+        </dgm:presLayoutVars>
+      </dgm:prSet>
+      <dgm:spPr/>
+    </dgm:pt>
+    <dgm:pt modelId="{3D68703C-D16F-4B94-8048-727D716F0341}" type="pres">
+      <dgm:prSet presAssocID="{D77F973E-DBE7-4971-A912-3B842F68AE28}" presName="parTxOnly" presStyleLbl="node1" presStyleIdx="0" presStyleCnt="3">
+        <dgm:presLayoutVars>
+          <dgm:bulletEnabled val="1"/>
+        </dgm:presLayoutVars>
+      </dgm:prSet>
+      <dgm:spPr/>
+      <dgm:t>
+        <a:bodyPr/>
+        <a:lstStyle/>
+        <a:p>
+          <a:endParaRPr lang="en-US"/>
+        </a:p>
+      </dgm:t>
+    </dgm:pt>
+    <dgm:pt modelId="{C8DB5D52-D651-4893-8D32-3B4EA080765C}" type="pres">
+      <dgm:prSet presAssocID="{3F3D89EF-C712-4FA0-B746-8D2E2CC85318}" presName="parSpace" presStyleCnt="0"/>
+      <dgm:spPr/>
+    </dgm:pt>
+    <dgm:pt modelId="{D63F070F-BF1F-4CB4-9F52-F2692A513684}" type="pres">
+      <dgm:prSet presAssocID="{E2B88BD7-B9AA-4888-A409-7B49742D9704}" presName="parTxOnly" presStyleLbl="node1" presStyleIdx="1" presStyleCnt="3">
+        <dgm:presLayoutVars>
+          <dgm:bulletEnabled val="1"/>
+        </dgm:presLayoutVars>
+      </dgm:prSet>
+      <dgm:spPr/>
+      <dgm:t>
+        <a:bodyPr/>
+        <a:lstStyle/>
+        <a:p>
+          <a:endParaRPr lang="en-US"/>
+        </a:p>
+      </dgm:t>
+    </dgm:pt>
+    <dgm:pt modelId="{52F438A7-97F5-4BC7-840F-053C2BA74FEA}" type="pres">
+      <dgm:prSet presAssocID="{EA859464-0BB1-4253-80DE-F71C7CC3408D}" presName="parSpace" presStyleCnt="0"/>
+      <dgm:spPr/>
+    </dgm:pt>
+    <dgm:pt modelId="{4C5A3F48-B278-4C40-93C5-1081667AF128}" type="pres">
+      <dgm:prSet presAssocID="{731F41DA-2498-45CA-8528-6FD1DC5C09DA}" presName="parTxOnly" presStyleLbl="node1" presStyleIdx="2" presStyleCnt="3">
+        <dgm:presLayoutVars>
+          <dgm:bulletEnabled val="1"/>
+        </dgm:presLayoutVars>
+      </dgm:prSet>
+      <dgm:spPr/>
+      <dgm:t>
+        <a:bodyPr/>
+        <a:lstStyle/>
+        <a:p>
+          <a:endParaRPr lang="en-US"/>
+        </a:p>
+      </dgm:t>
+    </dgm:pt>
+  </dgm:ptLst>
+  <dgm:cxnLst>
+    <dgm:cxn modelId="{24C2A1E3-AAD3-450D-BA22-D11414EB4D92}" type="presOf" srcId="{D77F973E-DBE7-4971-A912-3B842F68AE28}" destId="{3D68703C-D16F-4B94-8048-727D716F0341}" srcOrd="0" destOrd="0" presId="urn:microsoft.com/office/officeart/2005/8/layout/hChevron3"/>
+    <dgm:cxn modelId="{AF0A90C1-7B99-4A13-B55A-F01CC865D307}" srcId="{09EC98DC-8F45-4AD5-912B-A92963C4FEFE}" destId="{731F41DA-2498-45CA-8528-6FD1DC5C09DA}" srcOrd="2" destOrd="0" parTransId="{E1426EC7-4F10-4E2B-99F2-C824CE27B14B}" sibTransId="{CB478F14-E0FF-4D50-BF5A-2745756ADB85}"/>
     <dgm:cxn modelId="{70B29392-AED4-428F-8B7C-6C986CFD8605}" type="presOf" srcId="{E2B88BD7-B9AA-4888-A409-7B49742D9704}" destId="{D63F070F-BF1F-4CB4-9F52-F2692A513684}" srcOrd="0" destOrd="0" presId="urn:microsoft.com/office/officeart/2005/8/layout/hChevron3"/>
+    <dgm:cxn modelId="{64282974-7445-4BE4-9ED7-42BA1C5512B2}" srcId="{09EC98DC-8F45-4AD5-912B-A92963C4FEFE}" destId="{D77F973E-DBE7-4971-A912-3B842F68AE28}" srcOrd="0" destOrd="0" parTransId="{FE0B926B-F8C4-4E24-BFB5-FE20D92DF808}" sibTransId="{3F3D89EF-C712-4FA0-B746-8D2E2CC85318}"/>
     <dgm:cxn modelId="{118C6BDB-1254-43F2-ADC0-1EB851BE7EB5}" type="presOf" srcId="{09EC98DC-8F45-4AD5-912B-A92963C4FEFE}" destId="{EEAC9077-01F1-42BD-846F-6BED530C288B}" srcOrd="0" destOrd="0" presId="urn:microsoft.com/office/officeart/2005/8/layout/hChevron3"/>
     <dgm:cxn modelId="{BBB60825-C0B6-458A-914B-603B015A0758}" srcId="{09EC98DC-8F45-4AD5-912B-A92963C4FEFE}" destId="{E2B88BD7-B9AA-4888-A409-7B49742D9704}" srcOrd="1" destOrd="0" parTransId="{0B906902-18B8-4450-8F1B-300EA1D9B1B3}" sibTransId="{EA859464-0BB1-4253-80DE-F71C7CC3408D}"/>
     <dgm:cxn modelId="{CE7D50C3-BCA4-404B-B108-7496521E3B7E}" type="presOf" srcId="{731F41DA-2498-45CA-8528-6FD1DC5C09DA}" destId="{4C5A3F48-B278-4C40-93C5-1081667AF128}" srcOrd="0" destOrd="0" presId="urn:microsoft.com/office/officeart/2005/8/layout/hChevron3"/>
@@ -8869,8 +10133,8 @@
       </dsp:nvSpPr>
       <dsp:spPr>
         <a:xfrm>
-          <a:off x="3635207" y="1420"/>
-          <a:ext cx="1545339" cy="1545339"/>
+          <a:off x="1876017" y="3491"/>
+          <a:ext cx="1543738" cy="1543738"/>
         </a:xfrm>
         <a:prstGeom prst="ellipse">
           <a:avLst/>
@@ -8936,8 +10200,8 @@
         </a:p>
       </dsp:txBody>
       <dsp:txXfrm>
-        <a:off x="3861517" y="227730"/>
-        <a:ext cx="1092719" cy="1092719"/>
+        <a:off x="2102092" y="229566"/>
+        <a:ext cx="1091588" cy="1091588"/>
       </dsp:txXfrm>
     </dsp:sp>
     <dsp:sp modelId="{A7F16CF1-E6A7-4EF0-B562-F56AA39464B4}">
@@ -8947,8 +10211,8 @@
       </dsp:nvSpPr>
       <dsp:spPr>
         <a:xfrm rot="2160000">
-          <a:off x="5131584" y="1188166"/>
-          <a:ext cx="410293" cy="521552"/>
+          <a:off x="3370939" y="1189222"/>
+          <a:ext cx="410266" cy="521011"/>
         </a:xfrm>
         <a:prstGeom prst="rightArrow">
           <a:avLst>
@@ -9005,8 +10269,8 @@
         </a:p>
       </dsp:txBody>
       <dsp:txXfrm>
-        <a:off x="5143338" y="1256301"/>
-        <a:ext cx="287205" cy="312932"/>
+        <a:off x="3382692" y="1257252"/>
+        <a:ext cx="287186" cy="312607"/>
       </dsp:txXfrm>
     </dsp:sp>
     <dsp:sp modelId="{171F66AA-DFE7-4A0F-8320-F73D390D7023}">
@@ -9016,8 +10280,8 @@
       </dsp:nvSpPr>
       <dsp:spPr>
         <a:xfrm>
-          <a:off x="5511703" y="1364775"/>
-          <a:ext cx="1545339" cy="1545339"/>
+          <a:off x="3751178" y="1365875"/>
+          <a:ext cx="1543738" cy="1543738"/>
         </a:xfrm>
         <a:prstGeom prst="ellipse">
           <a:avLst/>
@@ -9083,8 +10347,8 @@
         </a:p>
       </dsp:txBody>
       <dsp:txXfrm>
-        <a:off x="5738013" y="1591085"/>
-        <a:ext cx="1092719" cy="1092719"/>
+        <a:off x="3977253" y="1591950"/>
+        <a:ext cx="1091588" cy="1091588"/>
       </dsp:txXfrm>
     </dsp:sp>
     <dsp:sp modelId="{F5E5FAEF-14FB-4267-8ECC-617319CAD0F3}">
@@ -9094,8 +10358,8 @@
       </dsp:nvSpPr>
       <dsp:spPr>
         <a:xfrm rot="6480000">
-          <a:off x="5724436" y="2968602"/>
-          <a:ext cx="410293" cy="521552"/>
+          <a:off x="3963378" y="2968388"/>
+          <a:ext cx="410266" cy="521011"/>
         </a:xfrm>
         <a:prstGeom prst="rightArrow">
           <a:avLst>
@@ -9152,8 +10416,8 @@
         </a:p>
       </dsp:txBody>
       <dsp:txXfrm rot="10800000">
-        <a:off x="5804998" y="3014380"/>
-        <a:ext cx="287205" cy="312932"/>
+        <a:off x="4043935" y="3014062"/>
+        <a:ext cx="287186" cy="312607"/>
       </dsp:txXfrm>
     </dsp:sp>
     <dsp:sp modelId="{7C4BA0FF-0BE7-4B10-B1C4-69A8399EA6C4}">
@@ -9163,8 +10427,8 @@
       </dsp:nvSpPr>
       <dsp:spPr>
         <a:xfrm>
-          <a:off x="4794945" y="3570729"/>
-          <a:ext cx="1545339" cy="1545339"/>
+          <a:off x="3034930" y="3570259"/>
+          <a:ext cx="1543738" cy="1543738"/>
         </a:xfrm>
         <a:prstGeom prst="ellipse">
           <a:avLst/>
@@ -9230,8 +10494,8 @@
         </a:p>
       </dsp:txBody>
       <dsp:txXfrm>
-        <a:off x="5021255" y="3797039"/>
-        <a:ext cx="1092719" cy="1092719"/>
+        <a:off x="3261005" y="3796334"/>
+        <a:ext cx="1091588" cy="1091588"/>
       </dsp:txXfrm>
     </dsp:sp>
     <dsp:sp modelId="{FF743144-58AB-447C-B6FA-2CED1607B12F}">
@@ -9241,8 +10505,8 @@
       </dsp:nvSpPr>
       <dsp:spPr>
         <a:xfrm rot="10800000">
-          <a:off x="4214342" y="4082623"/>
-          <a:ext cx="410293" cy="521552"/>
+          <a:off x="2454364" y="4081623"/>
+          <a:ext cx="410266" cy="521011"/>
         </a:xfrm>
         <a:prstGeom prst="rightArrow">
           <a:avLst>
@@ -9299,8 +10563,8 @@
         </a:p>
       </dsp:txBody>
       <dsp:txXfrm rot="10800000">
-        <a:off x="4337430" y="4186933"/>
-        <a:ext cx="287205" cy="312932"/>
+        <a:off x="2577444" y="4185825"/>
+        <a:ext cx="287186" cy="312607"/>
       </dsp:txXfrm>
     </dsp:sp>
     <dsp:sp modelId="{4177EB25-4534-4028-A7B4-4E9CED0C87B4}">
@@ -9310,8 +10574,8 @@
       </dsp:nvSpPr>
       <dsp:spPr>
         <a:xfrm>
-          <a:off x="2475468" y="3570729"/>
-          <a:ext cx="1545339" cy="1545339"/>
+          <a:off x="717104" y="3570259"/>
+          <a:ext cx="1543738" cy="1543738"/>
         </a:xfrm>
         <a:prstGeom prst="ellipse">
           <a:avLst/>
@@ -9377,8 +10641,8 @@
         </a:p>
       </dsp:txBody>
       <dsp:txXfrm>
-        <a:off x="2701778" y="3797039"/>
-        <a:ext cx="1092719" cy="1092719"/>
+        <a:off x="943179" y="3796334"/>
+        <a:ext cx="1091588" cy="1091588"/>
       </dsp:txXfrm>
     </dsp:sp>
     <dsp:sp modelId="{988C0722-6581-4472-B72B-583982AB41FA}">
@@ -9388,8 +10652,8 @@
       </dsp:nvSpPr>
       <dsp:spPr>
         <a:xfrm rot="15120000">
-          <a:off x="2688200" y="2990690"/>
-          <a:ext cx="410293" cy="521552"/>
+          <a:off x="929304" y="2990474"/>
+          <a:ext cx="410266" cy="521011"/>
         </a:xfrm>
         <a:prstGeom prst="rightArrow">
           <a:avLst>
@@ -9446,8 +10710,8 @@
         </a:p>
       </dsp:txBody>
       <dsp:txXfrm rot="10800000">
-        <a:off x="2768762" y="3153532"/>
-        <a:ext cx="287205" cy="312932"/>
+        <a:off x="1009861" y="3153204"/>
+        <a:ext cx="287186" cy="312607"/>
       </dsp:txXfrm>
     </dsp:sp>
     <dsp:sp modelId="{0DAB8D05-7AA6-43E1-9BB1-11F4130BDB8E}">
@@ -9457,8 +10721,8 @@
       </dsp:nvSpPr>
       <dsp:spPr>
         <a:xfrm>
-          <a:off x="1758710" y="1364775"/>
-          <a:ext cx="1545339" cy="1545339"/>
+          <a:off x="856" y="1365875"/>
+          <a:ext cx="1543738" cy="1543738"/>
         </a:xfrm>
         <a:prstGeom prst="ellipse">
           <a:avLst/>
@@ -9524,8 +10788,8 @@
         </a:p>
       </dsp:txBody>
       <dsp:txXfrm>
-        <a:off x="1985020" y="1591085"/>
-        <a:ext cx="1092719" cy="1092719"/>
+        <a:off x="226931" y="1591950"/>
+        <a:ext cx="1091588" cy="1091588"/>
       </dsp:txXfrm>
     </dsp:sp>
     <dsp:sp modelId="{91C5FDB7-98C9-4B91-8EAF-59A18274B3E9}">
@@ -9535,8 +10799,8 @@
       </dsp:nvSpPr>
       <dsp:spPr>
         <a:xfrm rot="19440000">
-          <a:off x="3255087" y="1201817"/>
-          <a:ext cx="410293" cy="521552"/>
+          <a:off x="1495778" y="1202872"/>
+          <a:ext cx="410266" cy="521011"/>
         </a:xfrm>
         <a:prstGeom prst="rightArrow">
           <a:avLst>
@@ -9593,8 +10857,8 @@
         </a:p>
       </dsp:txBody>
       <dsp:txXfrm>
-        <a:off x="3266841" y="1342302"/>
-        <a:ext cx="287205" cy="312932"/>
+        <a:off x="1507531" y="1343246"/>
+        <a:ext cx="287186" cy="312607"/>
       </dsp:txXfrm>
     </dsp:sp>
   </dsp:spTree>
@@ -10190,84 +11454,6 @@
           <a:avLst/>
         </a:prstGeom>
         <a:solidFill>
-          <a:schemeClr val="tx2"/>
-        </a:solidFill>
-        <a:ln w="12700" cap="flat" cmpd="sng" algn="ctr">
-          <a:solidFill>
-            <a:schemeClr val="lt2">
-              <a:hueOff val="0"/>
-              <a:satOff val="0"/>
-              <a:lumOff val="0"/>
-              <a:alphaOff val="0"/>
-            </a:schemeClr>
-          </a:solidFill>
-          <a:prstDash val="solid"/>
-          <a:miter lim="800000"/>
-        </a:ln>
-        <a:effectLst/>
-      </dsp:spPr>
-      <dsp:style>
-        <a:lnRef idx="2">
-          <a:scrgbClr r="0" g="0" b="0"/>
-        </a:lnRef>
-        <a:fillRef idx="1">
-          <a:scrgbClr r="0" g="0" b="0"/>
-        </a:fillRef>
-        <a:effectRef idx="0">
-          <a:scrgbClr r="0" g="0" b="0"/>
-        </a:effectRef>
-        <a:fontRef idx="minor">
-          <a:schemeClr val="lt1"/>
-        </a:fontRef>
-      </dsp:style>
-      <dsp:txBody>
-        <a:bodyPr spcFirstLastPara="0" vert="horz" wrap="square" lIns="72009" tIns="48006" rIns="24003" bIns="48006" numCol="1" spcCol="1270" anchor="ctr" anchorCtr="0">
-          <a:noAutofit/>
-        </a:bodyPr>
-        <a:lstStyle/>
-        <a:p>
-          <a:pPr lvl="0" algn="ctr" defTabSz="800100">
-            <a:lnSpc>
-              <a:spcPct val="90000"/>
-            </a:lnSpc>
-            <a:spcBef>
-              <a:spcPct val="0"/>
-            </a:spcBef>
-            <a:spcAft>
-              <a:spcPct val="35000"/>
-            </a:spcAft>
-          </a:pPr>
-          <a:r>
-            <a:rPr lang="en-US" sz="1800" kern="1200" dirty="0">
-              <a:solidFill>
-                <a:schemeClr val="bg1"/>
-              </a:solidFill>
-              <a:latin typeface="Helvetica" panose="020B0604020202020204" pitchFamily="34" charset="0"/>
-              <a:cs typeface="Helvetica" panose="020B0604020202020204" pitchFamily="34" charset="0"/>
-            </a:rPr>
-            <a:t>dataset</a:t>
-          </a:r>
-        </a:p>
-      </dsp:txBody>
-      <dsp:txXfrm>
-        <a:off x="2370268" y="0"/>
-        <a:ext cx="2242509" cy="440917"/>
-      </dsp:txXfrm>
-    </dsp:sp>
-    <dsp:sp modelId="{4C5A3F48-B278-4C40-93C5-1081667AF128}">
-      <dsp:nvSpPr>
-        <dsp:cNvPr id="0" name=""/>
-        <dsp:cNvSpPr/>
-      </dsp:nvSpPr>
-      <dsp:spPr>
-        <a:xfrm>
-          <a:off x="4296550" y="0"/>
-          <a:ext cx="2683426" cy="440917"/>
-        </a:xfrm>
-        <a:prstGeom prst="chevron">
-          <a:avLst/>
-        </a:prstGeom>
-        <a:solidFill>
           <a:schemeClr val="accent2">
             <a:lumMod val="40000"/>
             <a:lumOff val="60000"/>
@@ -10323,6 +11509,81 @@
               <a:solidFill>
                 <a:schemeClr val="tx2"/>
               </a:solidFill>
+              <a:latin typeface="Helvetica" panose="020B0604020202020204" pitchFamily="34" charset="0"/>
+              <a:cs typeface="Helvetica" panose="020B0604020202020204" pitchFamily="34" charset="0"/>
+            </a:rPr>
+            <a:t>dataset</a:t>
+          </a:r>
+        </a:p>
+      </dsp:txBody>
+      <dsp:txXfrm>
+        <a:off x="2370268" y="0"/>
+        <a:ext cx="2242509" cy="440917"/>
+      </dsp:txXfrm>
+    </dsp:sp>
+    <dsp:sp modelId="{4C5A3F48-B278-4C40-93C5-1081667AF128}">
+      <dsp:nvSpPr>
+        <dsp:cNvPr id="0" name=""/>
+        <dsp:cNvSpPr/>
+      </dsp:nvSpPr>
+      <dsp:spPr>
+        <a:xfrm>
+          <a:off x="4296550" y="0"/>
+          <a:ext cx="2683426" cy="440917"/>
+        </a:xfrm>
+        <a:prstGeom prst="chevron">
+          <a:avLst/>
+        </a:prstGeom>
+        <a:solidFill>
+          <a:schemeClr val="tx2"/>
+        </a:solidFill>
+        <a:ln w="12700" cap="flat" cmpd="sng" algn="ctr">
+          <a:solidFill>
+            <a:schemeClr val="lt2">
+              <a:hueOff val="0"/>
+              <a:satOff val="0"/>
+              <a:lumOff val="0"/>
+              <a:alphaOff val="0"/>
+            </a:schemeClr>
+          </a:solidFill>
+          <a:prstDash val="solid"/>
+          <a:miter lim="800000"/>
+        </a:ln>
+        <a:effectLst/>
+      </dsp:spPr>
+      <dsp:style>
+        <a:lnRef idx="2">
+          <a:scrgbClr r="0" g="0" b="0"/>
+        </a:lnRef>
+        <a:fillRef idx="1">
+          <a:scrgbClr r="0" g="0" b="0"/>
+        </a:fillRef>
+        <a:effectRef idx="0">
+          <a:scrgbClr r="0" g="0" b="0"/>
+        </a:effectRef>
+        <a:fontRef idx="minor">
+          <a:schemeClr val="lt1"/>
+        </a:fontRef>
+      </dsp:style>
+      <dsp:txBody>
+        <a:bodyPr spcFirstLastPara="0" vert="horz" wrap="square" lIns="72009" tIns="48006" rIns="24003" bIns="48006" numCol="1" spcCol="1270" anchor="ctr" anchorCtr="0">
+          <a:noAutofit/>
+        </a:bodyPr>
+        <a:lstStyle/>
+        <a:p>
+          <a:pPr lvl="0" algn="ctr" defTabSz="800100">
+            <a:lnSpc>
+              <a:spcPct val="90000"/>
+            </a:lnSpc>
+            <a:spcBef>
+              <a:spcPct val="0"/>
+            </a:spcBef>
+            <a:spcAft>
+              <a:spcPct val="35000"/>
+            </a:spcAft>
+          </a:pPr>
+          <a:r>
+            <a:rPr lang="en-US" sz="1800" kern="1200" dirty="0">
               <a:latin typeface="Helvetica" panose="020B0604020202020204" pitchFamily="34" charset="0"/>
               <a:cs typeface="Helvetica" panose="020B0604020202020204" pitchFamily="34" charset="0"/>
             </a:rPr>
@@ -10584,6 +11845,18 @@
         <a:ext cx="2242509" cy="440917"/>
       </dsp:txXfrm>
     </dsp:sp>
+  </dsp:spTree>
+</dsp:drawing>
+</file>
+
+<file path=ppt/diagrams/drawing9.xml><?xml version="1.0" encoding="utf-8"?>
+<dsp:drawing xmlns:dgm="http://schemas.openxmlformats.org/drawingml/2006/diagram" xmlns:dsp="http://schemas.microsoft.com/office/drawing/2008/diagram" xmlns:a="http://schemas.openxmlformats.org/drawingml/2006/main">
+  <dsp:spTree>
+    <dsp:nvGrpSpPr>
+      <dsp:cNvPr id="0" name=""/>
+      <dsp:cNvGrpSpPr/>
+    </dsp:nvGrpSpPr>
+    <dsp:grpSpPr/>
   </dsp:spTree>
 </dsp:drawing>
 </file>
@@ -12691,6 +13964,278 @@
 </dgm:layoutDef>
 </file>
 
+<file path=ppt/diagrams/layout9.xml><?xml version="1.0" encoding="utf-8"?>
+<dgm:layoutDef xmlns:dgm="http://schemas.openxmlformats.org/drawingml/2006/diagram" xmlns:a="http://schemas.openxmlformats.org/drawingml/2006/main" uniqueId="urn:microsoft.com/office/officeart/2005/8/layout/hChevron3">
+  <dgm:title val=""/>
+  <dgm:desc val=""/>
+  <dgm:catLst>
+    <dgm:cat type="process" pri="10000"/>
+  </dgm:catLst>
+  <dgm:sampData useDef="1">
+    <dgm:dataModel>
+      <dgm:ptLst/>
+      <dgm:bg/>
+      <dgm:whole/>
+    </dgm:dataModel>
+  </dgm:sampData>
+  <dgm:styleData>
+    <dgm:dataModel>
+      <dgm:ptLst>
+        <dgm:pt modelId="0" type="doc"/>
+        <dgm:pt modelId="1"/>
+        <dgm:pt modelId="2"/>
+      </dgm:ptLst>
+      <dgm:cxnLst>
+        <dgm:cxn modelId="3" srcId="0" destId="1" srcOrd="0" destOrd="0"/>
+        <dgm:cxn modelId="4" srcId="0" destId="2" srcOrd="1" destOrd="0"/>
+      </dgm:cxnLst>
+      <dgm:bg/>
+      <dgm:whole/>
+    </dgm:dataModel>
+  </dgm:styleData>
+  <dgm:clrData>
+    <dgm:dataModel>
+      <dgm:ptLst>
+        <dgm:pt modelId="0" type="doc"/>
+        <dgm:pt modelId="1"/>
+        <dgm:pt modelId="2"/>
+        <dgm:pt modelId="3"/>
+        <dgm:pt modelId="4"/>
+      </dgm:ptLst>
+      <dgm:cxnLst>
+        <dgm:cxn modelId="5" srcId="0" destId="1" srcOrd="0" destOrd="0"/>
+        <dgm:cxn modelId="6" srcId="0" destId="2" srcOrd="1" destOrd="0"/>
+        <dgm:cxn modelId="7" srcId="0" destId="3" srcOrd="2" destOrd="0"/>
+        <dgm:cxn modelId="8" srcId="0" destId="4" srcOrd="3" destOrd="0"/>
+      </dgm:cxnLst>
+      <dgm:bg/>
+      <dgm:whole/>
+    </dgm:dataModel>
+  </dgm:clrData>
+  <dgm:layoutNode name="Name0">
+    <dgm:varLst>
+      <dgm:dir/>
+      <dgm:resizeHandles val="exact"/>
+    </dgm:varLst>
+    <dgm:choose name="Name1">
+      <dgm:if name="Name2" func="var" arg="dir" op="equ" val="norm">
+        <dgm:alg type="lin"/>
+      </dgm:if>
+      <dgm:else name="Name3">
+        <dgm:alg type="lin">
+          <dgm:param type="linDir" val="fromR"/>
+        </dgm:alg>
+      </dgm:else>
+    </dgm:choose>
+    <dgm:shape xmlns:r="http://schemas.openxmlformats.org/officeDocument/2006/relationships" r:blip="">
+      <dgm:adjLst/>
+    </dgm:shape>
+    <dgm:presOf/>
+    <dgm:choose name="Name4">
+      <dgm:if name="Name5" axis="root des" func="maxDepth" op="gte" val="2">
+        <dgm:constrLst>
+          <dgm:constr type="w" for="ch" forName="parAndChTx" refType="w"/>
+          <dgm:constr type="primFontSz" for="ch" ptType="node" op="equ"/>
+          <dgm:constr type="w" for="ch" forName="parAndChSpace" refType="w" refFor="ch" refForName="parAndChTx" fact="-0.2"/>
+          <dgm:constr type="w" for="ch" ptType="sibTrans" op="equ"/>
+        </dgm:constrLst>
+        <dgm:ruleLst/>
+        <dgm:forEach name="Name6" axis="ch" ptType="node">
+          <dgm:layoutNode name="parAndChTx">
+            <dgm:varLst>
+              <dgm:bulletEnabled val="1"/>
+            </dgm:varLst>
+            <dgm:alg type="tx"/>
+            <dgm:choose name="Name7">
+              <dgm:if name="Name8" func="var" arg="dir" op="equ" val="norm">
+                <dgm:choose name="Name9">
+                  <dgm:if name="Name10" axis="self" ptType="node" func="pos" op="equ" val="1">
+                    <dgm:shape xmlns:r="http://schemas.openxmlformats.org/officeDocument/2006/relationships" type="homePlate" r:blip="">
+                      <dgm:adjLst>
+                        <dgm:adj idx="1" val="0.25"/>
+                      </dgm:adjLst>
+                    </dgm:shape>
+                    <dgm:presOf axis="desOrSelf" ptType="node"/>
+                    <dgm:constrLst>
+                      <dgm:constr type="h" refType="w" op="equ" fact="0.8"/>
+                      <dgm:constr type="primFontSz" val="65"/>
+                      <dgm:constr type="tMarg" refType="primFontSz" fact="0.2"/>
+                      <dgm:constr type="bMarg" refType="primFontSz" fact="0.2"/>
+                      <dgm:constr type="lMarg" refType="w" fact="0.1"/>
+                      <dgm:constr type="rMarg" refType="w" fact="0.4"/>
+                    </dgm:constrLst>
+                  </dgm:if>
+                  <dgm:else name="Name11">
+                    <dgm:shape xmlns:r="http://schemas.openxmlformats.org/officeDocument/2006/relationships" type="chevron" r:blip="">
+                      <dgm:adjLst>
+                        <dgm:adj idx="1" val="0.25"/>
+                      </dgm:adjLst>
+                    </dgm:shape>
+                    <dgm:presOf axis="desOrSelf" ptType="node"/>
+                    <dgm:constrLst>
+                      <dgm:constr type="h" refType="w" op="equ" fact="0.8"/>
+                      <dgm:constr type="primFontSz" val="65"/>
+                      <dgm:constr type="tMarg" refType="primFontSz" fact="0.2"/>
+                      <dgm:constr type="bMarg" refType="primFontSz" fact="0.2"/>
+                      <dgm:constr type="lMarg" refType="w" fact="0.1"/>
+                      <dgm:constr type="rMarg" refType="w" fact="0.1"/>
+                    </dgm:constrLst>
+                  </dgm:else>
+                </dgm:choose>
+              </dgm:if>
+              <dgm:else name="Name12">
+                <dgm:choose name="Name13">
+                  <dgm:if name="Name14" axis="self" ptType="node" func="pos" op="equ" val="1">
+                    <dgm:shape xmlns:r="http://schemas.openxmlformats.org/officeDocument/2006/relationships" rot="180" type="homePlate" r:blip="">
+                      <dgm:adjLst>
+                        <dgm:adj idx="1" val="0.25"/>
+                      </dgm:adjLst>
+                    </dgm:shape>
+                    <dgm:presOf axis="desOrSelf" ptType="node"/>
+                    <dgm:constrLst>
+                      <dgm:constr type="h" refType="w" op="equ" fact="0.8"/>
+                      <dgm:constr type="primFontSz" val="65"/>
+                      <dgm:constr type="tMarg" refType="primFontSz" fact="0.2"/>
+                      <dgm:constr type="bMarg" refType="primFontSz" fact="0.2"/>
+                      <dgm:constr type="lMarg" refType="w" fact="0.4"/>
+                      <dgm:constr type="rMarg" refType="w" fact="0.1"/>
+                    </dgm:constrLst>
+                  </dgm:if>
+                  <dgm:else name="Name15">
+                    <dgm:shape xmlns:r="http://schemas.openxmlformats.org/officeDocument/2006/relationships" rot="180" type="chevron" r:blip="">
+                      <dgm:adjLst>
+                        <dgm:adj idx="1" val="0.25"/>
+                      </dgm:adjLst>
+                    </dgm:shape>
+                    <dgm:presOf axis="desOrSelf" ptType="node"/>
+                    <dgm:constrLst>
+                      <dgm:constr type="h" refType="w" op="equ" fact="0.8"/>
+                      <dgm:constr type="primFontSz" val="65"/>
+                      <dgm:constr type="tMarg" refType="primFontSz" fact="0.2"/>
+                      <dgm:constr type="bMarg" refType="primFontSz" fact="0.2"/>
+                      <dgm:constr type="lMarg" refType="w" fact="0.1"/>
+                      <dgm:constr type="rMarg" refType="w" fact="0.1"/>
+                    </dgm:constrLst>
+                  </dgm:else>
+                </dgm:choose>
+              </dgm:else>
+            </dgm:choose>
+            <dgm:ruleLst>
+              <dgm:rule type="primFontSz" val="5" fact="NaN" max="NaN"/>
+            </dgm:ruleLst>
+          </dgm:layoutNode>
+          <dgm:forEach name="Name16" axis="followSib" ptType="sibTrans" cnt="1">
+            <dgm:layoutNode name="parAndChSpace">
+              <dgm:alg type="sp"/>
+              <dgm:shape xmlns:r="http://schemas.openxmlformats.org/officeDocument/2006/relationships" r:blip="">
+                <dgm:adjLst/>
+              </dgm:shape>
+              <dgm:presOf/>
+              <dgm:constrLst/>
+              <dgm:ruleLst/>
+            </dgm:layoutNode>
+          </dgm:forEach>
+        </dgm:forEach>
+      </dgm:if>
+      <dgm:else name="Name17">
+        <dgm:constrLst>
+          <dgm:constr type="w" for="ch" forName="parTxOnly" refType="w"/>
+          <dgm:constr type="primFontSz" for="ch" ptType="node" op="equ"/>
+          <dgm:constr type="w" for="ch" forName="parSpace" refType="w" refFor="ch" refForName="parTxOnly" fact="-0.2"/>
+          <dgm:constr type="w" for="ch" ptType="sibTrans" op="equ"/>
+        </dgm:constrLst>
+        <dgm:ruleLst/>
+        <dgm:forEach name="Name18" axis="ch" ptType="node">
+          <dgm:layoutNode name="parTxOnly">
+            <dgm:varLst>
+              <dgm:bulletEnabled val="1"/>
+            </dgm:varLst>
+            <dgm:alg type="tx"/>
+            <dgm:presOf axis="desOrSelf" ptType="node"/>
+            <dgm:choose name="Name19">
+              <dgm:if name="Name20" func="var" arg="dir" op="equ" val="norm">
+                <dgm:choose name="Name21">
+                  <dgm:if name="Name22" axis="self" ptType="node" func="pos" op="equ" val="1">
+                    <dgm:shape xmlns:r="http://schemas.openxmlformats.org/officeDocument/2006/relationships" type="homePlate" r:blip="">
+                      <dgm:adjLst/>
+                    </dgm:shape>
+                    <dgm:constrLst>
+                      <dgm:constr type="h" refType="w" op="equ" fact="0.4"/>
+                      <dgm:constr type="primFontSz" val="65"/>
+                      <dgm:constr type="tMarg" refType="primFontSz" fact="0.21"/>
+                      <dgm:constr type="bMarg" refType="primFontSz" fact="0.21"/>
+                      <dgm:constr type="lMarg" refType="primFontSz" fact="0.42"/>
+                      <dgm:constr type="rMarg" refType="primFontSz" fact="0.105"/>
+                    </dgm:constrLst>
+                  </dgm:if>
+                  <dgm:else name="Name23">
+                    <dgm:shape xmlns:r="http://schemas.openxmlformats.org/officeDocument/2006/relationships" type="chevron" r:blip="">
+                      <dgm:adjLst/>
+                    </dgm:shape>
+                    <dgm:constrLst>
+                      <dgm:constr type="h" refType="w" op="equ" fact="0.4"/>
+                      <dgm:constr type="primFontSz" val="65"/>
+                      <dgm:constr type="tMarg" refType="primFontSz" fact="0.21"/>
+                      <dgm:constr type="bMarg" refType="primFontSz" fact="0.21"/>
+                      <dgm:constr type="lMarg" refType="primFontSz" fact="0.315"/>
+                      <dgm:constr type="rMarg" refType="primFontSz" fact="0.105"/>
+                    </dgm:constrLst>
+                  </dgm:else>
+                </dgm:choose>
+              </dgm:if>
+              <dgm:else name="Name24">
+                <dgm:choose name="Name25">
+                  <dgm:if name="Name26" axis="self" ptType="node" func="pos" op="equ" val="1">
+                    <dgm:shape xmlns:r="http://schemas.openxmlformats.org/officeDocument/2006/relationships" rot="180" type="homePlate" r:blip="">
+                      <dgm:adjLst/>
+                    </dgm:shape>
+                    <dgm:constrLst>
+                      <dgm:constr type="h" refType="w" op="equ" fact="0.4"/>
+                      <dgm:constr type="primFontSz" val="65"/>
+                      <dgm:constr type="tMarg" refType="primFontSz" fact="0.21"/>
+                      <dgm:constr type="bMarg" refType="primFontSz" fact="0.21"/>
+                      <dgm:constr type="lMarg" refType="primFontSz" fact="0.105"/>
+                      <dgm:constr type="rMarg" refType="primFontSz" fact="0.42"/>
+                    </dgm:constrLst>
+                  </dgm:if>
+                  <dgm:else name="Name27">
+                    <dgm:shape xmlns:r="http://schemas.openxmlformats.org/officeDocument/2006/relationships" rot="180" type="chevron" r:blip="">
+                      <dgm:adjLst/>
+                    </dgm:shape>
+                    <dgm:constrLst>
+                      <dgm:constr type="h" refType="w" op="equ" fact="0.4"/>
+                      <dgm:constr type="primFontSz" val="65"/>
+                      <dgm:constr type="tMarg" refType="primFontSz" fact="0.21"/>
+                      <dgm:constr type="bMarg" refType="primFontSz" fact="0.21"/>
+                      <dgm:constr type="lMarg" refType="primFontSz" fact="0.105"/>
+                      <dgm:constr type="rMarg" refType="primFontSz" fact="0.315"/>
+                    </dgm:constrLst>
+                  </dgm:else>
+                </dgm:choose>
+              </dgm:else>
+            </dgm:choose>
+            <dgm:ruleLst>
+              <dgm:rule type="primFontSz" val="5" fact="NaN" max="NaN"/>
+            </dgm:ruleLst>
+          </dgm:layoutNode>
+          <dgm:forEach name="Name28" axis="followSib" ptType="sibTrans" cnt="1">
+            <dgm:layoutNode name="parSpace">
+              <dgm:alg type="sp"/>
+              <dgm:shape xmlns:r="http://schemas.openxmlformats.org/officeDocument/2006/relationships" r:blip="">
+                <dgm:adjLst/>
+              </dgm:shape>
+              <dgm:presOf/>
+              <dgm:constrLst/>
+              <dgm:ruleLst/>
+            </dgm:layoutNode>
+          </dgm:forEach>
+        </dgm:forEach>
+      </dgm:else>
+    </dgm:choose>
+  </dgm:layoutNode>
+</dgm:layoutDef>
+</file>
+
 <file path=ppt/diagrams/quickStyle1.xml><?xml version="1.0" encoding="utf-8"?>
 <dgm:styleDef xmlns:dgm="http://schemas.openxmlformats.org/drawingml/2006/diagram" xmlns:a="http://schemas.openxmlformats.org/drawingml/2006/main" uniqueId="urn:microsoft.com/office/officeart/2005/8/quickstyle/simple1">
   <dgm:title val=""/>
@@ -19930,6 +21475,1040 @@
 </file>
 
 <file path=ppt/diagrams/quickStyle8.xml><?xml version="1.0" encoding="utf-8"?>
+<dgm:styleDef xmlns:dgm="http://schemas.openxmlformats.org/drawingml/2006/diagram" xmlns:a="http://schemas.openxmlformats.org/drawingml/2006/main" uniqueId="urn:microsoft.com/office/officeart/2005/8/quickstyle/simple1">
+  <dgm:title val=""/>
+  <dgm:desc val=""/>
+  <dgm:catLst>
+    <dgm:cat type="simple" pri="10100"/>
+  </dgm:catLst>
+  <dgm:scene3d>
+    <a:camera prst="orthographicFront"/>
+    <a:lightRig rig="threePt" dir="t"/>
+  </dgm:scene3d>
+  <dgm:styleLbl name="node0">
+    <dgm:scene3d>
+      <a:camera prst="orthographicFront"/>
+      <a:lightRig rig="threePt" dir="t"/>
+    </dgm:scene3d>
+    <dgm:sp3d/>
+    <dgm:txPr/>
+    <dgm:style>
+      <a:lnRef idx="2">
+        <a:scrgbClr r="0" g="0" b="0"/>
+      </a:lnRef>
+      <a:fillRef idx="1">
+        <a:scrgbClr r="0" g="0" b="0"/>
+      </a:fillRef>
+      <a:effectRef idx="0">
+        <a:scrgbClr r="0" g="0" b="0"/>
+      </a:effectRef>
+      <a:fontRef idx="minor">
+        <a:schemeClr val="lt1"/>
+      </a:fontRef>
+    </dgm:style>
+  </dgm:styleLbl>
+  <dgm:styleLbl name="lnNode1">
+    <dgm:scene3d>
+      <a:camera prst="orthographicFront"/>
+      <a:lightRig rig="threePt" dir="t"/>
+    </dgm:scene3d>
+    <dgm:sp3d/>
+    <dgm:txPr/>
+    <dgm:style>
+      <a:lnRef idx="2">
+        <a:scrgbClr r="0" g="0" b="0"/>
+      </a:lnRef>
+      <a:fillRef idx="1">
+        <a:scrgbClr r="0" g="0" b="0"/>
+      </a:fillRef>
+      <a:effectRef idx="0">
+        <a:scrgbClr r="0" g="0" b="0"/>
+      </a:effectRef>
+      <a:fontRef idx="minor">
+        <a:schemeClr val="lt1"/>
+      </a:fontRef>
+    </dgm:style>
+  </dgm:styleLbl>
+  <dgm:styleLbl name="vennNode1">
+    <dgm:scene3d>
+      <a:camera prst="orthographicFront"/>
+      <a:lightRig rig="threePt" dir="t"/>
+    </dgm:scene3d>
+    <dgm:sp3d/>
+    <dgm:txPr/>
+    <dgm:style>
+      <a:lnRef idx="2">
+        <a:scrgbClr r="0" g="0" b="0"/>
+      </a:lnRef>
+      <a:fillRef idx="1">
+        <a:scrgbClr r="0" g="0" b="0"/>
+      </a:fillRef>
+      <a:effectRef idx="0">
+        <a:scrgbClr r="0" g="0" b="0"/>
+      </a:effectRef>
+      <a:fontRef idx="minor">
+        <a:schemeClr val="tx1"/>
+      </a:fontRef>
+    </dgm:style>
+  </dgm:styleLbl>
+  <dgm:styleLbl name="alignNode1">
+    <dgm:scene3d>
+      <a:camera prst="orthographicFront"/>
+      <a:lightRig rig="threePt" dir="t"/>
+    </dgm:scene3d>
+    <dgm:sp3d/>
+    <dgm:txPr/>
+    <dgm:style>
+      <a:lnRef idx="2">
+        <a:scrgbClr r="0" g="0" b="0"/>
+      </a:lnRef>
+      <a:fillRef idx="1">
+        <a:scrgbClr r="0" g="0" b="0"/>
+      </a:fillRef>
+      <a:effectRef idx="0">
+        <a:scrgbClr r="0" g="0" b="0"/>
+      </a:effectRef>
+      <a:fontRef idx="minor">
+        <a:schemeClr val="lt1"/>
+      </a:fontRef>
+    </dgm:style>
+  </dgm:styleLbl>
+  <dgm:styleLbl name="node1">
+    <dgm:scene3d>
+      <a:camera prst="orthographicFront"/>
+      <a:lightRig rig="threePt" dir="t"/>
+    </dgm:scene3d>
+    <dgm:sp3d/>
+    <dgm:txPr/>
+    <dgm:style>
+      <a:lnRef idx="2">
+        <a:scrgbClr r="0" g="0" b="0"/>
+      </a:lnRef>
+      <a:fillRef idx="1">
+        <a:scrgbClr r="0" g="0" b="0"/>
+      </a:fillRef>
+      <a:effectRef idx="0">
+        <a:scrgbClr r="0" g="0" b="0"/>
+      </a:effectRef>
+      <a:fontRef idx="minor">
+        <a:schemeClr val="lt1"/>
+      </a:fontRef>
+    </dgm:style>
+  </dgm:styleLbl>
+  <dgm:styleLbl name="node2">
+    <dgm:scene3d>
+      <a:camera prst="orthographicFront"/>
+      <a:lightRig rig="threePt" dir="t"/>
+    </dgm:scene3d>
+    <dgm:sp3d/>
+    <dgm:txPr/>
+    <dgm:style>
+      <a:lnRef idx="2">
+        <a:scrgbClr r="0" g="0" b="0"/>
+      </a:lnRef>
+      <a:fillRef idx="1">
+        <a:scrgbClr r="0" g="0" b="0"/>
+      </a:fillRef>
+      <a:effectRef idx="0">
+        <a:scrgbClr r="0" g="0" b="0"/>
+      </a:effectRef>
+      <a:fontRef idx="minor">
+        <a:schemeClr val="lt1"/>
+      </a:fontRef>
+    </dgm:style>
+  </dgm:styleLbl>
+  <dgm:styleLbl name="node3">
+    <dgm:scene3d>
+      <a:camera prst="orthographicFront"/>
+      <a:lightRig rig="threePt" dir="t"/>
+    </dgm:scene3d>
+    <dgm:sp3d/>
+    <dgm:txPr/>
+    <dgm:style>
+      <a:lnRef idx="2">
+        <a:scrgbClr r="0" g="0" b="0"/>
+      </a:lnRef>
+      <a:fillRef idx="1">
+        <a:scrgbClr r="0" g="0" b="0"/>
+      </a:fillRef>
+      <a:effectRef idx="0">
+        <a:scrgbClr r="0" g="0" b="0"/>
+      </a:effectRef>
+      <a:fontRef idx="minor">
+        <a:schemeClr val="lt1"/>
+      </a:fontRef>
+    </dgm:style>
+  </dgm:styleLbl>
+  <dgm:styleLbl name="node4">
+    <dgm:scene3d>
+      <a:camera prst="orthographicFront"/>
+      <a:lightRig rig="threePt" dir="t"/>
+    </dgm:scene3d>
+    <dgm:sp3d/>
+    <dgm:txPr/>
+    <dgm:style>
+      <a:lnRef idx="2">
+        <a:scrgbClr r="0" g="0" b="0"/>
+      </a:lnRef>
+      <a:fillRef idx="1">
+        <a:scrgbClr r="0" g="0" b="0"/>
+      </a:fillRef>
+      <a:effectRef idx="0">
+        <a:scrgbClr r="0" g="0" b="0"/>
+      </a:effectRef>
+      <a:fontRef idx="minor">
+        <a:schemeClr val="lt1"/>
+      </a:fontRef>
+    </dgm:style>
+  </dgm:styleLbl>
+  <dgm:styleLbl name="fgImgPlace1">
+    <dgm:scene3d>
+      <a:camera prst="orthographicFront"/>
+      <a:lightRig rig="threePt" dir="t"/>
+    </dgm:scene3d>
+    <dgm:sp3d/>
+    <dgm:txPr/>
+    <dgm:style>
+      <a:lnRef idx="2">
+        <a:scrgbClr r="0" g="0" b="0"/>
+      </a:lnRef>
+      <a:fillRef idx="1">
+        <a:scrgbClr r="0" g="0" b="0"/>
+      </a:fillRef>
+      <a:effectRef idx="0">
+        <a:scrgbClr r="0" g="0" b="0"/>
+      </a:effectRef>
+      <a:fontRef idx="minor"/>
+    </dgm:style>
+  </dgm:styleLbl>
+  <dgm:styleLbl name="alignImgPlace1">
+    <dgm:scene3d>
+      <a:camera prst="orthographicFront"/>
+      <a:lightRig rig="threePt" dir="t"/>
+    </dgm:scene3d>
+    <dgm:sp3d/>
+    <dgm:txPr/>
+    <dgm:style>
+      <a:lnRef idx="2">
+        <a:scrgbClr r="0" g="0" b="0"/>
+      </a:lnRef>
+      <a:fillRef idx="1">
+        <a:scrgbClr r="0" g="0" b="0"/>
+      </a:fillRef>
+      <a:effectRef idx="0">
+        <a:scrgbClr r="0" g="0" b="0"/>
+      </a:effectRef>
+      <a:fontRef idx="minor"/>
+    </dgm:style>
+  </dgm:styleLbl>
+  <dgm:styleLbl name="bgImgPlace1">
+    <dgm:scene3d>
+      <a:camera prst="orthographicFront"/>
+      <a:lightRig rig="threePt" dir="t"/>
+    </dgm:scene3d>
+    <dgm:sp3d/>
+    <dgm:txPr/>
+    <dgm:style>
+      <a:lnRef idx="2">
+        <a:scrgbClr r="0" g="0" b="0"/>
+      </a:lnRef>
+      <a:fillRef idx="1">
+        <a:scrgbClr r="0" g="0" b="0"/>
+      </a:fillRef>
+      <a:effectRef idx="0">
+        <a:scrgbClr r="0" g="0" b="0"/>
+      </a:effectRef>
+      <a:fontRef idx="minor"/>
+    </dgm:style>
+  </dgm:styleLbl>
+  <dgm:styleLbl name="sibTrans2D1">
+    <dgm:scene3d>
+      <a:camera prst="orthographicFront"/>
+      <a:lightRig rig="threePt" dir="t"/>
+    </dgm:scene3d>
+    <dgm:sp3d/>
+    <dgm:txPr/>
+    <dgm:style>
+      <a:lnRef idx="0">
+        <a:scrgbClr r="0" g="0" b="0"/>
+      </a:lnRef>
+      <a:fillRef idx="1">
+        <a:scrgbClr r="0" g="0" b="0"/>
+      </a:fillRef>
+      <a:effectRef idx="0">
+        <a:scrgbClr r="0" g="0" b="0"/>
+      </a:effectRef>
+      <a:fontRef idx="minor">
+        <a:schemeClr val="lt1"/>
+      </a:fontRef>
+    </dgm:style>
+  </dgm:styleLbl>
+  <dgm:styleLbl name="fgSibTrans2D1">
+    <dgm:scene3d>
+      <a:camera prst="orthographicFront"/>
+      <a:lightRig rig="threePt" dir="t"/>
+    </dgm:scene3d>
+    <dgm:sp3d/>
+    <dgm:txPr/>
+    <dgm:style>
+      <a:lnRef idx="0">
+        <a:scrgbClr r="0" g="0" b="0"/>
+      </a:lnRef>
+      <a:fillRef idx="1">
+        <a:scrgbClr r="0" g="0" b="0"/>
+      </a:fillRef>
+      <a:effectRef idx="0">
+        <a:scrgbClr r="0" g="0" b="0"/>
+      </a:effectRef>
+      <a:fontRef idx="minor">
+        <a:schemeClr val="lt1"/>
+      </a:fontRef>
+    </dgm:style>
+  </dgm:styleLbl>
+  <dgm:styleLbl name="bgSibTrans2D1">
+    <dgm:scene3d>
+      <a:camera prst="orthographicFront"/>
+      <a:lightRig rig="threePt" dir="t"/>
+    </dgm:scene3d>
+    <dgm:sp3d/>
+    <dgm:txPr/>
+    <dgm:style>
+      <a:lnRef idx="0">
+        <a:scrgbClr r="0" g="0" b="0"/>
+      </a:lnRef>
+      <a:fillRef idx="1">
+        <a:scrgbClr r="0" g="0" b="0"/>
+      </a:fillRef>
+      <a:effectRef idx="0">
+        <a:scrgbClr r="0" g="0" b="0"/>
+      </a:effectRef>
+      <a:fontRef idx="minor">
+        <a:schemeClr val="lt1"/>
+      </a:fontRef>
+    </dgm:style>
+  </dgm:styleLbl>
+  <dgm:styleLbl name="sibTrans1D1">
+    <dgm:scene3d>
+      <a:camera prst="orthographicFront"/>
+      <a:lightRig rig="threePt" dir="t"/>
+    </dgm:scene3d>
+    <dgm:sp3d/>
+    <dgm:txPr/>
+    <dgm:style>
+      <a:lnRef idx="1">
+        <a:scrgbClr r="0" g="0" b="0"/>
+      </a:lnRef>
+      <a:fillRef idx="0">
+        <a:scrgbClr r="0" g="0" b="0"/>
+      </a:fillRef>
+      <a:effectRef idx="0">
+        <a:scrgbClr r="0" g="0" b="0"/>
+      </a:effectRef>
+      <a:fontRef idx="minor"/>
+    </dgm:style>
+  </dgm:styleLbl>
+  <dgm:styleLbl name="callout">
+    <dgm:scene3d>
+      <a:camera prst="orthographicFront"/>
+      <a:lightRig rig="threePt" dir="t"/>
+    </dgm:scene3d>
+    <dgm:sp3d/>
+    <dgm:txPr/>
+    <dgm:style>
+      <a:lnRef idx="2">
+        <a:scrgbClr r="0" g="0" b="0"/>
+      </a:lnRef>
+      <a:fillRef idx="1">
+        <a:scrgbClr r="0" g="0" b="0"/>
+      </a:fillRef>
+      <a:effectRef idx="0">
+        <a:scrgbClr r="0" g="0" b="0"/>
+      </a:effectRef>
+      <a:fontRef idx="minor"/>
+    </dgm:style>
+  </dgm:styleLbl>
+  <dgm:styleLbl name="asst0">
+    <dgm:scene3d>
+      <a:camera prst="orthographicFront"/>
+      <a:lightRig rig="threePt" dir="t"/>
+    </dgm:scene3d>
+    <dgm:sp3d/>
+    <dgm:txPr/>
+    <dgm:style>
+      <a:lnRef idx="2">
+        <a:scrgbClr r="0" g="0" b="0"/>
+      </a:lnRef>
+      <a:fillRef idx="1">
+        <a:scrgbClr r="0" g="0" b="0"/>
+      </a:fillRef>
+      <a:effectRef idx="0">
+        <a:scrgbClr r="0" g="0" b="0"/>
+      </a:effectRef>
+      <a:fontRef idx="minor">
+        <a:schemeClr val="lt1"/>
+      </a:fontRef>
+    </dgm:style>
+  </dgm:styleLbl>
+  <dgm:styleLbl name="asst1">
+    <dgm:scene3d>
+      <a:camera prst="orthographicFront"/>
+      <a:lightRig rig="threePt" dir="t"/>
+    </dgm:scene3d>
+    <dgm:sp3d/>
+    <dgm:txPr/>
+    <dgm:style>
+      <a:lnRef idx="2">
+        <a:scrgbClr r="0" g="0" b="0"/>
+      </a:lnRef>
+      <a:fillRef idx="1">
+        <a:scrgbClr r="0" g="0" b="0"/>
+      </a:fillRef>
+      <a:effectRef idx="0">
+        <a:scrgbClr r="0" g="0" b="0"/>
+      </a:effectRef>
+      <a:fontRef idx="minor">
+        <a:schemeClr val="lt1"/>
+      </a:fontRef>
+    </dgm:style>
+  </dgm:styleLbl>
+  <dgm:styleLbl name="asst2">
+    <dgm:scene3d>
+      <a:camera prst="orthographicFront"/>
+      <a:lightRig rig="threePt" dir="t"/>
+    </dgm:scene3d>
+    <dgm:sp3d/>
+    <dgm:txPr/>
+    <dgm:style>
+      <a:lnRef idx="2">
+        <a:scrgbClr r="0" g="0" b="0"/>
+      </a:lnRef>
+      <a:fillRef idx="1">
+        <a:scrgbClr r="0" g="0" b="0"/>
+      </a:fillRef>
+      <a:effectRef idx="0">
+        <a:scrgbClr r="0" g="0" b="0"/>
+      </a:effectRef>
+      <a:fontRef idx="minor">
+        <a:schemeClr val="lt1"/>
+      </a:fontRef>
+    </dgm:style>
+  </dgm:styleLbl>
+  <dgm:styleLbl name="asst3">
+    <dgm:scene3d>
+      <a:camera prst="orthographicFront"/>
+      <a:lightRig rig="threePt" dir="t"/>
+    </dgm:scene3d>
+    <dgm:sp3d/>
+    <dgm:txPr/>
+    <dgm:style>
+      <a:lnRef idx="2">
+        <a:scrgbClr r="0" g="0" b="0"/>
+      </a:lnRef>
+      <a:fillRef idx="1">
+        <a:scrgbClr r="0" g="0" b="0"/>
+      </a:fillRef>
+      <a:effectRef idx="0">
+        <a:scrgbClr r="0" g="0" b="0"/>
+      </a:effectRef>
+      <a:fontRef idx="minor">
+        <a:schemeClr val="lt1"/>
+      </a:fontRef>
+    </dgm:style>
+  </dgm:styleLbl>
+  <dgm:styleLbl name="asst4">
+    <dgm:scene3d>
+      <a:camera prst="orthographicFront"/>
+      <a:lightRig rig="threePt" dir="t"/>
+    </dgm:scene3d>
+    <dgm:sp3d/>
+    <dgm:txPr/>
+    <dgm:style>
+      <a:lnRef idx="2">
+        <a:scrgbClr r="0" g="0" b="0"/>
+      </a:lnRef>
+      <a:fillRef idx="1">
+        <a:scrgbClr r="0" g="0" b="0"/>
+      </a:fillRef>
+      <a:effectRef idx="0">
+        <a:scrgbClr r="0" g="0" b="0"/>
+      </a:effectRef>
+      <a:fontRef idx="minor">
+        <a:schemeClr val="lt1"/>
+      </a:fontRef>
+    </dgm:style>
+  </dgm:styleLbl>
+  <dgm:styleLbl name="parChTrans2D1">
+    <dgm:scene3d>
+      <a:camera prst="orthographicFront"/>
+      <a:lightRig rig="threePt" dir="t"/>
+    </dgm:scene3d>
+    <dgm:sp3d/>
+    <dgm:txPr/>
+    <dgm:style>
+      <a:lnRef idx="2">
+        <a:scrgbClr r="0" g="0" b="0"/>
+      </a:lnRef>
+      <a:fillRef idx="1">
+        <a:scrgbClr r="0" g="0" b="0"/>
+      </a:fillRef>
+      <a:effectRef idx="0">
+        <a:scrgbClr r="0" g="0" b="0"/>
+      </a:effectRef>
+      <a:fontRef idx="minor">
+        <a:schemeClr val="lt1"/>
+      </a:fontRef>
+    </dgm:style>
+  </dgm:styleLbl>
+  <dgm:styleLbl name="parChTrans2D2">
+    <dgm:scene3d>
+      <a:camera prst="orthographicFront"/>
+      <a:lightRig rig="threePt" dir="t"/>
+    </dgm:scene3d>
+    <dgm:sp3d/>
+    <dgm:txPr/>
+    <dgm:style>
+      <a:lnRef idx="2">
+        <a:scrgbClr r="0" g="0" b="0"/>
+      </a:lnRef>
+      <a:fillRef idx="1">
+        <a:scrgbClr r="0" g="0" b="0"/>
+      </a:fillRef>
+      <a:effectRef idx="0">
+        <a:scrgbClr r="0" g="0" b="0"/>
+      </a:effectRef>
+      <a:fontRef idx="minor">
+        <a:schemeClr val="lt1"/>
+      </a:fontRef>
+    </dgm:style>
+  </dgm:styleLbl>
+  <dgm:styleLbl name="parChTrans2D3">
+    <dgm:scene3d>
+      <a:camera prst="orthographicFront"/>
+      <a:lightRig rig="threePt" dir="t"/>
+    </dgm:scene3d>
+    <dgm:sp3d/>
+    <dgm:txPr/>
+    <dgm:style>
+      <a:lnRef idx="2">
+        <a:scrgbClr r="0" g="0" b="0"/>
+      </a:lnRef>
+      <a:fillRef idx="1">
+        <a:scrgbClr r="0" g="0" b="0"/>
+      </a:fillRef>
+      <a:effectRef idx="0">
+        <a:scrgbClr r="0" g="0" b="0"/>
+      </a:effectRef>
+      <a:fontRef idx="minor">
+        <a:schemeClr val="lt1"/>
+      </a:fontRef>
+    </dgm:style>
+  </dgm:styleLbl>
+  <dgm:styleLbl name="parChTrans2D4">
+    <dgm:scene3d>
+      <a:camera prst="orthographicFront"/>
+      <a:lightRig rig="threePt" dir="t"/>
+    </dgm:scene3d>
+    <dgm:sp3d/>
+    <dgm:txPr/>
+    <dgm:style>
+      <a:lnRef idx="2">
+        <a:scrgbClr r="0" g="0" b="0"/>
+      </a:lnRef>
+      <a:fillRef idx="1">
+        <a:scrgbClr r="0" g="0" b="0"/>
+      </a:fillRef>
+      <a:effectRef idx="0">
+        <a:scrgbClr r="0" g="0" b="0"/>
+      </a:effectRef>
+      <a:fontRef idx="minor">
+        <a:schemeClr val="lt1"/>
+      </a:fontRef>
+    </dgm:style>
+  </dgm:styleLbl>
+  <dgm:styleLbl name="parChTrans1D1">
+    <dgm:scene3d>
+      <a:camera prst="orthographicFront"/>
+      <a:lightRig rig="threePt" dir="t"/>
+    </dgm:scene3d>
+    <dgm:sp3d/>
+    <dgm:txPr/>
+    <dgm:style>
+      <a:lnRef idx="2">
+        <a:scrgbClr r="0" g="0" b="0"/>
+      </a:lnRef>
+      <a:fillRef idx="0">
+        <a:scrgbClr r="0" g="0" b="0"/>
+      </a:fillRef>
+      <a:effectRef idx="0">
+        <a:scrgbClr r="0" g="0" b="0"/>
+      </a:effectRef>
+      <a:fontRef idx="minor"/>
+    </dgm:style>
+  </dgm:styleLbl>
+  <dgm:styleLbl name="parChTrans1D2">
+    <dgm:scene3d>
+      <a:camera prst="orthographicFront"/>
+      <a:lightRig rig="threePt" dir="t"/>
+    </dgm:scene3d>
+    <dgm:sp3d/>
+    <dgm:txPr/>
+    <dgm:style>
+      <a:lnRef idx="2">
+        <a:scrgbClr r="0" g="0" b="0"/>
+      </a:lnRef>
+      <a:fillRef idx="0">
+        <a:scrgbClr r="0" g="0" b="0"/>
+      </a:fillRef>
+      <a:effectRef idx="0">
+        <a:scrgbClr r="0" g="0" b="0"/>
+      </a:effectRef>
+      <a:fontRef idx="minor"/>
+    </dgm:style>
+  </dgm:styleLbl>
+  <dgm:styleLbl name="parChTrans1D3">
+    <dgm:scene3d>
+      <a:camera prst="orthographicFront"/>
+      <a:lightRig rig="threePt" dir="t"/>
+    </dgm:scene3d>
+    <dgm:sp3d/>
+    <dgm:txPr/>
+    <dgm:style>
+      <a:lnRef idx="2">
+        <a:scrgbClr r="0" g="0" b="0"/>
+      </a:lnRef>
+      <a:fillRef idx="0">
+        <a:scrgbClr r="0" g="0" b="0"/>
+      </a:fillRef>
+      <a:effectRef idx="0">
+        <a:scrgbClr r="0" g="0" b="0"/>
+      </a:effectRef>
+      <a:fontRef idx="minor"/>
+    </dgm:style>
+  </dgm:styleLbl>
+  <dgm:styleLbl name="parChTrans1D4">
+    <dgm:scene3d>
+      <a:camera prst="orthographicFront"/>
+      <a:lightRig rig="threePt" dir="t"/>
+    </dgm:scene3d>
+    <dgm:sp3d/>
+    <dgm:txPr/>
+    <dgm:style>
+      <a:lnRef idx="2">
+        <a:scrgbClr r="0" g="0" b="0"/>
+      </a:lnRef>
+      <a:fillRef idx="0">
+        <a:scrgbClr r="0" g="0" b="0"/>
+      </a:fillRef>
+      <a:effectRef idx="0">
+        <a:scrgbClr r="0" g="0" b="0"/>
+      </a:effectRef>
+      <a:fontRef idx="minor"/>
+    </dgm:style>
+  </dgm:styleLbl>
+  <dgm:styleLbl name="fgAcc1">
+    <dgm:scene3d>
+      <a:camera prst="orthographicFront"/>
+      <a:lightRig rig="threePt" dir="t"/>
+    </dgm:scene3d>
+    <dgm:sp3d/>
+    <dgm:txPr/>
+    <dgm:style>
+      <a:lnRef idx="2">
+        <a:scrgbClr r="0" g="0" b="0"/>
+      </a:lnRef>
+      <a:fillRef idx="1">
+        <a:scrgbClr r="0" g="0" b="0"/>
+      </a:fillRef>
+      <a:effectRef idx="0">
+        <a:scrgbClr r="0" g="0" b="0"/>
+      </a:effectRef>
+      <a:fontRef idx="minor"/>
+    </dgm:style>
+  </dgm:styleLbl>
+  <dgm:styleLbl name="conFgAcc1">
+    <dgm:scene3d>
+      <a:camera prst="orthographicFront"/>
+      <a:lightRig rig="threePt" dir="t"/>
+    </dgm:scene3d>
+    <dgm:sp3d/>
+    <dgm:txPr/>
+    <dgm:style>
+      <a:lnRef idx="2">
+        <a:scrgbClr r="0" g="0" b="0"/>
+      </a:lnRef>
+      <a:fillRef idx="1">
+        <a:scrgbClr r="0" g="0" b="0"/>
+      </a:fillRef>
+      <a:effectRef idx="0">
+        <a:scrgbClr r="0" g="0" b="0"/>
+      </a:effectRef>
+      <a:fontRef idx="minor"/>
+    </dgm:style>
+  </dgm:styleLbl>
+  <dgm:styleLbl name="alignAcc1">
+    <dgm:scene3d>
+      <a:camera prst="orthographicFront"/>
+      <a:lightRig rig="threePt" dir="t"/>
+    </dgm:scene3d>
+    <dgm:sp3d/>
+    <dgm:txPr/>
+    <dgm:style>
+      <a:lnRef idx="2">
+        <a:scrgbClr r="0" g="0" b="0"/>
+      </a:lnRef>
+      <a:fillRef idx="1">
+        <a:scrgbClr r="0" g="0" b="0"/>
+      </a:fillRef>
+      <a:effectRef idx="0">
+        <a:scrgbClr r="0" g="0" b="0"/>
+      </a:effectRef>
+      <a:fontRef idx="minor"/>
+    </dgm:style>
+  </dgm:styleLbl>
+  <dgm:styleLbl name="trAlignAcc1">
+    <dgm:scene3d>
+      <a:camera prst="orthographicFront"/>
+      <a:lightRig rig="threePt" dir="t"/>
+    </dgm:scene3d>
+    <dgm:sp3d/>
+    <dgm:txPr/>
+    <dgm:style>
+      <a:lnRef idx="1">
+        <a:scrgbClr r="0" g="0" b="0"/>
+      </a:lnRef>
+      <a:fillRef idx="1">
+        <a:scrgbClr r="0" g="0" b="0"/>
+      </a:fillRef>
+      <a:effectRef idx="0">
+        <a:scrgbClr r="0" g="0" b="0"/>
+      </a:effectRef>
+      <a:fontRef idx="minor"/>
+    </dgm:style>
+  </dgm:styleLbl>
+  <dgm:styleLbl name="bgAcc1">
+    <dgm:scene3d>
+      <a:camera prst="orthographicFront"/>
+      <a:lightRig rig="threePt" dir="t"/>
+    </dgm:scene3d>
+    <dgm:sp3d/>
+    <dgm:txPr/>
+    <dgm:style>
+      <a:lnRef idx="2">
+        <a:scrgbClr r="0" g="0" b="0"/>
+      </a:lnRef>
+      <a:fillRef idx="1">
+        <a:scrgbClr r="0" g="0" b="0"/>
+      </a:fillRef>
+      <a:effectRef idx="0">
+        <a:scrgbClr r="0" g="0" b="0"/>
+      </a:effectRef>
+      <a:fontRef idx="minor"/>
+    </dgm:style>
+  </dgm:styleLbl>
+  <dgm:styleLbl name="solidFgAcc1">
+    <dgm:scene3d>
+      <a:camera prst="orthographicFront"/>
+      <a:lightRig rig="threePt" dir="t"/>
+    </dgm:scene3d>
+    <dgm:sp3d/>
+    <dgm:txPr/>
+    <dgm:style>
+      <a:lnRef idx="2">
+        <a:scrgbClr r="0" g="0" b="0"/>
+      </a:lnRef>
+      <a:fillRef idx="1">
+        <a:scrgbClr r="0" g="0" b="0"/>
+      </a:fillRef>
+      <a:effectRef idx="0">
+        <a:scrgbClr r="0" g="0" b="0"/>
+      </a:effectRef>
+      <a:fontRef idx="minor"/>
+    </dgm:style>
+  </dgm:styleLbl>
+  <dgm:styleLbl name="solidAlignAcc1">
+    <dgm:scene3d>
+      <a:camera prst="orthographicFront"/>
+      <a:lightRig rig="threePt" dir="t"/>
+    </dgm:scene3d>
+    <dgm:sp3d/>
+    <dgm:txPr/>
+    <dgm:style>
+      <a:lnRef idx="2">
+        <a:scrgbClr r="0" g="0" b="0"/>
+      </a:lnRef>
+      <a:fillRef idx="1">
+        <a:scrgbClr r="0" g="0" b="0"/>
+      </a:fillRef>
+      <a:effectRef idx="0">
+        <a:scrgbClr r="0" g="0" b="0"/>
+      </a:effectRef>
+      <a:fontRef idx="minor"/>
+    </dgm:style>
+  </dgm:styleLbl>
+  <dgm:styleLbl name="solidBgAcc1">
+    <dgm:scene3d>
+      <a:camera prst="orthographicFront"/>
+      <a:lightRig rig="threePt" dir="t"/>
+    </dgm:scene3d>
+    <dgm:sp3d/>
+    <dgm:txPr/>
+    <dgm:style>
+      <a:lnRef idx="2">
+        <a:scrgbClr r="0" g="0" b="0"/>
+      </a:lnRef>
+      <a:fillRef idx="1">
+        <a:scrgbClr r="0" g="0" b="0"/>
+      </a:fillRef>
+      <a:effectRef idx="0">
+        <a:scrgbClr r="0" g="0" b="0"/>
+      </a:effectRef>
+      <a:fontRef idx="minor"/>
+    </dgm:style>
+  </dgm:styleLbl>
+  <dgm:styleLbl name="fgAccFollowNode1">
+    <dgm:scene3d>
+      <a:camera prst="orthographicFront"/>
+      <a:lightRig rig="threePt" dir="t"/>
+    </dgm:scene3d>
+    <dgm:sp3d/>
+    <dgm:txPr/>
+    <dgm:style>
+      <a:lnRef idx="2">
+        <a:scrgbClr r="0" g="0" b="0"/>
+      </a:lnRef>
+      <a:fillRef idx="1">
+        <a:scrgbClr r="0" g="0" b="0"/>
+      </a:fillRef>
+      <a:effectRef idx="0">
+        <a:scrgbClr r="0" g="0" b="0"/>
+      </a:effectRef>
+      <a:fontRef idx="minor"/>
+    </dgm:style>
+  </dgm:styleLbl>
+  <dgm:styleLbl name="alignAccFollowNode1">
+    <dgm:scene3d>
+      <a:camera prst="orthographicFront"/>
+      <a:lightRig rig="threePt" dir="t"/>
+    </dgm:scene3d>
+    <dgm:sp3d/>
+    <dgm:txPr/>
+    <dgm:style>
+      <a:lnRef idx="2">
+        <a:scrgbClr r="0" g="0" b="0"/>
+      </a:lnRef>
+      <a:fillRef idx="1">
+        <a:scrgbClr r="0" g="0" b="0"/>
+      </a:fillRef>
+      <a:effectRef idx="0">
+        <a:scrgbClr r="0" g="0" b="0"/>
+      </a:effectRef>
+      <a:fontRef idx="minor"/>
+    </dgm:style>
+  </dgm:styleLbl>
+  <dgm:styleLbl name="bgAccFollowNode1">
+    <dgm:scene3d>
+      <a:camera prst="orthographicFront"/>
+      <a:lightRig rig="threePt" dir="t"/>
+    </dgm:scene3d>
+    <dgm:sp3d/>
+    <dgm:txPr/>
+    <dgm:style>
+      <a:lnRef idx="2">
+        <a:scrgbClr r="0" g="0" b="0"/>
+      </a:lnRef>
+      <a:fillRef idx="1">
+        <a:scrgbClr r="0" g="0" b="0"/>
+      </a:fillRef>
+      <a:effectRef idx="0">
+        <a:scrgbClr r="0" g="0" b="0"/>
+      </a:effectRef>
+      <a:fontRef idx="minor"/>
+    </dgm:style>
+  </dgm:styleLbl>
+  <dgm:styleLbl name="fgAcc0">
+    <dgm:scene3d>
+      <a:camera prst="orthographicFront"/>
+      <a:lightRig rig="threePt" dir="t"/>
+    </dgm:scene3d>
+    <dgm:sp3d/>
+    <dgm:txPr/>
+    <dgm:style>
+      <a:lnRef idx="2">
+        <a:scrgbClr r="0" g="0" b="0"/>
+      </a:lnRef>
+      <a:fillRef idx="1">
+        <a:scrgbClr r="0" g="0" b="0"/>
+      </a:fillRef>
+      <a:effectRef idx="0">
+        <a:scrgbClr r="0" g="0" b="0"/>
+      </a:effectRef>
+      <a:fontRef idx="minor"/>
+    </dgm:style>
+  </dgm:styleLbl>
+  <dgm:styleLbl name="fgAcc2">
+    <dgm:scene3d>
+      <a:camera prst="orthographicFront"/>
+      <a:lightRig rig="threePt" dir="t"/>
+    </dgm:scene3d>
+    <dgm:sp3d/>
+    <dgm:txPr/>
+    <dgm:style>
+      <a:lnRef idx="2">
+        <a:scrgbClr r="0" g="0" b="0"/>
+      </a:lnRef>
+      <a:fillRef idx="1">
+        <a:scrgbClr r="0" g="0" b="0"/>
+      </a:fillRef>
+      <a:effectRef idx="0">
+        <a:scrgbClr r="0" g="0" b="0"/>
+      </a:effectRef>
+      <a:fontRef idx="minor"/>
+    </dgm:style>
+  </dgm:styleLbl>
+  <dgm:styleLbl name="fgAcc3">
+    <dgm:scene3d>
+      <a:camera prst="orthographicFront"/>
+      <a:lightRig rig="threePt" dir="t"/>
+    </dgm:scene3d>
+    <dgm:sp3d/>
+    <dgm:txPr/>
+    <dgm:style>
+      <a:lnRef idx="2">
+        <a:scrgbClr r="0" g="0" b="0"/>
+      </a:lnRef>
+      <a:fillRef idx="1">
+        <a:scrgbClr r="0" g="0" b="0"/>
+      </a:fillRef>
+      <a:effectRef idx="0">
+        <a:scrgbClr r="0" g="0" b="0"/>
+      </a:effectRef>
+      <a:fontRef idx="minor"/>
+    </dgm:style>
+  </dgm:styleLbl>
+  <dgm:styleLbl name="fgAcc4">
+    <dgm:scene3d>
+      <a:camera prst="orthographicFront"/>
+      <a:lightRig rig="threePt" dir="t"/>
+    </dgm:scene3d>
+    <dgm:sp3d/>
+    <dgm:txPr/>
+    <dgm:style>
+      <a:lnRef idx="2">
+        <a:scrgbClr r="0" g="0" b="0"/>
+      </a:lnRef>
+      <a:fillRef idx="1">
+        <a:scrgbClr r="0" g="0" b="0"/>
+      </a:fillRef>
+      <a:effectRef idx="0">
+        <a:scrgbClr r="0" g="0" b="0"/>
+      </a:effectRef>
+      <a:fontRef idx="minor"/>
+    </dgm:style>
+  </dgm:styleLbl>
+  <dgm:styleLbl name="bgShp">
+    <dgm:scene3d>
+      <a:camera prst="orthographicFront"/>
+      <a:lightRig rig="threePt" dir="t"/>
+    </dgm:scene3d>
+    <dgm:sp3d/>
+    <dgm:txPr/>
+    <dgm:style>
+      <a:lnRef idx="0">
+        <a:scrgbClr r="0" g="0" b="0"/>
+      </a:lnRef>
+      <a:fillRef idx="1">
+        <a:scrgbClr r="0" g="0" b="0"/>
+      </a:fillRef>
+      <a:effectRef idx="0">
+        <a:scrgbClr r="0" g="0" b="0"/>
+      </a:effectRef>
+      <a:fontRef idx="minor"/>
+    </dgm:style>
+  </dgm:styleLbl>
+  <dgm:styleLbl name="dkBgShp">
+    <dgm:scene3d>
+      <a:camera prst="orthographicFront"/>
+      <a:lightRig rig="threePt" dir="t"/>
+    </dgm:scene3d>
+    <dgm:sp3d/>
+    <dgm:txPr/>
+    <dgm:style>
+      <a:lnRef idx="0">
+        <a:scrgbClr r="0" g="0" b="0"/>
+      </a:lnRef>
+      <a:fillRef idx="1">
+        <a:scrgbClr r="0" g="0" b="0"/>
+      </a:fillRef>
+      <a:effectRef idx="0">
+        <a:scrgbClr r="0" g="0" b="0"/>
+      </a:effectRef>
+      <a:fontRef idx="minor"/>
+    </dgm:style>
+  </dgm:styleLbl>
+  <dgm:styleLbl name="trBgShp">
+    <dgm:scene3d>
+      <a:camera prst="orthographicFront"/>
+      <a:lightRig rig="threePt" dir="t"/>
+    </dgm:scene3d>
+    <dgm:sp3d/>
+    <dgm:txPr/>
+    <dgm:style>
+      <a:lnRef idx="0">
+        <a:scrgbClr r="0" g="0" b="0"/>
+      </a:lnRef>
+      <a:fillRef idx="1">
+        <a:scrgbClr r="0" g="0" b="0"/>
+      </a:fillRef>
+      <a:effectRef idx="0">
+        <a:scrgbClr r="0" g="0" b="0"/>
+      </a:effectRef>
+      <a:fontRef idx="minor"/>
+    </dgm:style>
+  </dgm:styleLbl>
+  <dgm:styleLbl name="fgShp">
+    <dgm:scene3d>
+      <a:camera prst="orthographicFront"/>
+      <a:lightRig rig="threePt" dir="t"/>
+    </dgm:scene3d>
+    <dgm:sp3d/>
+    <dgm:txPr/>
+    <dgm:style>
+      <a:lnRef idx="2">
+        <a:scrgbClr r="0" g="0" b="0"/>
+      </a:lnRef>
+      <a:fillRef idx="1">
+        <a:scrgbClr r="0" g="0" b="0"/>
+      </a:fillRef>
+      <a:effectRef idx="0">
+        <a:scrgbClr r="0" g="0" b="0"/>
+      </a:effectRef>
+      <a:fontRef idx="minor"/>
+    </dgm:style>
+  </dgm:styleLbl>
+  <dgm:styleLbl name="revTx">
+    <dgm:scene3d>
+      <a:camera prst="orthographicFront"/>
+      <a:lightRig rig="threePt" dir="t"/>
+    </dgm:scene3d>
+    <dgm:sp3d/>
+    <dgm:txPr/>
+    <dgm:style>
+      <a:lnRef idx="0">
+        <a:scrgbClr r="0" g="0" b="0"/>
+      </a:lnRef>
+      <a:fillRef idx="0">
+        <a:scrgbClr r="0" g="0" b="0"/>
+      </a:fillRef>
+      <a:effectRef idx="0">
+        <a:scrgbClr r="0" g="0" b="0"/>
+      </a:effectRef>
+      <a:fontRef idx="minor"/>
+    </dgm:style>
+  </dgm:styleLbl>
+</dgm:styleDef>
+</file>
+
+<file path=ppt/diagrams/quickStyle9.xml><?xml version="1.0" encoding="utf-8"?>
 <dgm:styleDef xmlns:dgm="http://schemas.openxmlformats.org/drawingml/2006/diagram" xmlns:a="http://schemas.openxmlformats.org/drawingml/2006/main" uniqueId="urn:microsoft.com/office/officeart/2005/8/quickstyle/simple1">
   <dgm:title val=""/>
   <dgm:desc val=""/>
@@ -21045,7 +23624,7 @@
           <a:p>
             <a:fld id="{5A1A9113-FAD9-4C05-BCA5-79F2E0912F7D}" type="datetimeFigureOut">
               <a:rPr lang="en-US" smtClean="0"/>
-              <a:t>3/2/2016</a:t>
+              <a:t>3/7/2016</a:t>
             </a:fld>
             <a:endParaRPr lang="en-US"/>
           </a:p>
@@ -21140,7 +23719,6 @@
               <a:rPr lang="en-US"/>
               <a:t>Fifth level</a:t>
             </a:r>
-            <a:endParaRPr lang="en-US"/>
           </a:p>
         </p:txBody>
       </p:sp>
@@ -21707,7 +24285,7 @@
           <a:p>
             <a:fld id="{066DB7F9-0612-44E7-9446-F6C24B3722E3}" type="slidenum">
               <a:rPr lang="en-US" smtClean="0"/>
-              <a:t>5</a:t>
+              <a:t>6</a:t>
             </a:fld>
             <a:endParaRPr lang="en-US"/>
           </a:p>
@@ -21846,7 +24424,7 @@
           <a:p>
             <a:fld id="{066DB7F9-0612-44E7-9446-F6C24B3722E3}" type="slidenum">
               <a:rPr lang="en-US" smtClean="0"/>
-              <a:t>6</a:t>
+              <a:t>7</a:t>
             </a:fld>
             <a:endParaRPr lang="en-US"/>
           </a:p>
@@ -21994,7 +24572,7 @@
           <a:p>
             <a:fld id="{1EB7FC3E-57F0-4FD6-89A7-19B9004659FF}" type="datetimeFigureOut">
               <a:rPr lang="en-US" smtClean="0"/>
-              <a:t>3/2/2016</a:t>
+              <a:t>3/7/2016</a:t>
             </a:fld>
             <a:endParaRPr lang="en-US"/>
           </a:p>
@@ -22162,7 +24740,7 @@
           <a:p>
             <a:fld id="{1EB7FC3E-57F0-4FD6-89A7-19B9004659FF}" type="datetimeFigureOut">
               <a:rPr lang="en-US" smtClean="0"/>
-              <a:t>3/2/2016</a:t>
+              <a:t>3/7/2016</a:t>
             </a:fld>
             <a:endParaRPr lang="en-US"/>
           </a:p>
@@ -22340,7 +24918,7 @@
           <a:p>
             <a:fld id="{1EB7FC3E-57F0-4FD6-89A7-19B9004659FF}" type="datetimeFigureOut">
               <a:rPr lang="en-US" smtClean="0"/>
-              <a:t>3/2/2016</a:t>
+              <a:t>3/7/2016</a:t>
             </a:fld>
             <a:endParaRPr lang="en-US"/>
           </a:p>
@@ -22567,7 +25145,7 @@
           <a:p>
             <a:fld id="{1EB7FC3E-57F0-4FD6-89A7-19B9004659FF}" type="datetimeFigureOut">
               <a:rPr lang="en-US" smtClean="0"/>
-              <a:t>3/2/2016</a:t>
+              <a:t>3/7/2016</a:t>
             </a:fld>
             <a:endParaRPr lang="en-US"/>
           </a:p>
@@ -22837,7 +25415,7 @@
           <a:p>
             <a:fld id="{1EB7FC3E-57F0-4FD6-89A7-19B9004659FF}" type="datetimeFigureOut">
               <a:rPr lang="en-US" smtClean="0"/>
-              <a:t>3/2/2016</a:t>
+              <a:t>3/7/2016</a:t>
             </a:fld>
             <a:endParaRPr lang="en-US"/>
           </a:p>
@@ -23066,7 +25644,7 @@
           <a:p>
             <a:fld id="{1EB7FC3E-57F0-4FD6-89A7-19B9004659FF}" type="datetimeFigureOut">
               <a:rPr lang="en-US" smtClean="0"/>
-              <a:t>3/2/2016</a:t>
+              <a:t>3/7/2016</a:t>
             </a:fld>
             <a:endParaRPr lang="en-US"/>
           </a:p>
@@ -23430,7 +26008,7 @@
           <a:p>
             <a:fld id="{1EB7FC3E-57F0-4FD6-89A7-19B9004659FF}" type="datetimeFigureOut">
               <a:rPr lang="en-US" smtClean="0"/>
-              <a:t>3/2/2016</a:t>
+              <a:t>3/7/2016</a:t>
             </a:fld>
             <a:endParaRPr lang="en-US"/>
           </a:p>
@@ -23547,7 +26125,7 @@
           <a:p>
             <a:fld id="{1EB7FC3E-57F0-4FD6-89A7-19B9004659FF}" type="datetimeFigureOut">
               <a:rPr lang="en-US" smtClean="0"/>
-              <a:t>3/2/2016</a:t>
+              <a:t>3/7/2016</a:t>
             </a:fld>
             <a:endParaRPr lang="en-US"/>
           </a:p>
@@ -23642,7 +26220,7 @@
           <a:p>
             <a:fld id="{1EB7FC3E-57F0-4FD6-89A7-19B9004659FF}" type="datetimeFigureOut">
               <a:rPr lang="en-US" smtClean="0"/>
-              <a:t>3/2/2016</a:t>
+              <a:t>3/7/2016</a:t>
             </a:fld>
             <a:endParaRPr lang="en-US"/>
           </a:p>
@@ -23917,7 +26495,7 @@
           <a:p>
             <a:fld id="{1EB7FC3E-57F0-4FD6-89A7-19B9004659FF}" type="datetimeFigureOut">
               <a:rPr lang="en-US" smtClean="0"/>
-              <a:t>3/2/2016</a:t>
+              <a:t>3/7/2016</a:t>
             </a:fld>
             <a:endParaRPr lang="en-US"/>
           </a:p>
@@ -24169,7 +26747,7 @@
           <a:p>
             <a:fld id="{1EB7FC3E-57F0-4FD6-89A7-19B9004659FF}" type="datetimeFigureOut">
               <a:rPr lang="en-US" smtClean="0"/>
-              <a:t>3/2/2016</a:t>
+              <a:t>3/7/2016</a:t>
             </a:fld>
             <a:endParaRPr lang="en-US"/>
           </a:p>
@@ -24380,7 +26958,7 @@
           <a:p>
             <a:fld id="{1EB7FC3E-57F0-4FD6-89A7-19B9004659FF}" type="datetimeFigureOut">
               <a:rPr lang="en-US" smtClean="0"/>
-              <a:t>3/2/2016</a:t>
+              <a:t>3/7/2016</a:t>
             </a:fld>
             <a:endParaRPr lang="en-US"/>
           </a:p>
@@ -24856,15 +27434,62 @@
           <a:lstStyle/>
           <a:p>
             <a:r>
-              <a:rPr lang="en-US" sz="1800" i="1" dirty="0">
+              <a:rPr lang="en-US" sz="1800" dirty="0">
                 <a:solidFill>
                   <a:schemeClr val="tx2"/>
                 </a:solidFill>
                 <a:latin typeface="Helvetica" panose="020B0604020202020204" pitchFamily="34" charset="0"/>
                 <a:cs typeface="Helvetica" panose="020B0604020202020204" pitchFamily="34" charset="0"/>
               </a:rPr>
-              <a:t>predicting repeat customers with sales data</a:t>
+              <a:t>predicting repeat customers with sales </a:t>
             </a:r>
+            <a:r>
+              <a:rPr lang="en-US" sz="1800" dirty="0" smtClean="0">
+                <a:solidFill>
+                  <a:schemeClr val="tx2"/>
+                </a:solidFill>
+                <a:latin typeface="Helvetica" panose="020B0604020202020204" pitchFamily="34" charset="0"/>
+                <a:cs typeface="Helvetica" panose="020B0604020202020204" pitchFamily="34" charset="0"/>
+              </a:rPr>
+              <a:t>data</a:t>
+            </a:r>
+          </a:p>
+          <a:p>
+            <a:endParaRPr lang="en-US" sz="1400" dirty="0" smtClean="0">
+              <a:solidFill>
+                <a:schemeClr val="tx2"/>
+              </a:solidFill>
+              <a:latin typeface="Helvetica" panose="020B0604020202020204" pitchFamily="34" charset="0"/>
+              <a:cs typeface="Helvetica" panose="020B0604020202020204" pitchFamily="34" charset="0"/>
+            </a:endParaRPr>
+          </a:p>
+          <a:p>
+            <a:endParaRPr lang="en-US" sz="1400" dirty="0">
+              <a:solidFill>
+                <a:schemeClr val="tx2"/>
+              </a:solidFill>
+              <a:latin typeface="Helvetica" panose="020B0604020202020204" pitchFamily="34" charset="0"/>
+              <a:cs typeface="Helvetica" panose="020B0604020202020204" pitchFamily="34" charset="0"/>
+            </a:endParaRPr>
+          </a:p>
+          <a:p>
+            <a:r>
+              <a:rPr lang="en-US" sz="1400" dirty="0" smtClean="0">
+                <a:solidFill>
+                  <a:schemeClr val="tx2"/>
+                </a:solidFill>
+                <a:latin typeface="Helvetica" panose="020B0604020202020204" pitchFamily="34" charset="0"/>
+                <a:cs typeface="Helvetica" panose="020B0604020202020204" pitchFamily="34" charset="0"/>
+              </a:rPr>
+              <a:t>Zen Yui | 2016-03-07</a:t>
+            </a:r>
+            <a:endParaRPr lang="en-US" sz="1400" dirty="0">
+              <a:solidFill>
+                <a:schemeClr val="tx2"/>
+              </a:solidFill>
+              <a:latin typeface="Helvetica" panose="020B0604020202020204" pitchFamily="34" charset="0"/>
+              <a:cs typeface="Helvetica" panose="020B0604020202020204" pitchFamily="34" charset="0"/>
+            </a:endParaRPr>
           </a:p>
         </p:txBody>
       </p:sp>
@@ -25018,8 +27643,13 @@
           <a:p>
             <a:r>
               <a:rPr lang="en-US" dirty="0"/>
-              <a:t>Scope of question must be limited</a:t>
+              <a:t>r</a:t>
             </a:r>
+            <a:r>
+              <a:rPr lang="en-US" dirty="0" smtClean="0"/>
+              <a:t>esearch question and hypothesis</a:t>
+            </a:r>
+            <a:endParaRPr lang="en-US" dirty="0"/>
           </a:p>
         </p:txBody>
       </p:sp>
@@ -25035,8 +27665,8 @@
         </p:nvSpPr>
         <p:spPr>
           <a:xfrm>
-            <a:off x="1781908" y="2309446"/>
-            <a:ext cx="8628184" cy="3867517"/>
+            <a:off x="3472406" y="1921534"/>
+            <a:ext cx="8149750" cy="1630019"/>
           </a:xfrm>
         </p:spPr>
         <p:txBody>
@@ -25049,7 +27679,7 @@
               <a:buNone/>
             </a:pPr>
             <a:r>
-              <a:rPr lang="en-US" sz="3200" i="1" dirty="0">
+              <a:rPr lang="en-US" sz="2400" i="1" dirty="0">
                 <a:solidFill>
                   <a:schemeClr val="tx2"/>
                 </a:solidFill>
@@ -25081,6 +27711,624 @@
           </a:graphicData>
         </a:graphic>
       </p:graphicFrame>
+      <p:sp>
+        <p:nvSpPr>
+          <p:cNvPr id="5" name="Content Placeholder 2"/>
+          <p:cNvSpPr txBox="1">
+            <a:spLocks/>
+          </p:cNvSpPr>
+          <p:nvPr/>
+        </p:nvSpPr>
+        <p:spPr>
+          <a:xfrm>
+            <a:off x="3472407" y="3836473"/>
+            <a:ext cx="8149748" cy="1630019"/>
+          </a:xfrm>
+          <a:prstGeom prst="rect">
+            <a:avLst/>
+          </a:prstGeom>
+        </p:spPr>
+        <p:txBody>
+          <a:bodyPr vert="horz" lIns="91440" tIns="45720" rIns="91440" bIns="45720" rtlCol="0">
+            <a:normAutofit/>
+          </a:bodyPr>
+          <a:lstStyle>
+            <a:lvl1pPr marL="228600" indent="-228600" algn="l" defTabSz="914400" rtl="0" eaLnBrk="1" latinLnBrk="0" hangingPunct="1">
+              <a:lnSpc>
+                <a:spcPct val="90000"/>
+              </a:lnSpc>
+              <a:spcBef>
+                <a:spcPts val="1000"/>
+              </a:spcBef>
+              <a:buFont typeface="Arial" panose="020B0604020202020204" pitchFamily="34" charset="0"/>
+              <a:buChar char="•"/>
+              <a:defRPr sz="2800" kern="1200">
+                <a:solidFill>
+                  <a:schemeClr val="tx1"/>
+                </a:solidFill>
+                <a:latin typeface="Helvetica" panose="020B0604020202020204" pitchFamily="34" charset="0"/>
+                <a:ea typeface="+mn-ea"/>
+                <a:cs typeface="Helvetica" panose="020B0604020202020204" pitchFamily="34" charset="0"/>
+              </a:defRPr>
+            </a:lvl1pPr>
+            <a:lvl2pPr marL="685800" indent="-228600" algn="l" defTabSz="914400" rtl="0" eaLnBrk="1" latinLnBrk="0" hangingPunct="1">
+              <a:lnSpc>
+                <a:spcPct val="90000"/>
+              </a:lnSpc>
+              <a:spcBef>
+                <a:spcPts val="500"/>
+              </a:spcBef>
+              <a:buFont typeface="Arial" panose="020B0604020202020204" pitchFamily="34" charset="0"/>
+              <a:buChar char="•"/>
+              <a:defRPr sz="2400" kern="1200">
+                <a:solidFill>
+                  <a:schemeClr val="tx1"/>
+                </a:solidFill>
+                <a:latin typeface="Helvetica" panose="020B0604020202020204" pitchFamily="34" charset="0"/>
+                <a:ea typeface="+mn-ea"/>
+                <a:cs typeface="Helvetica" panose="020B0604020202020204" pitchFamily="34" charset="0"/>
+              </a:defRPr>
+            </a:lvl2pPr>
+            <a:lvl3pPr marL="1143000" indent="-228600" algn="l" defTabSz="914400" rtl="0" eaLnBrk="1" latinLnBrk="0" hangingPunct="1">
+              <a:lnSpc>
+                <a:spcPct val="90000"/>
+              </a:lnSpc>
+              <a:spcBef>
+                <a:spcPts val="500"/>
+              </a:spcBef>
+              <a:buFont typeface="Arial" panose="020B0604020202020204" pitchFamily="34" charset="0"/>
+              <a:buChar char="•"/>
+              <a:defRPr sz="2000" kern="1200">
+                <a:solidFill>
+                  <a:schemeClr val="tx1"/>
+                </a:solidFill>
+                <a:latin typeface="Helvetica" panose="020B0604020202020204" pitchFamily="34" charset="0"/>
+                <a:ea typeface="+mn-ea"/>
+                <a:cs typeface="Helvetica" panose="020B0604020202020204" pitchFamily="34" charset="0"/>
+              </a:defRPr>
+            </a:lvl3pPr>
+            <a:lvl4pPr marL="1600200" indent="-228600" algn="l" defTabSz="914400" rtl="0" eaLnBrk="1" latinLnBrk="0" hangingPunct="1">
+              <a:lnSpc>
+                <a:spcPct val="90000"/>
+              </a:lnSpc>
+              <a:spcBef>
+                <a:spcPts val="500"/>
+              </a:spcBef>
+              <a:buFont typeface="Arial" panose="020B0604020202020204" pitchFamily="34" charset="0"/>
+              <a:buChar char="•"/>
+              <a:defRPr sz="1800" kern="1200">
+                <a:solidFill>
+                  <a:schemeClr val="tx1"/>
+                </a:solidFill>
+                <a:latin typeface="Helvetica" panose="020B0604020202020204" pitchFamily="34" charset="0"/>
+                <a:ea typeface="+mn-ea"/>
+                <a:cs typeface="Helvetica" panose="020B0604020202020204" pitchFamily="34" charset="0"/>
+              </a:defRPr>
+            </a:lvl4pPr>
+            <a:lvl5pPr marL="2057400" indent="-228600" algn="l" defTabSz="914400" rtl="0" eaLnBrk="1" latinLnBrk="0" hangingPunct="1">
+              <a:lnSpc>
+                <a:spcPct val="90000"/>
+              </a:lnSpc>
+              <a:spcBef>
+                <a:spcPts val="500"/>
+              </a:spcBef>
+              <a:buFont typeface="Arial" panose="020B0604020202020204" pitchFamily="34" charset="0"/>
+              <a:buChar char="•"/>
+              <a:defRPr sz="1800" kern="1200">
+                <a:solidFill>
+                  <a:schemeClr val="tx1"/>
+                </a:solidFill>
+                <a:latin typeface="Helvetica" panose="020B0604020202020204" pitchFamily="34" charset="0"/>
+                <a:ea typeface="+mn-ea"/>
+                <a:cs typeface="Helvetica" panose="020B0604020202020204" pitchFamily="34" charset="0"/>
+              </a:defRPr>
+            </a:lvl5pPr>
+            <a:lvl6pPr marL="2514600" indent="-228600" algn="l" defTabSz="914400" rtl="0" eaLnBrk="1" latinLnBrk="0" hangingPunct="1">
+              <a:lnSpc>
+                <a:spcPct val="90000"/>
+              </a:lnSpc>
+              <a:spcBef>
+                <a:spcPts val="500"/>
+              </a:spcBef>
+              <a:buFont typeface="Arial" panose="020B0604020202020204" pitchFamily="34" charset="0"/>
+              <a:buChar char="•"/>
+              <a:defRPr sz="1800" kern="1200">
+                <a:solidFill>
+                  <a:schemeClr val="tx1"/>
+                </a:solidFill>
+                <a:latin typeface="+mn-lt"/>
+                <a:ea typeface="+mn-ea"/>
+                <a:cs typeface="+mn-cs"/>
+              </a:defRPr>
+            </a:lvl6pPr>
+            <a:lvl7pPr marL="2971800" indent="-228600" algn="l" defTabSz="914400" rtl="0" eaLnBrk="1" latinLnBrk="0" hangingPunct="1">
+              <a:lnSpc>
+                <a:spcPct val="90000"/>
+              </a:lnSpc>
+              <a:spcBef>
+                <a:spcPts val="500"/>
+              </a:spcBef>
+              <a:buFont typeface="Arial" panose="020B0604020202020204" pitchFamily="34" charset="0"/>
+              <a:buChar char="•"/>
+              <a:defRPr sz="1800" kern="1200">
+                <a:solidFill>
+                  <a:schemeClr val="tx1"/>
+                </a:solidFill>
+                <a:latin typeface="+mn-lt"/>
+                <a:ea typeface="+mn-ea"/>
+                <a:cs typeface="+mn-cs"/>
+              </a:defRPr>
+            </a:lvl7pPr>
+            <a:lvl8pPr marL="3429000" indent="-228600" algn="l" defTabSz="914400" rtl="0" eaLnBrk="1" latinLnBrk="0" hangingPunct="1">
+              <a:lnSpc>
+                <a:spcPct val="90000"/>
+              </a:lnSpc>
+              <a:spcBef>
+                <a:spcPts val="500"/>
+              </a:spcBef>
+              <a:buFont typeface="Arial" panose="020B0604020202020204" pitchFamily="34" charset="0"/>
+              <a:buChar char="•"/>
+              <a:defRPr sz="1800" kern="1200">
+                <a:solidFill>
+                  <a:schemeClr val="tx1"/>
+                </a:solidFill>
+                <a:latin typeface="+mn-lt"/>
+                <a:ea typeface="+mn-ea"/>
+                <a:cs typeface="+mn-cs"/>
+              </a:defRPr>
+            </a:lvl8pPr>
+            <a:lvl9pPr marL="3886200" indent="-228600" algn="l" defTabSz="914400" rtl="0" eaLnBrk="1" latinLnBrk="0" hangingPunct="1">
+              <a:lnSpc>
+                <a:spcPct val="90000"/>
+              </a:lnSpc>
+              <a:spcBef>
+                <a:spcPts val="500"/>
+              </a:spcBef>
+              <a:buFont typeface="Arial" panose="020B0604020202020204" pitchFamily="34" charset="0"/>
+              <a:buChar char="•"/>
+              <a:defRPr sz="1800" kern="1200">
+                <a:solidFill>
+                  <a:schemeClr val="tx1"/>
+                </a:solidFill>
+                <a:latin typeface="+mn-lt"/>
+                <a:ea typeface="+mn-ea"/>
+                <a:cs typeface="+mn-cs"/>
+              </a:defRPr>
+            </a:lvl9pPr>
+          </a:lstStyle>
+          <a:p>
+            <a:pPr marL="0" indent="0">
+              <a:buFont typeface="Arial" panose="020B0604020202020204" pitchFamily="34" charset="0"/>
+              <a:buNone/>
+            </a:pPr>
+            <a:r>
+              <a:rPr lang="en-US" sz="2400" i="1" dirty="0" smtClean="0">
+                <a:solidFill>
+                  <a:schemeClr val="tx2"/>
+                </a:solidFill>
+              </a:rPr>
+              <a:t>Prior visit count will likely prove to be the most important feature, but other features from “domain knowledge” should give an interesting perspective on customer behavior.</a:t>
+            </a:r>
+            <a:endParaRPr lang="en-US" sz="2400" i="1" dirty="0">
+              <a:solidFill>
+                <a:schemeClr val="tx2"/>
+              </a:solidFill>
+            </a:endParaRPr>
+          </a:p>
+        </p:txBody>
+      </p:sp>
+      <p:sp>
+        <p:nvSpPr>
+          <p:cNvPr id="6" name="Content Placeholder 2"/>
+          <p:cNvSpPr txBox="1">
+            <a:spLocks/>
+          </p:cNvSpPr>
+          <p:nvPr/>
+        </p:nvSpPr>
+        <p:spPr>
+          <a:xfrm>
+            <a:off x="1205949" y="1921533"/>
+            <a:ext cx="2266458" cy="1630020"/>
+          </a:xfrm>
+          <a:prstGeom prst="rect">
+            <a:avLst/>
+          </a:prstGeom>
+        </p:spPr>
+        <p:txBody>
+          <a:bodyPr vert="horz" lIns="91440" tIns="45720" rIns="91440" bIns="45720" rtlCol="0">
+            <a:normAutofit/>
+          </a:bodyPr>
+          <a:lstStyle>
+            <a:lvl1pPr marL="228600" indent="-228600" algn="l" defTabSz="914400" rtl="0" eaLnBrk="1" latinLnBrk="0" hangingPunct="1">
+              <a:lnSpc>
+                <a:spcPct val="90000"/>
+              </a:lnSpc>
+              <a:spcBef>
+                <a:spcPts val="1000"/>
+              </a:spcBef>
+              <a:buFont typeface="Arial" panose="020B0604020202020204" pitchFamily="34" charset="0"/>
+              <a:buChar char="•"/>
+              <a:defRPr sz="2800" kern="1200">
+                <a:solidFill>
+                  <a:schemeClr val="tx1"/>
+                </a:solidFill>
+                <a:latin typeface="Helvetica" panose="020B0604020202020204" pitchFamily="34" charset="0"/>
+                <a:ea typeface="+mn-ea"/>
+                <a:cs typeface="Helvetica" panose="020B0604020202020204" pitchFamily="34" charset="0"/>
+              </a:defRPr>
+            </a:lvl1pPr>
+            <a:lvl2pPr marL="685800" indent="-228600" algn="l" defTabSz="914400" rtl="0" eaLnBrk="1" latinLnBrk="0" hangingPunct="1">
+              <a:lnSpc>
+                <a:spcPct val="90000"/>
+              </a:lnSpc>
+              <a:spcBef>
+                <a:spcPts val="500"/>
+              </a:spcBef>
+              <a:buFont typeface="Arial" panose="020B0604020202020204" pitchFamily="34" charset="0"/>
+              <a:buChar char="•"/>
+              <a:defRPr sz="2400" kern="1200">
+                <a:solidFill>
+                  <a:schemeClr val="tx1"/>
+                </a:solidFill>
+                <a:latin typeface="Helvetica" panose="020B0604020202020204" pitchFamily="34" charset="0"/>
+                <a:ea typeface="+mn-ea"/>
+                <a:cs typeface="Helvetica" panose="020B0604020202020204" pitchFamily="34" charset="0"/>
+              </a:defRPr>
+            </a:lvl2pPr>
+            <a:lvl3pPr marL="1143000" indent="-228600" algn="l" defTabSz="914400" rtl="0" eaLnBrk="1" latinLnBrk="0" hangingPunct="1">
+              <a:lnSpc>
+                <a:spcPct val="90000"/>
+              </a:lnSpc>
+              <a:spcBef>
+                <a:spcPts val="500"/>
+              </a:spcBef>
+              <a:buFont typeface="Arial" panose="020B0604020202020204" pitchFamily="34" charset="0"/>
+              <a:buChar char="•"/>
+              <a:defRPr sz="2000" kern="1200">
+                <a:solidFill>
+                  <a:schemeClr val="tx1"/>
+                </a:solidFill>
+                <a:latin typeface="Helvetica" panose="020B0604020202020204" pitchFamily="34" charset="0"/>
+                <a:ea typeface="+mn-ea"/>
+                <a:cs typeface="Helvetica" panose="020B0604020202020204" pitchFamily="34" charset="0"/>
+              </a:defRPr>
+            </a:lvl3pPr>
+            <a:lvl4pPr marL="1600200" indent="-228600" algn="l" defTabSz="914400" rtl="0" eaLnBrk="1" latinLnBrk="0" hangingPunct="1">
+              <a:lnSpc>
+                <a:spcPct val="90000"/>
+              </a:lnSpc>
+              <a:spcBef>
+                <a:spcPts val="500"/>
+              </a:spcBef>
+              <a:buFont typeface="Arial" panose="020B0604020202020204" pitchFamily="34" charset="0"/>
+              <a:buChar char="•"/>
+              <a:defRPr sz="1800" kern="1200">
+                <a:solidFill>
+                  <a:schemeClr val="tx1"/>
+                </a:solidFill>
+                <a:latin typeface="Helvetica" panose="020B0604020202020204" pitchFamily="34" charset="0"/>
+                <a:ea typeface="+mn-ea"/>
+                <a:cs typeface="Helvetica" panose="020B0604020202020204" pitchFamily="34" charset="0"/>
+              </a:defRPr>
+            </a:lvl4pPr>
+            <a:lvl5pPr marL="2057400" indent="-228600" algn="l" defTabSz="914400" rtl="0" eaLnBrk="1" latinLnBrk="0" hangingPunct="1">
+              <a:lnSpc>
+                <a:spcPct val="90000"/>
+              </a:lnSpc>
+              <a:spcBef>
+                <a:spcPts val="500"/>
+              </a:spcBef>
+              <a:buFont typeface="Arial" panose="020B0604020202020204" pitchFamily="34" charset="0"/>
+              <a:buChar char="•"/>
+              <a:defRPr sz="1800" kern="1200">
+                <a:solidFill>
+                  <a:schemeClr val="tx1"/>
+                </a:solidFill>
+                <a:latin typeface="Helvetica" panose="020B0604020202020204" pitchFamily="34" charset="0"/>
+                <a:ea typeface="+mn-ea"/>
+                <a:cs typeface="Helvetica" panose="020B0604020202020204" pitchFamily="34" charset="0"/>
+              </a:defRPr>
+            </a:lvl5pPr>
+            <a:lvl6pPr marL="2514600" indent="-228600" algn="l" defTabSz="914400" rtl="0" eaLnBrk="1" latinLnBrk="0" hangingPunct="1">
+              <a:lnSpc>
+                <a:spcPct val="90000"/>
+              </a:lnSpc>
+              <a:spcBef>
+                <a:spcPts val="500"/>
+              </a:spcBef>
+              <a:buFont typeface="Arial" panose="020B0604020202020204" pitchFamily="34" charset="0"/>
+              <a:buChar char="•"/>
+              <a:defRPr sz="1800" kern="1200">
+                <a:solidFill>
+                  <a:schemeClr val="tx1"/>
+                </a:solidFill>
+                <a:latin typeface="+mn-lt"/>
+                <a:ea typeface="+mn-ea"/>
+                <a:cs typeface="+mn-cs"/>
+              </a:defRPr>
+            </a:lvl6pPr>
+            <a:lvl7pPr marL="2971800" indent="-228600" algn="l" defTabSz="914400" rtl="0" eaLnBrk="1" latinLnBrk="0" hangingPunct="1">
+              <a:lnSpc>
+                <a:spcPct val="90000"/>
+              </a:lnSpc>
+              <a:spcBef>
+                <a:spcPts val="500"/>
+              </a:spcBef>
+              <a:buFont typeface="Arial" panose="020B0604020202020204" pitchFamily="34" charset="0"/>
+              <a:buChar char="•"/>
+              <a:defRPr sz="1800" kern="1200">
+                <a:solidFill>
+                  <a:schemeClr val="tx1"/>
+                </a:solidFill>
+                <a:latin typeface="+mn-lt"/>
+                <a:ea typeface="+mn-ea"/>
+                <a:cs typeface="+mn-cs"/>
+              </a:defRPr>
+            </a:lvl7pPr>
+            <a:lvl8pPr marL="3429000" indent="-228600" algn="l" defTabSz="914400" rtl="0" eaLnBrk="1" latinLnBrk="0" hangingPunct="1">
+              <a:lnSpc>
+                <a:spcPct val="90000"/>
+              </a:lnSpc>
+              <a:spcBef>
+                <a:spcPts val="500"/>
+              </a:spcBef>
+              <a:buFont typeface="Arial" panose="020B0604020202020204" pitchFamily="34" charset="0"/>
+              <a:buChar char="•"/>
+              <a:defRPr sz="1800" kern="1200">
+                <a:solidFill>
+                  <a:schemeClr val="tx1"/>
+                </a:solidFill>
+                <a:latin typeface="+mn-lt"/>
+                <a:ea typeface="+mn-ea"/>
+                <a:cs typeface="+mn-cs"/>
+              </a:defRPr>
+            </a:lvl8pPr>
+            <a:lvl9pPr marL="3886200" indent="-228600" algn="l" defTabSz="914400" rtl="0" eaLnBrk="1" latinLnBrk="0" hangingPunct="1">
+              <a:lnSpc>
+                <a:spcPct val="90000"/>
+              </a:lnSpc>
+              <a:spcBef>
+                <a:spcPts val="500"/>
+              </a:spcBef>
+              <a:buFont typeface="Arial" panose="020B0604020202020204" pitchFamily="34" charset="0"/>
+              <a:buChar char="•"/>
+              <a:defRPr sz="1800" kern="1200">
+                <a:solidFill>
+                  <a:schemeClr val="tx1"/>
+                </a:solidFill>
+                <a:latin typeface="+mn-lt"/>
+                <a:ea typeface="+mn-ea"/>
+                <a:cs typeface="+mn-cs"/>
+              </a:defRPr>
+            </a:lvl9pPr>
+          </a:lstStyle>
+          <a:p>
+            <a:pPr marL="0" indent="0">
+              <a:buFont typeface="Arial" panose="020B0604020202020204" pitchFamily="34" charset="0"/>
+              <a:buNone/>
+            </a:pPr>
+            <a:r>
+              <a:rPr lang="en-US" sz="2400" b="1" i="1" dirty="0" smtClean="0">
+                <a:solidFill>
+                  <a:schemeClr val="tx2"/>
+                </a:solidFill>
+              </a:rPr>
+              <a:t>Question:</a:t>
+            </a:r>
+            <a:endParaRPr lang="en-US" sz="2400" b="1" i="1" dirty="0">
+              <a:solidFill>
+                <a:schemeClr val="tx2"/>
+              </a:solidFill>
+            </a:endParaRPr>
+          </a:p>
+        </p:txBody>
+      </p:sp>
+      <p:sp>
+        <p:nvSpPr>
+          <p:cNvPr id="7" name="Content Placeholder 2"/>
+          <p:cNvSpPr txBox="1">
+            <a:spLocks/>
+          </p:cNvSpPr>
+          <p:nvPr/>
+        </p:nvSpPr>
+        <p:spPr>
+          <a:xfrm>
+            <a:off x="1205949" y="3836473"/>
+            <a:ext cx="2266458" cy="1630020"/>
+          </a:xfrm>
+          <a:prstGeom prst="rect">
+            <a:avLst/>
+          </a:prstGeom>
+        </p:spPr>
+        <p:txBody>
+          <a:bodyPr vert="horz" lIns="91440" tIns="45720" rIns="91440" bIns="45720" rtlCol="0">
+            <a:normAutofit/>
+          </a:bodyPr>
+          <a:lstStyle>
+            <a:lvl1pPr marL="228600" indent="-228600" algn="l" defTabSz="914400" rtl="0" eaLnBrk="1" latinLnBrk="0" hangingPunct="1">
+              <a:lnSpc>
+                <a:spcPct val="90000"/>
+              </a:lnSpc>
+              <a:spcBef>
+                <a:spcPts val="1000"/>
+              </a:spcBef>
+              <a:buFont typeface="Arial" panose="020B0604020202020204" pitchFamily="34" charset="0"/>
+              <a:buChar char="•"/>
+              <a:defRPr sz="2800" kern="1200">
+                <a:solidFill>
+                  <a:schemeClr val="tx1"/>
+                </a:solidFill>
+                <a:latin typeface="Helvetica" panose="020B0604020202020204" pitchFamily="34" charset="0"/>
+                <a:ea typeface="+mn-ea"/>
+                <a:cs typeface="Helvetica" panose="020B0604020202020204" pitchFamily="34" charset="0"/>
+              </a:defRPr>
+            </a:lvl1pPr>
+            <a:lvl2pPr marL="685800" indent="-228600" algn="l" defTabSz="914400" rtl="0" eaLnBrk="1" latinLnBrk="0" hangingPunct="1">
+              <a:lnSpc>
+                <a:spcPct val="90000"/>
+              </a:lnSpc>
+              <a:spcBef>
+                <a:spcPts val="500"/>
+              </a:spcBef>
+              <a:buFont typeface="Arial" panose="020B0604020202020204" pitchFamily="34" charset="0"/>
+              <a:buChar char="•"/>
+              <a:defRPr sz="2400" kern="1200">
+                <a:solidFill>
+                  <a:schemeClr val="tx1"/>
+                </a:solidFill>
+                <a:latin typeface="Helvetica" panose="020B0604020202020204" pitchFamily="34" charset="0"/>
+                <a:ea typeface="+mn-ea"/>
+                <a:cs typeface="Helvetica" panose="020B0604020202020204" pitchFamily="34" charset="0"/>
+              </a:defRPr>
+            </a:lvl2pPr>
+            <a:lvl3pPr marL="1143000" indent="-228600" algn="l" defTabSz="914400" rtl="0" eaLnBrk="1" latinLnBrk="0" hangingPunct="1">
+              <a:lnSpc>
+                <a:spcPct val="90000"/>
+              </a:lnSpc>
+              <a:spcBef>
+                <a:spcPts val="500"/>
+              </a:spcBef>
+              <a:buFont typeface="Arial" panose="020B0604020202020204" pitchFamily="34" charset="0"/>
+              <a:buChar char="•"/>
+              <a:defRPr sz="2000" kern="1200">
+                <a:solidFill>
+                  <a:schemeClr val="tx1"/>
+                </a:solidFill>
+                <a:latin typeface="Helvetica" panose="020B0604020202020204" pitchFamily="34" charset="0"/>
+                <a:ea typeface="+mn-ea"/>
+                <a:cs typeface="Helvetica" panose="020B0604020202020204" pitchFamily="34" charset="0"/>
+              </a:defRPr>
+            </a:lvl3pPr>
+            <a:lvl4pPr marL="1600200" indent="-228600" algn="l" defTabSz="914400" rtl="0" eaLnBrk="1" latinLnBrk="0" hangingPunct="1">
+              <a:lnSpc>
+                <a:spcPct val="90000"/>
+              </a:lnSpc>
+              <a:spcBef>
+                <a:spcPts val="500"/>
+              </a:spcBef>
+              <a:buFont typeface="Arial" panose="020B0604020202020204" pitchFamily="34" charset="0"/>
+              <a:buChar char="•"/>
+              <a:defRPr sz="1800" kern="1200">
+                <a:solidFill>
+                  <a:schemeClr val="tx1"/>
+                </a:solidFill>
+                <a:latin typeface="Helvetica" panose="020B0604020202020204" pitchFamily="34" charset="0"/>
+                <a:ea typeface="+mn-ea"/>
+                <a:cs typeface="Helvetica" panose="020B0604020202020204" pitchFamily="34" charset="0"/>
+              </a:defRPr>
+            </a:lvl4pPr>
+            <a:lvl5pPr marL="2057400" indent="-228600" algn="l" defTabSz="914400" rtl="0" eaLnBrk="1" latinLnBrk="0" hangingPunct="1">
+              <a:lnSpc>
+                <a:spcPct val="90000"/>
+              </a:lnSpc>
+              <a:spcBef>
+                <a:spcPts val="500"/>
+              </a:spcBef>
+              <a:buFont typeface="Arial" panose="020B0604020202020204" pitchFamily="34" charset="0"/>
+              <a:buChar char="•"/>
+              <a:defRPr sz="1800" kern="1200">
+                <a:solidFill>
+                  <a:schemeClr val="tx1"/>
+                </a:solidFill>
+                <a:latin typeface="Helvetica" panose="020B0604020202020204" pitchFamily="34" charset="0"/>
+                <a:ea typeface="+mn-ea"/>
+                <a:cs typeface="Helvetica" panose="020B0604020202020204" pitchFamily="34" charset="0"/>
+              </a:defRPr>
+            </a:lvl5pPr>
+            <a:lvl6pPr marL="2514600" indent="-228600" algn="l" defTabSz="914400" rtl="0" eaLnBrk="1" latinLnBrk="0" hangingPunct="1">
+              <a:lnSpc>
+                <a:spcPct val="90000"/>
+              </a:lnSpc>
+              <a:spcBef>
+                <a:spcPts val="500"/>
+              </a:spcBef>
+              <a:buFont typeface="Arial" panose="020B0604020202020204" pitchFamily="34" charset="0"/>
+              <a:buChar char="•"/>
+              <a:defRPr sz="1800" kern="1200">
+                <a:solidFill>
+                  <a:schemeClr val="tx1"/>
+                </a:solidFill>
+                <a:latin typeface="+mn-lt"/>
+                <a:ea typeface="+mn-ea"/>
+                <a:cs typeface="+mn-cs"/>
+              </a:defRPr>
+            </a:lvl6pPr>
+            <a:lvl7pPr marL="2971800" indent="-228600" algn="l" defTabSz="914400" rtl="0" eaLnBrk="1" latinLnBrk="0" hangingPunct="1">
+              <a:lnSpc>
+                <a:spcPct val="90000"/>
+              </a:lnSpc>
+              <a:spcBef>
+                <a:spcPts val="500"/>
+              </a:spcBef>
+              <a:buFont typeface="Arial" panose="020B0604020202020204" pitchFamily="34" charset="0"/>
+              <a:buChar char="•"/>
+              <a:defRPr sz="1800" kern="1200">
+                <a:solidFill>
+                  <a:schemeClr val="tx1"/>
+                </a:solidFill>
+                <a:latin typeface="+mn-lt"/>
+                <a:ea typeface="+mn-ea"/>
+                <a:cs typeface="+mn-cs"/>
+              </a:defRPr>
+            </a:lvl7pPr>
+            <a:lvl8pPr marL="3429000" indent="-228600" algn="l" defTabSz="914400" rtl="0" eaLnBrk="1" latinLnBrk="0" hangingPunct="1">
+              <a:lnSpc>
+                <a:spcPct val="90000"/>
+              </a:lnSpc>
+              <a:spcBef>
+                <a:spcPts val="500"/>
+              </a:spcBef>
+              <a:buFont typeface="Arial" panose="020B0604020202020204" pitchFamily="34" charset="0"/>
+              <a:buChar char="•"/>
+              <a:defRPr sz="1800" kern="1200">
+                <a:solidFill>
+                  <a:schemeClr val="tx1"/>
+                </a:solidFill>
+                <a:latin typeface="+mn-lt"/>
+                <a:ea typeface="+mn-ea"/>
+                <a:cs typeface="+mn-cs"/>
+              </a:defRPr>
+            </a:lvl8pPr>
+            <a:lvl9pPr marL="3886200" indent="-228600" algn="l" defTabSz="914400" rtl="0" eaLnBrk="1" latinLnBrk="0" hangingPunct="1">
+              <a:lnSpc>
+                <a:spcPct val="90000"/>
+              </a:lnSpc>
+              <a:spcBef>
+                <a:spcPts val="500"/>
+              </a:spcBef>
+              <a:buFont typeface="Arial" panose="020B0604020202020204" pitchFamily="34" charset="0"/>
+              <a:buChar char="•"/>
+              <a:defRPr sz="1800" kern="1200">
+                <a:solidFill>
+                  <a:schemeClr val="tx1"/>
+                </a:solidFill>
+                <a:latin typeface="+mn-lt"/>
+                <a:ea typeface="+mn-ea"/>
+                <a:cs typeface="+mn-cs"/>
+              </a:defRPr>
+            </a:lvl9pPr>
+          </a:lstStyle>
+          <a:p>
+            <a:pPr marL="0" indent="0">
+              <a:buFont typeface="Arial" panose="020B0604020202020204" pitchFamily="34" charset="0"/>
+              <a:buNone/>
+            </a:pPr>
+            <a:r>
+              <a:rPr lang="en-US" sz="2400" b="1" i="1" dirty="0" smtClean="0">
+                <a:solidFill>
+                  <a:schemeClr val="tx2"/>
+                </a:solidFill>
+              </a:rPr>
+              <a:t>Hypothesis:</a:t>
+            </a:r>
+            <a:endParaRPr lang="en-US" sz="2400" b="1" i="1" dirty="0">
+              <a:solidFill>
+                <a:schemeClr val="tx2"/>
+              </a:solidFill>
+            </a:endParaRPr>
+          </a:p>
+        </p:txBody>
+      </p:sp>
     </p:spTree>
     <p:extLst>
       <p:ext uri="{BB962C8B-B14F-4D97-AF65-F5344CB8AC3E}">
@@ -25143,14 +28391,14 @@
             <p:ph idx="1"/>
             <p:extLst>
               <p:ext uri="{D42A27DB-BD31-4B8C-83A1-F6EECF244321}">
-                <p14:modId xmlns:p14="http://schemas.microsoft.com/office/powerpoint/2010/main" val="632311472"/>
+                <p14:modId xmlns:p14="http://schemas.microsoft.com/office/powerpoint/2010/main" val="506562574"/>
               </p:ext>
             </p:extLst>
           </p:nvPr>
         </p:nvGraphicFramePr>
         <p:xfrm>
-          <a:off x="1688123" y="955064"/>
-          <a:ext cx="8815754" cy="5117490"/>
+          <a:off x="694211" y="955064"/>
+          <a:ext cx="5295773" cy="5117490"/>
         </p:xfrm>
         <a:graphic>
           <a:graphicData uri="http://schemas.openxmlformats.org/drawingml/2006/diagram">
@@ -25180,6 +28428,131 @@
           </a:graphicData>
         </a:graphic>
       </p:graphicFrame>
+      <p:sp>
+        <p:nvSpPr>
+          <p:cNvPr id="3" name="TextBox 2"/>
+          <p:cNvSpPr txBox="1"/>
+          <p:nvPr/>
+        </p:nvSpPr>
+        <p:spPr>
+          <a:xfrm>
+            <a:off x="6597569" y="1435260"/>
+            <a:ext cx="5127585" cy="4154984"/>
+          </a:xfrm>
+          <a:prstGeom prst="rect">
+            <a:avLst/>
+          </a:prstGeom>
+          <a:noFill/>
+        </p:spPr>
+        <p:txBody>
+          <a:bodyPr wrap="square" rtlCol="0">
+            <a:spAutoFit/>
+          </a:bodyPr>
+          <a:lstStyle/>
+          <a:p>
+            <a:r>
+              <a:rPr lang="en-US" sz="2400" b="1" dirty="0">
+                <a:solidFill>
+                  <a:schemeClr val="tx2"/>
+                </a:solidFill>
+              </a:rPr>
+              <a:t>p</a:t>
+            </a:r>
+            <a:r>
+              <a:rPr lang="en-US" sz="2400" b="1" dirty="0" smtClean="0">
+                <a:solidFill>
+                  <a:schemeClr val="tx2"/>
+                </a:solidFill>
+              </a:rPr>
+              <a:t>roject priorities and goals:</a:t>
+            </a:r>
+            <a:br>
+              <a:rPr lang="en-US" sz="2400" b="1" dirty="0" smtClean="0">
+                <a:solidFill>
+                  <a:schemeClr val="tx2"/>
+                </a:solidFill>
+              </a:rPr>
+            </a:br>
+            <a:endParaRPr lang="en-US" sz="2400" b="1" dirty="0" smtClean="0">
+              <a:solidFill>
+                <a:schemeClr val="tx2"/>
+              </a:solidFill>
+            </a:endParaRPr>
+          </a:p>
+          <a:p>
+            <a:pPr marL="285750" indent="-285750">
+              <a:buFont typeface="Arial" panose="020B0604020202020204" pitchFamily="34" charset="0"/>
+              <a:buChar char="•"/>
+            </a:pPr>
+            <a:r>
+              <a:rPr lang="en-US" b="1" dirty="0" smtClean="0">
+                <a:solidFill>
+                  <a:schemeClr val="tx2"/>
+                </a:solidFill>
+              </a:rPr>
+              <a:t>Interpretability of the models</a:t>
+            </a:r>
+            <a:r>
+              <a:rPr lang="en-US" dirty="0" smtClean="0">
+                <a:solidFill>
+                  <a:schemeClr val="tx2"/>
+                </a:solidFill>
+              </a:rPr>
+              <a:t> – The research must yield actionable output.  For this reason, random forest and logistic regression are employed alongside k-means clustering to segment customers and show feature importance.</a:t>
+            </a:r>
+            <a:br>
+              <a:rPr lang="en-US" dirty="0" smtClean="0">
+                <a:solidFill>
+                  <a:schemeClr val="tx2"/>
+                </a:solidFill>
+              </a:rPr>
+            </a:br>
+            <a:endParaRPr lang="en-US" dirty="0" smtClean="0">
+              <a:solidFill>
+                <a:schemeClr val="tx2"/>
+              </a:solidFill>
+            </a:endParaRPr>
+          </a:p>
+          <a:p>
+            <a:pPr marL="285750" indent="-285750">
+              <a:buFont typeface="Arial" panose="020B0604020202020204" pitchFamily="34" charset="0"/>
+              <a:buChar char="•"/>
+            </a:pPr>
+            <a:r>
+              <a:rPr lang="en-US" b="1" dirty="0" smtClean="0">
+                <a:solidFill>
+                  <a:schemeClr val="tx2"/>
+                </a:solidFill>
+              </a:rPr>
+              <a:t>Continuous implementation </a:t>
+            </a:r>
+            <a:r>
+              <a:rPr lang="en-US" dirty="0" smtClean="0">
+                <a:solidFill>
+                  <a:schemeClr val="tx2"/>
+                </a:solidFill>
+              </a:rPr>
+              <a:t>– The long term goal is to understand features of customer behavior that drive sales and loyalty, and to track these features over time.</a:t>
+            </a:r>
+            <a:endParaRPr lang="en-US" b="1" dirty="0" smtClean="0">
+              <a:solidFill>
+                <a:schemeClr val="tx2"/>
+              </a:solidFill>
+            </a:endParaRPr>
+          </a:p>
+          <a:p>
+            <a:pPr marL="285750" indent="-285750">
+              <a:buFont typeface="Arial" panose="020B0604020202020204" pitchFamily="34" charset="0"/>
+              <a:buChar char="•"/>
+            </a:pPr>
+            <a:endParaRPr lang="en-US" b="1" dirty="0">
+              <a:solidFill>
+                <a:schemeClr val="tx2"/>
+              </a:solidFill>
+            </a:endParaRPr>
+          </a:p>
+        </p:txBody>
+      </p:sp>
     </p:spTree>
     <p:extLst>
       <p:ext uri="{BB962C8B-B14F-4D97-AF65-F5344CB8AC3E}">
@@ -25194,6 +28567,3321 @@
 </file>
 
 <file path=ppt/slides/slide5.xml><?xml version="1.0" encoding="utf-8"?>
+<p:sld xmlns:a="http://schemas.openxmlformats.org/drawingml/2006/main" xmlns:r="http://schemas.openxmlformats.org/officeDocument/2006/relationships" xmlns:p="http://schemas.openxmlformats.org/presentationml/2006/main">
+  <p:cSld>
+    <p:spTree>
+      <p:nvGrpSpPr>
+        <p:cNvPr id="1" name=""/>
+        <p:cNvGrpSpPr/>
+        <p:nvPr/>
+      </p:nvGrpSpPr>
+      <p:grpSpPr>
+        <a:xfrm>
+          <a:off x="0" y="0"/>
+          <a:ext cx="0" cy="0"/>
+          <a:chOff x="0" y="0"/>
+          <a:chExt cx="0" cy="0"/>
+        </a:xfrm>
+      </p:grpSpPr>
+      <p:sp>
+        <p:nvSpPr>
+          <p:cNvPr id="2" name="Title 1"/>
+          <p:cNvSpPr>
+            <a:spLocks noGrp="1"/>
+          </p:cNvSpPr>
+          <p:nvPr>
+            <p:ph type="title"/>
+          </p:nvPr>
+        </p:nvSpPr>
+        <p:spPr/>
+        <p:txBody>
+          <a:bodyPr/>
+          <a:lstStyle/>
+          <a:p>
+            <a:r>
+              <a:rPr lang="en-US" dirty="0"/>
+              <a:t>d</a:t>
+            </a:r>
+            <a:r>
+              <a:rPr lang="en-US" dirty="0" smtClean="0"/>
+              <a:t>ataset was extracted from the retail POS</a:t>
+            </a:r>
+            <a:endParaRPr lang="en-US" dirty="0"/>
+          </a:p>
+        </p:txBody>
+      </p:sp>
+      <p:graphicFrame>
+        <p:nvGraphicFramePr>
+          <p:cNvPr id="9" name="Table 8"/>
+          <p:cNvGraphicFramePr>
+            <a:graphicFrameLocks noGrp="1"/>
+          </p:cNvGraphicFramePr>
+          <p:nvPr>
+            <p:extLst>
+              <p:ext uri="{D42A27DB-BD31-4B8C-83A1-F6EECF244321}">
+                <p14:modId xmlns:p14="http://schemas.microsoft.com/office/powerpoint/2010/main" val="1398601889"/>
+              </p:ext>
+            </p:extLst>
+          </p:nvPr>
+        </p:nvGraphicFramePr>
+        <p:xfrm>
+          <a:off x="1973179" y="1219201"/>
+          <a:ext cx="8245642" cy="4697927"/>
+        </p:xfrm>
+        <a:graphic>
+          <a:graphicData uri="http://schemas.openxmlformats.org/drawingml/2006/table">
+            <a:tbl>
+              <a:tblPr/>
+              <a:tblGrid>
+                <a:gridCol w="1988826"/>
+                <a:gridCol w="929086"/>
+                <a:gridCol w="5327730"/>
+              </a:tblGrid>
+              <a:tr h="315623">
+                <a:tc gridSpan="3">
+                  <a:txBody>
+                    <a:bodyPr/>
+                    <a:lstStyle/>
+                    <a:p>
+                      <a:pPr algn="ctr" fontAlgn="b"/>
+                      <a:r>
+                        <a:rPr lang="en-US" sz="1500" b="1" i="0" u="none" strike="noStrike">
+                          <a:solidFill>
+                            <a:srgbClr val="FFFFFF"/>
+                          </a:solidFill>
+                          <a:effectLst/>
+                          <a:latin typeface="Calibri" panose="020F0502020204030204" pitchFamily="34" charset="0"/>
+                        </a:rPr>
+                        <a:t>data dictionary</a:t>
+                      </a:r>
+                    </a:p>
+                  </a:txBody>
+                  <a:tcPr marL="9525" marR="9525" marT="9525" marB="0" anchor="b">
+                    <a:lnL w="12700" cap="flat" cmpd="sng" algn="ctr">
+                      <a:solidFill>
+                        <a:srgbClr val="44546A"/>
+                      </a:solidFill>
+                      <a:prstDash val="solid"/>
+                      <a:round/>
+                      <a:headEnd type="none" w="med" len="med"/>
+                      <a:tailEnd type="none" w="med" len="med"/>
+                    </a:lnL>
+                    <a:lnR w="12700" cap="flat" cmpd="sng" algn="ctr">
+                      <a:solidFill>
+                        <a:srgbClr val="44546A"/>
+                      </a:solidFill>
+                      <a:prstDash val="solid"/>
+                      <a:round/>
+                      <a:headEnd type="none" w="med" len="med"/>
+                      <a:tailEnd type="none" w="med" len="med"/>
+                    </a:lnR>
+                    <a:lnT w="12700" cap="flat" cmpd="sng" algn="ctr">
+                      <a:solidFill>
+                        <a:srgbClr val="44546A"/>
+                      </a:solidFill>
+                      <a:prstDash val="solid"/>
+                      <a:round/>
+                      <a:headEnd type="none" w="med" len="med"/>
+                      <a:tailEnd type="none" w="med" len="med"/>
+                    </a:lnT>
+                    <a:lnB w="6350" cap="flat" cmpd="sng" algn="ctr">
+                      <a:solidFill>
+                        <a:srgbClr val="808080"/>
+                      </a:solidFill>
+                      <a:prstDash val="solid"/>
+                      <a:round/>
+                      <a:headEnd type="none" w="med" len="med"/>
+                      <a:tailEnd type="none" w="med" len="med"/>
+                    </a:lnB>
+                    <a:solidFill>
+                      <a:srgbClr val="44546A"/>
+                    </a:solidFill>
+                  </a:tcPr>
+                </a:tc>
+                <a:tc hMerge="1">
+                  <a:txBody>
+                    <a:bodyPr/>
+                    <a:lstStyle/>
+                    <a:p>
+                      <a:endParaRPr lang="en-US"/>
+                    </a:p>
+                  </a:txBody>
+                  <a:tcPr/>
+                </a:tc>
+                <a:tc hMerge="1">
+                  <a:txBody>
+                    <a:bodyPr/>
+                    <a:lstStyle/>
+                    <a:p>
+                      <a:endParaRPr lang="en-US"/>
+                    </a:p>
+                  </a:txBody>
+                  <a:tcPr/>
+                </a:tc>
+              </a:tr>
+              <a:tr h="242787">
+                <a:tc>
+                  <a:txBody>
+                    <a:bodyPr/>
+                    <a:lstStyle/>
+                    <a:p>
+                      <a:pPr algn="l" fontAlgn="b"/>
+                      <a:r>
+                        <a:rPr lang="en-US" sz="1100" b="1" i="0" u="none" strike="noStrike">
+                          <a:solidFill>
+                            <a:srgbClr val="000000"/>
+                          </a:solidFill>
+                          <a:effectLst/>
+                          <a:latin typeface="Calibri" panose="020F0502020204030204" pitchFamily="34" charset="0"/>
+                        </a:rPr>
+                        <a:t>Feature</a:t>
+                      </a:r>
+                    </a:p>
+                  </a:txBody>
+                  <a:tcPr marL="9525" marR="9525" marT="9525" marB="0" anchor="b">
+                    <a:lnL w="12700" cap="flat" cmpd="sng" algn="ctr">
+                      <a:solidFill>
+                        <a:srgbClr val="44546A"/>
+                      </a:solidFill>
+                      <a:prstDash val="solid"/>
+                      <a:round/>
+                      <a:headEnd type="none" w="med" len="med"/>
+                      <a:tailEnd type="none" w="med" len="med"/>
+                    </a:lnL>
+                    <a:lnR w="6350" cap="flat" cmpd="sng" algn="ctr">
+                      <a:solidFill>
+                        <a:srgbClr val="808080"/>
+                      </a:solidFill>
+                      <a:prstDash val="solid"/>
+                      <a:round/>
+                      <a:headEnd type="none" w="med" len="med"/>
+                      <a:tailEnd type="none" w="med" len="med"/>
+                    </a:lnR>
+                    <a:lnT w="6350" cap="flat" cmpd="sng" algn="ctr">
+                      <a:solidFill>
+                        <a:srgbClr val="808080"/>
+                      </a:solidFill>
+                      <a:prstDash val="solid"/>
+                      <a:round/>
+                      <a:headEnd type="none" w="med" len="med"/>
+                      <a:tailEnd type="none" w="med" len="med"/>
+                    </a:lnT>
+                    <a:lnB w="6350" cap="flat" cmpd="sng" algn="ctr">
+                      <a:solidFill>
+                        <a:srgbClr val="808080"/>
+                      </a:solidFill>
+                      <a:prstDash val="solid"/>
+                      <a:round/>
+                      <a:headEnd type="none" w="med" len="med"/>
+                      <a:tailEnd type="none" w="med" len="med"/>
+                    </a:lnB>
+                    <a:solidFill>
+                      <a:srgbClr val="ACB9CA"/>
+                    </a:solidFill>
+                  </a:tcPr>
+                </a:tc>
+                <a:tc>
+                  <a:txBody>
+                    <a:bodyPr/>
+                    <a:lstStyle/>
+                    <a:p>
+                      <a:pPr algn="l" fontAlgn="b"/>
+                      <a:r>
+                        <a:rPr lang="en-US" sz="1100" b="1" i="0" u="none" strike="noStrike">
+                          <a:solidFill>
+                            <a:srgbClr val="000000"/>
+                          </a:solidFill>
+                          <a:effectLst/>
+                          <a:latin typeface="Calibri" panose="020F0502020204030204" pitchFamily="34" charset="0"/>
+                        </a:rPr>
+                        <a:t>Type</a:t>
+                      </a:r>
+                    </a:p>
+                  </a:txBody>
+                  <a:tcPr marL="9525" marR="9525" marT="9525" marB="0" anchor="b">
+                    <a:lnL w="6350" cap="flat" cmpd="sng" algn="ctr">
+                      <a:solidFill>
+                        <a:srgbClr val="808080"/>
+                      </a:solidFill>
+                      <a:prstDash val="solid"/>
+                      <a:round/>
+                      <a:headEnd type="none" w="med" len="med"/>
+                      <a:tailEnd type="none" w="med" len="med"/>
+                    </a:lnL>
+                    <a:lnR w="6350" cap="flat" cmpd="sng" algn="ctr">
+                      <a:solidFill>
+                        <a:srgbClr val="808080"/>
+                      </a:solidFill>
+                      <a:prstDash val="solid"/>
+                      <a:round/>
+                      <a:headEnd type="none" w="med" len="med"/>
+                      <a:tailEnd type="none" w="med" len="med"/>
+                    </a:lnR>
+                    <a:lnT w="6350" cap="flat" cmpd="sng" algn="ctr">
+                      <a:solidFill>
+                        <a:srgbClr val="808080"/>
+                      </a:solidFill>
+                      <a:prstDash val="solid"/>
+                      <a:round/>
+                      <a:headEnd type="none" w="med" len="med"/>
+                      <a:tailEnd type="none" w="med" len="med"/>
+                    </a:lnT>
+                    <a:lnB w="6350" cap="flat" cmpd="sng" algn="ctr">
+                      <a:solidFill>
+                        <a:srgbClr val="808080"/>
+                      </a:solidFill>
+                      <a:prstDash val="solid"/>
+                      <a:round/>
+                      <a:headEnd type="none" w="med" len="med"/>
+                      <a:tailEnd type="none" w="med" len="med"/>
+                    </a:lnB>
+                    <a:solidFill>
+                      <a:srgbClr val="ACB9CA"/>
+                    </a:solidFill>
+                  </a:tcPr>
+                </a:tc>
+                <a:tc>
+                  <a:txBody>
+                    <a:bodyPr/>
+                    <a:lstStyle/>
+                    <a:p>
+                      <a:pPr algn="l" fontAlgn="b"/>
+                      <a:r>
+                        <a:rPr lang="en-US" sz="1100" b="1" i="0" u="none" strike="noStrike">
+                          <a:solidFill>
+                            <a:srgbClr val="000000"/>
+                          </a:solidFill>
+                          <a:effectLst/>
+                          <a:latin typeface="Calibri" panose="020F0502020204030204" pitchFamily="34" charset="0"/>
+                        </a:rPr>
+                        <a:t>Description</a:t>
+                      </a:r>
+                    </a:p>
+                  </a:txBody>
+                  <a:tcPr marL="9525" marR="9525" marT="9525" marB="0" anchor="b">
+                    <a:lnL w="6350" cap="flat" cmpd="sng" algn="ctr">
+                      <a:solidFill>
+                        <a:srgbClr val="808080"/>
+                      </a:solidFill>
+                      <a:prstDash val="solid"/>
+                      <a:round/>
+                      <a:headEnd type="none" w="med" len="med"/>
+                      <a:tailEnd type="none" w="med" len="med"/>
+                    </a:lnL>
+                    <a:lnR w="12700" cap="flat" cmpd="sng" algn="ctr">
+                      <a:solidFill>
+                        <a:srgbClr val="44546A"/>
+                      </a:solidFill>
+                      <a:prstDash val="solid"/>
+                      <a:round/>
+                      <a:headEnd type="none" w="med" len="med"/>
+                      <a:tailEnd type="none" w="med" len="med"/>
+                    </a:lnR>
+                    <a:lnT w="6350" cap="flat" cmpd="sng" algn="ctr">
+                      <a:solidFill>
+                        <a:srgbClr val="808080"/>
+                      </a:solidFill>
+                      <a:prstDash val="solid"/>
+                      <a:round/>
+                      <a:headEnd type="none" w="med" len="med"/>
+                      <a:tailEnd type="none" w="med" len="med"/>
+                    </a:lnT>
+                    <a:lnB w="6350" cap="flat" cmpd="sng" algn="ctr">
+                      <a:solidFill>
+                        <a:srgbClr val="808080"/>
+                      </a:solidFill>
+                      <a:prstDash val="solid"/>
+                      <a:round/>
+                      <a:headEnd type="none" w="med" len="med"/>
+                      <a:tailEnd type="none" w="med" len="med"/>
+                    </a:lnB>
+                    <a:solidFill>
+                      <a:srgbClr val="ACB9CA"/>
+                    </a:solidFill>
+                  </a:tcPr>
+                </a:tc>
+              </a:tr>
+              <a:tr h="242787">
+                <a:tc>
+                  <a:txBody>
+                    <a:bodyPr/>
+                    <a:lstStyle/>
+                    <a:p>
+                      <a:pPr algn="l" fontAlgn="b"/>
+                      <a:r>
+                        <a:rPr lang="en-US" sz="1100" b="0" i="0" u="none" strike="noStrike">
+                          <a:solidFill>
+                            <a:srgbClr val="000000"/>
+                          </a:solidFill>
+                          <a:effectLst/>
+                          <a:latin typeface="Calibri" panose="020F0502020204030204" pitchFamily="34" charset="0"/>
+                        </a:rPr>
+                        <a:t>TicketTime</a:t>
+                      </a:r>
+                    </a:p>
+                  </a:txBody>
+                  <a:tcPr marL="9525" marR="9525" marT="9525" marB="0" anchor="b">
+                    <a:lnL w="12700" cap="flat" cmpd="sng" algn="ctr">
+                      <a:solidFill>
+                        <a:srgbClr val="44546A"/>
+                      </a:solidFill>
+                      <a:prstDash val="solid"/>
+                      <a:round/>
+                      <a:headEnd type="none" w="med" len="med"/>
+                      <a:tailEnd type="none" w="med" len="med"/>
+                    </a:lnL>
+                    <a:lnR w="6350" cap="flat" cmpd="sng" algn="ctr">
+                      <a:solidFill>
+                        <a:srgbClr val="808080"/>
+                      </a:solidFill>
+                      <a:prstDash val="solid"/>
+                      <a:round/>
+                      <a:headEnd type="none" w="med" len="med"/>
+                      <a:tailEnd type="none" w="med" len="med"/>
+                    </a:lnR>
+                    <a:lnT w="6350" cap="flat" cmpd="sng" algn="ctr">
+                      <a:solidFill>
+                        <a:srgbClr val="808080"/>
+                      </a:solidFill>
+                      <a:prstDash val="solid"/>
+                      <a:round/>
+                      <a:headEnd type="none" w="med" len="med"/>
+                      <a:tailEnd type="none" w="med" len="med"/>
+                    </a:lnT>
+                    <a:lnB w="6350" cap="flat" cmpd="sng" algn="ctr">
+                      <a:solidFill>
+                        <a:srgbClr val="808080"/>
+                      </a:solidFill>
+                      <a:prstDash val="solid"/>
+                      <a:round/>
+                      <a:headEnd type="none" w="med" len="med"/>
+                      <a:tailEnd type="none" w="med" len="med"/>
+                    </a:lnB>
+                  </a:tcPr>
+                </a:tc>
+                <a:tc>
+                  <a:txBody>
+                    <a:bodyPr/>
+                    <a:lstStyle/>
+                    <a:p>
+                      <a:pPr algn="l" fontAlgn="b"/>
+                      <a:r>
+                        <a:rPr lang="en-US" sz="1100" b="0" i="0" u="none" strike="noStrike">
+                          <a:solidFill>
+                            <a:srgbClr val="000000"/>
+                          </a:solidFill>
+                          <a:effectLst/>
+                          <a:latin typeface="Calibri" panose="020F0502020204030204" pitchFamily="34" charset="0"/>
+                        </a:rPr>
+                        <a:t>float</a:t>
+                      </a:r>
+                    </a:p>
+                  </a:txBody>
+                  <a:tcPr marL="9525" marR="9525" marT="9525" marB="0" anchor="b">
+                    <a:lnL w="6350" cap="flat" cmpd="sng" algn="ctr">
+                      <a:solidFill>
+                        <a:srgbClr val="808080"/>
+                      </a:solidFill>
+                      <a:prstDash val="solid"/>
+                      <a:round/>
+                      <a:headEnd type="none" w="med" len="med"/>
+                      <a:tailEnd type="none" w="med" len="med"/>
+                    </a:lnL>
+                    <a:lnR w="6350" cap="flat" cmpd="sng" algn="ctr">
+                      <a:solidFill>
+                        <a:srgbClr val="808080"/>
+                      </a:solidFill>
+                      <a:prstDash val="solid"/>
+                      <a:round/>
+                      <a:headEnd type="none" w="med" len="med"/>
+                      <a:tailEnd type="none" w="med" len="med"/>
+                    </a:lnR>
+                    <a:lnT w="6350" cap="flat" cmpd="sng" algn="ctr">
+                      <a:solidFill>
+                        <a:srgbClr val="808080"/>
+                      </a:solidFill>
+                      <a:prstDash val="solid"/>
+                      <a:round/>
+                      <a:headEnd type="none" w="med" len="med"/>
+                      <a:tailEnd type="none" w="med" len="med"/>
+                    </a:lnT>
+                    <a:lnB w="6350" cap="flat" cmpd="sng" algn="ctr">
+                      <a:solidFill>
+                        <a:srgbClr val="808080"/>
+                      </a:solidFill>
+                      <a:prstDash val="solid"/>
+                      <a:round/>
+                      <a:headEnd type="none" w="med" len="med"/>
+                      <a:tailEnd type="none" w="med" len="med"/>
+                    </a:lnB>
+                  </a:tcPr>
+                </a:tc>
+                <a:tc>
+                  <a:txBody>
+                    <a:bodyPr/>
+                    <a:lstStyle/>
+                    <a:p>
+                      <a:pPr algn="l" fontAlgn="b"/>
+                      <a:r>
+                        <a:rPr lang="en-US" sz="1100" b="0" i="0" u="none" strike="noStrike">
+                          <a:solidFill>
+                            <a:srgbClr val="000000"/>
+                          </a:solidFill>
+                          <a:effectLst/>
+                          <a:latin typeface="Calibri" panose="020F0502020204030204" pitchFamily="34" charset="0"/>
+                        </a:rPr>
+                        <a:t>Decimal representation of hour of checkout</a:t>
+                      </a:r>
+                    </a:p>
+                  </a:txBody>
+                  <a:tcPr marL="9525" marR="9525" marT="9525" marB="0" anchor="b">
+                    <a:lnL w="6350" cap="flat" cmpd="sng" algn="ctr">
+                      <a:solidFill>
+                        <a:srgbClr val="808080"/>
+                      </a:solidFill>
+                      <a:prstDash val="solid"/>
+                      <a:round/>
+                      <a:headEnd type="none" w="med" len="med"/>
+                      <a:tailEnd type="none" w="med" len="med"/>
+                    </a:lnL>
+                    <a:lnR w="12700" cap="flat" cmpd="sng" algn="ctr">
+                      <a:solidFill>
+                        <a:srgbClr val="44546A"/>
+                      </a:solidFill>
+                      <a:prstDash val="solid"/>
+                      <a:round/>
+                      <a:headEnd type="none" w="med" len="med"/>
+                      <a:tailEnd type="none" w="med" len="med"/>
+                    </a:lnR>
+                    <a:lnT w="6350" cap="flat" cmpd="sng" algn="ctr">
+                      <a:solidFill>
+                        <a:srgbClr val="808080"/>
+                      </a:solidFill>
+                      <a:prstDash val="solid"/>
+                      <a:round/>
+                      <a:headEnd type="none" w="med" len="med"/>
+                      <a:tailEnd type="none" w="med" len="med"/>
+                    </a:lnT>
+                    <a:lnB w="6350" cap="flat" cmpd="sng" algn="ctr">
+                      <a:solidFill>
+                        <a:srgbClr val="808080"/>
+                      </a:solidFill>
+                      <a:prstDash val="solid"/>
+                      <a:round/>
+                      <a:headEnd type="none" w="med" len="med"/>
+                      <a:tailEnd type="none" w="med" len="med"/>
+                    </a:lnB>
+                  </a:tcPr>
+                </a:tc>
+              </a:tr>
+              <a:tr h="242787">
+                <a:tc>
+                  <a:txBody>
+                    <a:bodyPr/>
+                    <a:lstStyle/>
+                    <a:p>
+                      <a:pPr algn="l" fontAlgn="b"/>
+                      <a:r>
+                        <a:rPr lang="en-US" sz="1100" b="0" i="0" u="none" strike="noStrike">
+                          <a:solidFill>
+                            <a:srgbClr val="000000"/>
+                          </a:solidFill>
+                          <a:effectLst/>
+                          <a:latin typeface="Calibri" panose="020F0502020204030204" pitchFamily="34" charset="0"/>
+                        </a:rPr>
+                        <a:t>PriorVisits</a:t>
+                      </a:r>
+                    </a:p>
+                  </a:txBody>
+                  <a:tcPr marL="9525" marR="9525" marT="9525" marB="0" anchor="b">
+                    <a:lnL w="12700" cap="flat" cmpd="sng" algn="ctr">
+                      <a:solidFill>
+                        <a:srgbClr val="44546A"/>
+                      </a:solidFill>
+                      <a:prstDash val="solid"/>
+                      <a:round/>
+                      <a:headEnd type="none" w="med" len="med"/>
+                      <a:tailEnd type="none" w="med" len="med"/>
+                    </a:lnL>
+                    <a:lnR w="6350" cap="flat" cmpd="sng" algn="ctr">
+                      <a:solidFill>
+                        <a:srgbClr val="808080"/>
+                      </a:solidFill>
+                      <a:prstDash val="solid"/>
+                      <a:round/>
+                      <a:headEnd type="none" w="med" len="med"/>
+                      <a:tailEnd type="none" w="med" len="med"/>
+                    </a:lnR>
+                    <a:lnT w="6350" cap="flat" cmpd="sng" algn="ctr">
+                      <a:solidFill>
+                        <a:srgbClr val="808080"/>
+                      </a:solidFill>
+                      <a:prstDash val="solid"/>
+                      <a:round/>
+                      <a:headEnd type="none" w="med" len="med"/>
+                      <a:tailEnd type="none" w="med" len="med"/>
+                    </a:lnT>
+                    <a:lnB w="6350" cap="flat" cmpd="sng" algn="ctr">
+                      <a:solidFill>
+                        <a:srgbClr val="808080"/>
+                      </a:solidFill>
+                      <a:prstDash val="solid"/>
+                      <a:round/>
+                      <a:headEnd type="none" w="med" len="med"/>
+                      <a:tailEnd type="none" w="med" len="med"/>
+                    </a:lnB>
+                  </a:tcPr>
+                </a:tc>
+                <a:tc>
+                  <a:txBody>
+                    <a:bodyPr/>
+                    <a:lstStyle/>
+                    <a:p>
+                      <a:pPr algn="l" fontAlgn="b"/>
+                      <a:r>
+                        <a:rPr lang="en-US" sz="1100" b="0" i="0" u="none" strike="noStrike">
+                          <a:solidFill>
+                            <a:srgbClr val="000000"/>
+                          </a:solidFill>
+                          <a:effectLst/>
+                          <a:latin typeface="Calibri" panose="020F0502020204030204" pitchFamily="34" charset="0"/>
+                        </a:rPr>
+                        <a:t>int</a:t>
+                      </a:r>
+                    </a:p>
+                  </a:txBody>
+                  <a:tcPr marL="9525" marR="9525" marT="9525" marB="0" anchor="b">
+                    <a:lnL w="6350" cap="flat" cmpd="sng" algn="ctr">
+                      <a:solidFill>
+                        <a:srgbClr val="808080"/>
+                      </a:solidFill>
+                      <a:prstDash val="solid"/>
+                      <a:round/>
+                      <a:headEnd type="none" w="med" len="med"/>
+                      <a:tailEnd type="none" w="med" len="med"/>
+                    </a:lnL>
+                    <a:lnR w="6350" cap="flat" cmpd="sng" algn="ctr">
+                      <a:solidFill>
+                        <a:srgbClr val="808080"/>
+                      </a:solidFill>
+                      <a:prstDash val="solid"/>
+                      <a:round/>
+                      <a:headEnd type="none" w="med" len="med"/>
+                      <a:tailEnd type="none" w="med" len="med"/>
+                    </a:lnR>
+                    <a:lnT w="6350" cap="flat" cmpd="sng" algn="ctr">
+                      <a:solidFill>
+                        <a:srgbClr val="808080"/>
+                      </a:solidFill>
+                      <a:prstDash val="solid"/>
+                      <a:round/>
+                      <a:headEnd type="none" w="med" len="med"/>
+                      <a:tailEnd type="none" w="med" len="med"/>
+                    </a:lnT>
+                    <a:lnB w="6350" cap="flat" cmpd="sng" algn="ctr">
+                      <a:solidFill>
+                        <a:srgbClr val="808080"/>
+                      </a:solidFill>
+                      <a:prstDash val="solid"/>
+                      <a:round/>
+                      <a:headEnd type="none" w="med" len="med"/>
+                      <a:tailEnd type="none" w="med" len="med"/>
+                    </a:lnB>
+                  </a:tcPr>
+                </a:tc>
+                <a:tc>
+                  <a:txBody>
+                    <a:bodyPr/>
+                    <a:lstStyle/>
+                    <a:p>
+                      <a:pPr algn="l" fontAlgn="b"/>
+                      <a:r>
+                        <a:rPr lang="en-US" sz="1100" b="0" i="0" u="none" strike="noStrike">
+                          <a:solidFill>
+                            <a:srgbClr val="000000"/>
+                          </a:solidFill>
+                          <a:effectLst/>
+                          <a:latin typeface="Calibri" panose="020F0502020204030204" pitchFamily="34" charset="0"/>
+                        </a:rPr>
+                        <a:t>Number of visits prior to current ticket</a:t>
+                      </a:r>
+                    </a:p>
+                  </a:txBody>
+                  <a:tcPr marL="9525" marR="9525" marT="9525" marB="0" anchor="b">
+                    <a:lnL w="6350" cap="flat" cmpd="sng" algn="ctr">
+                      <a:solidFill>
+                        <a:srgbClr val="808080"/>
+                      </a:solidFill>
+                      <a:prstDash val="solid"/>
+                      <a:round/>
+                      <a:headEnd type="none" w="med" len="med"/>
+                      <a:tailEnd type="none" w="med" len="med"/>
+                    </a:lnL>
+                    <a:lnR w="12700" cap="flat" cmpd="sng" algn="ctr">
+                      <a:solidFill>
+                        <a:srgbClr val="44546A"/>
+                      </a:solidFill>
+                      <a:prstDash val="solid"/>
+                      <a:round/>
+                      <a:headEnd type="none" w="med" len="med"/>
+                      <a:tailEnd type="none" w="med" len="med"/>
+                    </a:lnR>
+                    <a:lnT w="6350" cap="flat" cmpd="sng" algn="ctr">
+                      <a:solidFill>
+                        <a:srgbClr val="808080"/>
+                      </a:solidFill>
+                      <a:prstDash val="solid"/>
+                      <a:round/>
+                      <a:headEnd type="none" w="med" len="med"/>
+                      <a:tailEnd type="none" w="med" len="med"/>
+                    </a:lnT>
+                    <a:lnB w="6350" cap="flat" cmpd="sng" algn="ctr">
+                      <a:solidFill>
+                        <a:srgbClr val="808080"/>
+                      </a:solidFill>
+                      <a:prstDash val="solid"/>
+                      <a:round/>
+                      <a:headEnd type="none" w="med" len="med"/>
+                      <a:tailEnd type="none" w="med" len="med"/>
+                    </a:lnB>
+                  </a:tcPr>
+                </a:tc>
+              </a:tr>
+              <a:tr h="242787">
+                <a:tc>
+                  <a:txBody>
+                    <a:bodyPr/>
+                    <a:lstStyle/>
+                    <a:p>
+                      <a:pPr algn="l" fontAlgn="b"/>
+                      <a:r>
+                        <a:rPr lang="en-US" sz="1100" b="0" i="0" u="none" strike="noStrike">
+                          <a:solidFill>
+                            <a:srgbClr val="000000"/>
+                          </a:solidFill>
+                          <a:effectLst/>
+                          <a:latin typeface="Calibri" panose="020F0502020204030204" pitchFamily="34" charset="0"/>
+                        </a:rPr>
+                        <a:t>SaleLines</a:t>
+                      </a:r>
+                    </a:p>
+                  </a:txBody>
+                  <a:tcPr marL="9525" marR="9525" marT="9525" marB="0" anchor="b">
+                    <a:lnL w="12700" cap="flat" cmpd="sng" algn="ctr">
+                      <a:solidFill>
+                        <a:srgbClr val="44546A"/>
+                      </a:solidFill>
+                      <a:prstDash val="solid"/>
+                      <a:round/>
+                      <a:headEnd type="none" w="med" len="med"/>
+                      <a:tailEnd type="none" w="med" len="med"/>
+                    </a:lnL>
+                    <a:lnR w="6350" cap="flat" cmpd="sng" algn="ctr">
+                      <a:solidFill>
+                        <a:srgbClr val="808080"/>
+                      </a:solidFill>
+                      <a:prstDash val="solid"/>
+                      <a:round/>
+                      <a:headEnd type="none" w="med" len="med"/>
+                      <a:tailEnd type="none" w="med" len="med"/>
+                    </a:lnR>
+                    <a:lnT w="6350" cap="flat" cmpd="sng" algn="ctr">
+                      <a:solidFill>
+                        <a:srgbClr val="808080"/>
+                      </a:solidFill>
+                      <a:prstDash val="solid"/>
+                      <a:round/>
+                      <a:headEnd type="none" w="med" len="med"/>
+                      <a:tailEnd type="none" w="med" len="med"/>
+                    </a:lnT>
+                    <a:lnB w="6350" cap="flat" cmpd="sng" algn="ctr">
+                      <a:solidFill>
+                        <a:srgbClr val="808080"/>
+                      </a:solidFill>
+                      <a:prstDash val="solid"/>
+                      <a:round/>
+                      <a:headEnd type="none" w="med" len="med"/>
+                      <a:tailEnd type="none" w="med" len="med"/>
+                    </a:lnB>
+                  </a:tcPr>
+                </a:tc>
+                <a:tc>
+                  <a:txBody>
+                    <a:bodyPr/>
+                    <a:lstStyle/>
+                    <a:p>
+                      <a:pPr algn="l" fontAlgn="b"/>
+                      <a:r>
+                        <a:rPr lang="en-US" sz="1100" b="0" i="0" u="none" strike="noStrike">
+                          <a:solidFill>
+                            <a:srgbClr val="000000"/>
+                          </a:solidFill>
+                          <a:effectLst/>
+                          <a:latin typeface="Calibri" panose="020F0502020204030204" pitchFamily="34" charset="0"/>
+                        </a:rPr>
+                        <a:t>int</a:t>
+                      </a:r>
+                    </a:p>
+                  </a:txBody>
+                  <a:tcPr marL="9525" marR="9525" marT="9525" marB="0" anchor="b">
+                    <a:lnL w="6350" cap="flat" cmpd="sng" algn="ctr">
+                      <a:solidFill>
+                        <a:srgbClr val="808080"/>
+                      </a:solidFill>
+                      <a:prstDash val="solid"/>
+                      <a:round/>
+                      <a:headEnd type="none" w="med" len="med"/>
+                      <a:tailEnd type="none" w="med" len="med"/>
+                    </a:lnL>
+                    <a:lnR w="6350" cap="flat" cmpd="sng" algn="ctr">
+                      <a:solidFill>
+                        <a:srgbClr val="808080"/>
+                      </a:solidFill>
+                      <a:prstDash val="solid"/>
+                      <a:round/>
+                      <a:headEnd type="none" w="med" len="med"/>
+                      <a:tailEnd type="none" w="med" len="med"/>
+                    </a:lnR>
+                    <a:lnT w="6350" cap="flat" cmpd="sng" algn="ctr">
+                      <a:solidFill>
+                        <a:srgbClr val="808080"/>
+                      </a:solidFill>
+                      <a:prstDash val="solid"/>
+                      <a:round/>
+                      <a:headEnd type="none" w="med" len="med"/>
+                      <a:tailEnd type="none" w="med" len="med"/>
+                    </a:lnT>
+                    <a:lnB w="6350" cap="flat" cmpd="sng" algn="ctr">
+                      <a:solidFill>
+                        <a:srgbClr val="808080"/>
+                      </a:solidFill>
+                      <a:prstDash val="solid"/>
+                      <a:round/>
+                      <a:headEnd type="none" w="med" len="med"/>
+                      <a:tailEnd type="none" w="med" len="med"/>
+                    </a:lnB>
+                  </a:tcPr>
+                </a:tc>
+                <a:tc>
+                  <a:txBody>
+                    <a:bodyPr/>
+                    <a:lstStyle/>
+                    <a:p>
+                      <a:pPr algn="l" fontAlgn="b"/>
+                      <a:r>
+                        <a:rPr lang="en-US" sz="1100" b="0" i="0" u="none" strike="noStrike">
+                          <a:solidFill>
+                            <a:srgbClr val="000000"/>
+                          </a:solidFill>
+                          <a:effectLst/>
+                          <a:latin typeface="Calibri" panose="020F0502020204030204" pitchFamily="34" charset="0"/>
+                        </a:rPr>
+                        <a:t>Count of lines of sale items in ticket</a:t>
+                      </a:r>
+                    </a:p>
+                  </a:txBody>
+                  <a:tcPr marL="9525" marR="9525" marT="9525" marB="0" anchor="b">
+                    <a:lnL w="6350" cap="flat" cmpd="sng" algn="ctr">
+                      <a:solidFill>
+                        <a:srgbClr val="808080"/>
+                      </a:solidFill>
+                      <a:prstDash val="solid"/>
+                      <a:round/>
+                      <a:headEnd type="none" w="med" len="med"/>
+                      <a:tailEnd type="none" w="med" len="med"/>
+                    </a:lnL>
+                    <a:lnR w="12700" cap="flat" cmpd="sng" algn="ctr">
+                      <a:solidFill>
+                        <a:srgbClr val="44546A"/>
+                      </a:solidFill>
+                      <a:prstDash val="solid"/>
+                      <a:round/>
+                      <a:headEnd type="none" w="med" len="med"/>
+                      <a:tailEnd type="none" w="med" len="med"/>
+                    </a:lnR>
+                    <a:lnT w="6350" cap="flat" cmpd="sng" algn="ctr">
+                      <a:solidFill>
+                        <a:srgbClr val="808080"/>
+                      </a:solidFill>
+                      <a:prstDash val="solid"/>
+                      <a:round/>
+                      <a:headEnd type="none" w="med" len="med"/>
+                      <a:tailEnd type="none" w="med" len="med"/>
+                    </a:lnT>
+                    <a:lnB w="6350" cap="flat" cmpd="sng" algn="ctr">
+                      <a:solidFill>
+                        <a:srgbClr val="808080"/>
+                      </a:solidFill>
+                      <a:prstDash val="solid"/>
+                      <a:round/>
+                      <a:headEnd type="none" w="med" len="med"/>
+                      <a:tailEnd type="none" w="med" len="med"/>
+                    </a:lnB>
+                  </a:tcPr>
+                </a:tc>
+              </a:tr>
+              <a:tr h="242787">
+                <a:tc>
+                  <a:txBody>
+                    <a:bodyPr/>
+                    <a:lstStyle/>
+                    <a:p>
+                      <a:pPr algn="l" fontAlgn="b"/>
+                      <a:r>
+                        <a:rPr lang="en-US" sz="1100" b="0" i="0" u="none" strike="noStrike">
+                          <a:solidFill>
+                            <a:srgbClr val="000000"/>
+                          </a:solidFill>
+                          <a:effectLst/>
+                          <a:latin typeface="Calibri" panose="020F0502020204030204" pitchFamily="34" charset="0"/>
+                        </a:rPr>
+                        <a:t>ReturnLines</a:t>
+                      </a:r>
+                    </a:p>
+                  </a:txBody>
+                  <a:tcPr marL="9525" marR="9525" marT="9525" marB="0" anchor="b">
+                    <a:lnL w="12700" cap="flat" cmpd="sng" algn="ctr">
+                      <a:solidFill>
+                        <a:srgbClr val="44546A"/>
+                      </a:solidFill>
+                      <a:prstDash val="solid"/>
+                      <a:round/>
+                      <a:headEnd type="none" w="med" len="med"/>
+                      <a:tailEnd type="none" w="med" len="med"/>
+                    </a:lnL>
+                    <a:lnR w="6350" cap="flat" cmpd="sng" algn="ctr">
+                      <a:solidFill>
+                        <a:srgbClr val="808080"/>
+                      </a:solidFill>
+                      <a:prstDash val="solid"/>
+                      <a:round/>
+                      <a:headEnd type="none" w="med" len="med"/>
+                      <a:tailEnd type="none" w="med" len="med"/>
+                    </a:lnR>
+                    <a:lnT w="6350" cap="flat" cmpd="sng" algn="ctr">
+                      <a:solidFill>
+                        <a:srgbClr val="808080"/>
+                      </a:solidFill>
+                      <a:prstDash val="solid"/>
+                      <a:round/>
+                      <a:headEnd type="none" w="med" len="med"/>
+                      <a:tailEnd type="none" w="med" len="med"/>
+                    </a:lnT>
+                    <a:lnB w="6350" cap="flat" cmpd="sng" algn="ctr">
+                      <a:solidFill>
+                        <a:srgbClr val="808080"/>
+                      </a:solidFill>
+                      <a:prstDash val="solid"/>
+                      <a:round/>
+                      <a:headEnd type="none" w="med" len="med"/>
+                      <a:tailEnd type="none" w="med" len="med"/>
+                    </a:lnB>
+                  </a:tcPr>
+                </a:tc>
+                <a:tc>
+                  <a:txBody>
+                    <a:bodyPr/>
+                    <a:lstStyle/>
+                    <a:p>
+                      <a:pPr algn="l" fontAlgn="b"/>
+                      <a:r>
+                        <a:rPr lang="en-US" sz="1100" b="0" i="0" u="none" strike="noStrike">
+                          <a:solidFill>
+                            <a:srgbClr val="000000"/>
+                          </a:solidFill>
+                          <a:effectLst/>
+                          <a:latin typeface="Calibri" panose="020F0502020204030204" pitchFamily="34" charset="0"/>
+                        </a:rPr>
+                        <a:t>int</a:t>
+                      </a:r>
+                    </a:p>
+                  </a:txBody>
+                  <a:tcPr marL="9525" marR="9525" marT="9525" marB="0" anchor="b">
+                    <a:lnL w="6350" cap="flat" cmpd="sng" algn="ctr">
+                      <a:solidFill>
+                        <a:srgbClr val="808080"/>
+                      </a:solidFill>
+                      <a:prstDash val="solid"/>
+                      <a:round/>
+                      <a:headEnd type="none" w="med" len="med"/>
+                      <a:tailEnd type="none" w="med" len="med"/>
+                    </a:lnL>
+                    <a:lnR w="6350" cap="flat" cmpd="sng" algn="ctr">
+                      <a:solidFill>
+                        <a:srgbClr val="808080"/>
+                      </a:solidFill>
+                      <a:prstDash val="solid"/>
+                      <a:round/>
+                      <a:headEnd type="none" w="med" len="med"/>
+                      <a:tailEnd type="none" w="med" len="med"/>
+                    </a:lnR>
+                    <a:lnT w="6350" cap="flat" cmpd="sng" algn="ctr">
+                      <a:solidFill>
+                        <a:srgbClr val="808080"/>
+                      </a:solidFill>
+                      <a:prstDash val="solid"/>
+                      <a:round/>
+                      <a:headEnd type="none" w="med" len="med"/>
+                      <a:tailEnd type="none" w="med" len="med"/>
+                    </a:lnT>
+                    <a:lnB w="6350" cap="flat" cmpd="sng" algn="ctr">
+                      <a:solidFill>
+                        <a:srgbClr val="808080"/>
+                      </a:solidFill>
+                      <a:prstDash val="solid"/>
+                      <a:round/>
+                      <a:headEnd type="none" w="med" len="med"/>
+                      <a:tailEnd type="none" w="med" len="med"/>
+                    </a:lnB>
+                  </a:tcPr>
+                </a:tc>
+                <a:tc>
+                  <a:txBody>
+                    <a:bodyPr/>
+                    <a:lstStyle/>
+                    <a:p>
+                      <a:pPr algn="l" fontAlgn="b"/>
+                      <a:r>
+                        <a:rPr lang="en-US" sz="1100" b="0" i="0" u="none" strike="noStrike">
+                          <a:solidFill>
+                            <a:srgbClr val="000000"/>
+                          </a:solidFill>
+                          <a:effectLst/>
+                          <a:latin typeface="Calibri" panose="020F0502020204030204" pitchFamily="34" charset="0"/>
+                        </a:rPr>
+                        <a:t>Count of lines of return items in ticket</a:t>
+                      </a:r>
+                    </a:p>
+                  </a:txBody>
+                  <a:tcPr marL="9525" marR="9525" marT="9525" marB="0" anchor="b">
+                    <a:lnL w="6350" cap="flat" cmpd="sng" algn="ctr">
+                      <a:solidFill>
+                        <a:srgbClr val="808080"/>
+                      </a:solidFill>
+                      <a:prstDash val="solid"/>
+                      <a:round/>
+                      <a:headEnd type="none" w="med" len="med"/>
+                      <a:tailEnd type="none" w="med" len="med"/>
+                    </a:lnL>
+                    <a:lnR w="12700" cap="flat" cmpd="sng" algn="ctr">
+                      <a:solidFill>
+                        <a:srgbClr val="44546A"/>
+                      </a:solidFill>
+                      <a:prstDash val="solid"/>
+                      <a:round/>
+                      <a:headEnd type="none" w="med" len="med"/>
+                      <a:tailEnd type="none" w="med" len="med"/>
+                    </a:lnR>
+                    <a:lnT w="6350" cap="flat" cmpd="sng" algn="ctr">
+                      <a:solidFill>
+                        <a:srgbClr val="808080"/>
+                      </a:solidFill>
+                      <a:prstDash val="solid"/>
+                      <a:round/>
+                      <a:headEnd type="none" w="med" len="med"/>
+                      <a:tailEnd type="none" w="med" len="med"/>
+                    </a:lnT>
+                    <a:lnB w="6350" cap="flat" cmpd="sng" algn="ctr">
+                      <a:solidFill>
+                        <a:srgbClr val="808080"/>
+                      </a:solidFill>
+                      <a:prstDash val="solid"/>
+                      <a:round/>
+                      <a:headEnd type="none" w="med" len="med"/>
+                      <a:tailEnd type="none" w="med" len="med"/>
+                    </a:lnB>
+                  </a:tcPr>
+                </a:tc>
+              </a:tr>
+              <a:tr h="242787">
+                <a:tc>
+                  <a:txBody>
+                    <a:bodyPr/>
+                    <a:lstStyle/>
+                    <a:p>
+                      <a:pPr algn="l" fontAlgn="b"/>
+                      <a:r>
+                        <a:rPr lang="en-US" sz="1100" b="0" i="0" u="none" strike="noStrike">
+                          <a:solidFill>
+                            <a:srgbClr val="000000"/>
+                          </a:solidFill>
+                          <a:effectLst/>
+                          <a:latin typeface="Calibri" panose="020F0502020204030204" pitchFamily="34" charset="0"/>
+                        </a:rPr>
+                        <a:t>GiftCardLines</a:t>
+                      </a:r>
+                    </a:p>
+                  </a:txBody>
+                  <a:tcPr marL="9525" marR="9525" marT="9525" marB="0" anchor="b">
+                    <a:lnL w="12700" cap="flat" cmpd="sng" algn="ctr">
+                      <a:solidFill>
+                        <a:srgbClr val="44546A"/>
+                      </a:solidFill>
+                      <a:prstDash val="solid"/>
+                      <a:round/>
+                      <a:headEnd type="none" w="med" len="med"/>
+                      <a:tailEnd type="none" w="med" len="med"/>
+                    </a:lnL>
+                    <a:lnR w="6350" cap="flat" cmpd="sng" algn="ctr">
+                      <a:solidFill>
+                        <a:srgbClr val="808080"/>
+                      </a:solidFill>
+                      <a:prstDash val="solid"/>
+                      <a:round/>
+                      <a:headEnd type="none" w="med" len="med"/>
+                      <a:tailEnd type="none" w="med" len="med"/>
+                    </a:lnR>
+                    <a:lnT w="6350" cap="flat" cmpd="sng" algn="ctr">
+                      <a:solidFill>
+                        <a:srgbClr val="808080"/>
+                      </a:solidFill>
+                      <a:prstDash val="solid"/>
+                      <a:round/>
+                      <a:headEnd type="none" w="med" len="med"/>
+                      <a:tailEnd type="none" w="med" len="med"/>
+                    </a:lnT>
+                    <a:lnB w="6350" cap="flat" cmpd="sng" algn="ctr">
+                      <a:solidFill>
+                        <a:srgbClr val="808080"/>
+                      </a:solidFill>
+                      <a:prstDash val="solid"/>
+                      <a:round/>
+                      <a:headEnd type="none" w="med" len="med"/>
+                      <a:tailEnd type="none" w="med" len="med"/>
+                    </a:lnB>
+                  </a:tcPr>
+                </a:tc>
+                <a:tc>
+                  <a:txBody>
+                    <a:bodyPr/>
+                    <a:lstStyle/>
+                    <a:p>
+                      <a:pPr algn="l" fontAlgn="b"/>
+                      <a:r>
+                        <a:rPr lang="en-US" sz="1100" b="0" i="0" u="none" strike="noStrike">
+                          <a:solidFill>
+                            <a:srgbClr val="000000"/>
+                          </a:solidFill>
+                          <a:effectLst/>
+                          <a:latin typeface="Calibri" panose="020F0502020204030204" pitchFamily="34" charset="0"/>
+                        </a:rPr>
+                        <a:t>int</a:t>
+                      </a:r>
+                    </a:p>
+                  </a:txBody>
+                  <a:tcPr marL="9525" marR="9525" marT="9525" marB="0" anchor="b">
+                    <a:lnL w="6350" cap="flat" cmpd="sng" algn="ctr">
+                      <a:solidFill>
+                        <a:srgbClr val="808080"/>
+                      </a:solidFill>
+                      <a:prstDash val="solid"/>
+                      <a:round/>
+                      <a:headEnd type="none" w="med" len="med"/>
+                      <a:tailEnd type="none" w="med" len="med"/>
+                    </a:lnL>
+                    <a:lnR w="6350" cap="flat" cmpd="sng" algn="ctr">
+                      <a:solidFill>
+                        <a:srgbClr val="808080"/>
+                      </a:solidFill>
+                      <a:prstDash val="solid"/>
+                      <a:round/>
+                      <a:headEnd type="none" w="med" len="med"/>
+                      <a:tailEnd type="none" w="med" len="med"/>
+                    </a:lnR>
+                    <a:lnT w="6350" cap="flat" cmpd="sng" algn="ctr">
+                      <a:solidFill>
+                        <a:srgbClr val="808080"/>
+                      </a:solidFill>
+                      <a:prstDash val="solid"/>
+                      <a:round/>
+                      <a:headEnd type="none" w="med" len="med"/>
+                      <a:tailEnd type="none" w="med" len="med"/>
+                    </a:lnT>
+                    <a:lnB w="6350" cap="flat" cmpd="sng" algn="ctr">
+                      <a:solidFill>
+                        <a:srgbClr val="808080"/>
+                      </a:solidFill>
+                      <a:prstDash val="solid"/>
+                      <a:round/>
+                      <a:headEnd type="none" w="med" len="med"/>
+                      <a:tailEnd type="none" w="med" len="med"/>
+                    </a:lnB>
+                  </a:tcPr>
+                </a:tc>
+                <a:tc>
+                  <a:txBody>
+                    <a:bodyPr/>
+                    <a:lstStyle/>
+                    <a:p>
+                      <a:pPr algn="l" fontAlgn="b"/>
+                      <a:r>
+                        <a:rPr lang="en-US" sz="1100" b="0" i="0" u="none" strike="noStrike">
+                          <a:solidFill>
+                            <a:srgbClr val="000000"/>
+                          </a:solidFill>
+                          <a:effectLst/>
+                          <a:latin typeface="Calibri" panose="020F0502020204030204" pitchFamily="34" charset="0"/>
+                        </a:rPr>
+                        <a:t>Count of lines of gift card purhcases in ticket</a:t>
+                      </a:r>
+                    </a:p>
+                  </a:txBody>
+                  <a:tcPr marL="9525" marR="9525" marT="9525" marB="0" anchor="b">
+                    <a:lnL w="6350" cap="flat" cmpd="sng" algn="ctr">
+                      <a:solidFill>
+                        <a:srgbClr val="808080"/>
+                      </a:solidFill>
+                      <a:prstDash val="solid"/>
+                      <a:round/>
+                      <a:headEnd type="none" w="med" len="med"/>
+                      <a:tailEnd type="none" w="med" len="med"/>
+                    </a:lnL>
+                    <a:lnR w="12700" cap="flat" cmpd="sng" algn="ctr">
+                      <a:solidFill>
+                        <a:srgbClr val="44546A"/>
+                      </a:solidFill>
+                      <a:prstDash val="solid"/>
+                      <a:round/>
+                      <a:headEnd type="none" w="med" len="med"/>
+                      <a:tailEnd type="none" w="med" len="med"/>
+                    </a:lnR>
+                    <a:lnT w="6350" cap="flat" cmpd="sng" algn="ctr">
+                      <a:solidFill>
+                        <a:srgbClr val="808080"/>
+                      </a:solidFill>
+                      <a:prstDash val="solid"/>
+                      <a:round/>
+                      <a:headEnd type="none" w="med" len="med"/>
+                      <a:tailEnd type="none" w="med" len="med"/>
+                    </a:lnT>
+                    <a:lnB w="6350" cap="flat" cmpd="sng" algn="ctr">
+                      <a:solidFill>
+                        <a:srgbClr val="808080"/>
+                      </a:solidFill>
+                      <a:prstDash val="solid"/>
+                      <a:round/>
+                      <a:headEnd type="none" w="med" len="med"/>
+                      <a:tailEnd type="none" w="med" len="med"/>
+                    </a:lnB>
+                  </a:tcPr>
+                </a:tc>
+              </a:tr>
+              <a:tr h="242787">
+                <a:tc>
+                  <a:txBody>
+                    <a:bodyPr/>
+                    <a:lstStyle/>
+                    <a:p>
+                      <a:pPr algn="l" fontAlgn="b"/>
+                      <a:r>
+                        <a:rPr lang="en-US" sz="1100" b="0" i="0" u="none" strike="noStrike">
+                          <a:solidFill>
+                            <a:srgbClr val="000000"/>
+                          </a:solidFill>
+                          <a:effectLst/>
+                          <a:latin typeface="Calibri" panose="020F0502020204030204" pitchFamily="34" charset="0"/>
+                        </a:rPr>
+                        <a:t>NetAmount</a:t>
+                      </a:r>
+                    </a:p>
+                  </a:txBody>
+                  <a:tcPr marL="9525" marR="9525" marT="9525" marB="0" anchor="b">
+                    <a:lnL w="12700" cap="flat" cmpd="sng" algn="ctr">
+                      <a:solidFill>
+                        <a:srgbClr val="44546A"/>
+                      </a:solidFill>
+                      <a:prstDash val="solid"/>
+                      <a:round/>
+                      <a:headEnd type="none" w="med" len="med"/>
+                      <a:tailEnd type="none" w="med" len="med"/>
+                    </a:lnL>
+                    <a:lnR w="6350" cap="flat" cmpd="sng" algn="ctr">
+                      <a:solidFill>
+                        <a:srgbClr val="808080"/>
+                      </a:solidFill>
+                      <a:prstDash val="solid"/>
+                      <a:round/>
+                      <a:headEnd type="none" w="med" len="med"/>
+                      <a:tailEnd type="none" w="med" len="med"/>
+                    </a:lnR>
+                    <a:lnT w="6350" cap="flat" cmpd="sng" algn="ctr">
+                      <a:solidFill>
+                        <a:srgbClr val="808080"/>
+                      </a:solidFill>
+                      <a:prstDash val="solid"/>
+                      <a:round/>
+                      <a:headEnd type="none" w="med" len="med"/>
+                      <a:tailEnd type="none" w="med" len="med"/>
+                    </a:lnT>
+                    <a:lnB w="6350" cap="flat" cmpd="sng" algn="ctr">
+                      <a:solidFill>
+                        <a:srgbClr val="808080"/>
+                      </a:solidFill>
+                      <a:prstDash val="solid"/>
+                      <a:round/>
+                      <a:headEnd type="none" w="med" len="med"/>
+                      <a:tailEnd type="none" w="med" len="med"/>
+                    </a:lnB>
+                  </a:tcPr>
+                </a:tc>
+                <a:tc>
+                  <a:txBody>
+                    <a:bodyPr/>
+                    <a:lstStyle/>
+                    <a:p>
+                      <a:pPr algn="l" fontAlgn="b"/>
+                      <a:r>
+                        <a:rPr lang="en-US" sz="1100" b="0" i="0" u="none" strike="noStrike">
+                          <a:solidFill>
+                            <a:srgbClr val="000000"/>
+                          </a:solidFill>
+                          <a:effectLst/>
+                          <a:latin typeface="Calibri" panose="020F0502020204030204" pitchFamily="34" charset="0"/>
+                        </a:rPr>
+                        <a:t>float</a:t>
+                      </a:r>
+                    </a:p>
+                  </a:txBody>
+                  <a:tcPr marL="9525" marR="9525" marT="9525" marB="0" anchor="b">
+                    <a:lnL w="6350" cap="flat" cmpd="sng" algn="ctr">
+                      <a:solidFill>
+                        <a:srgbClr val="808080"/>
+                      </a:solidFill>
+                      <a:prstDash val="solid"/>
+                      <a:round/>
+                      <a:headEnd type="none" w="med" len="med"/>
+                      <a:tailEnd type="none" w="med" len="med"/>
+                    </a:lnL>
+                    <a:lnR w="6350" cap="flat" cmpd="sng" algn="ctr">
+                      <a:solidFill>
+                        <a:srgbClr val="808080"/>
+                      </a:solidFill>
+                      <a:prstDash val="solid"/>
+                      <a:round/>
+                      <a:headEnd type="none" w="med" len="med"/>
+                      <a:tailEnd type="none" w="med" len="med"/>
+                    </a:lnR>
+                    <a:lnT w="6350" cap="flat" cmpd="sng" algn="ctr">
+                      <a:solidFill>
+                        <a:srgbClr val="808080"/>
+                      </a:solidFill>
+                      <a:prstDash val="solid"/>
+                      <a:round/>
+                      <a:headEnd type="none" w="med" len="med"/>
+                      <a:tailEnd type="none" w="med" len="med"/>
+                    </a:lnT>
+                    <a:lnB w="6350" cap="flat" cmpd="sng" algn="ctr">
+                      <a:solidFill>
+                        <a:srgbClr val="808080"/>
+                      </a:solidFill>
+                      <a:prstDash val="solid"/>
+                      <a:round/>
+                      <a:headEnd type="none" w="med" len="med"/>
+                      <a:tailEnd type="none" w="med" len="med"/>
+                    </a:lnB>
+                  </a:tcPr>
+                </a:tc>
+                <a:tc>
+                  <a:txBody>
+                    <a:bodyPr/>
+                    <a:lstStyle/>
+                    <a:p>
+                      <a:pPr algn="l" fontAlgn="b"/>
+                      <a:r>
+                        <a:rPr lang="en-US" sz="1100" b="0" i="0" u="none" strike="noStrike">
+                          <a:solidFill>
+                            <a:srgbClr val="000000"/>
+                          </a:solidFill>
+                          <a:effectLst/>
+                          <a:latin typeface="Calibri" panose="020F0502020204030204" pitchFamily="34" charset="0"/>
+                        </a:rPr>
+                        <a:t>Net spend in the ticekt</a:t>
+                      </a:r>
+                    </a:p>
+                  </a:txBody>
+                  <a:tcPr marL="9525" marR="9525" marT="9525" marB="0" anchor="b">
+                    <a:lnL w="6350" cap="flat" cmpd="sng" algn="ctr">
+                      <a:solidFill>
+                        <a:srgbClr val="808080"/>
+                      </a:solidFill>
+                      <a:prstDash val="solid"/>
+                      <a:round/>
+                      <a:headEnd type="none" w="med" len="med"/>
+                      <a:tailEnd type="none" w="med" len="med"/>
+                    </a:lnL>
+                    <a:lnR w="12700" cap="flat" cmpd="sng" algn="ctr">
+                      <a:solidFill>
+                        <a:srgbClr val="44546A"/>
+                      </a:solidFill>
+                      <a:prstDash val="solid"/>
+                      <a:round/>
+                      <a:headEnd type="none" w="med" len="med"/>
+                      <a:tailEnd type="none" w="med" len="med"/>
+                    </a:lnR>
+                    <a:lnT w="6350" cap="flat" cmpd="sng" algn="ctr">
+                      <a:solidFill>
+                        <a:srgbClr val="808080"/>
+                      </a:solidFill>
+                      <a:prstDash val="solid"/>
+                      <a:round/>
+                      <a:headEnd type="none" w="med" len="med"/>
+                      <a:tailEnd type="none" w="med" len="med"/>
+                    </a:lnT>
+                    <a:lnB w="6350" cap="flat" cmpd="sng" algn="ctr">
+                      <a:solidFill>
+                        <a:srgbClr val="808080"/>
+                      </a:solidFill>
+                      <a:prstDash val="solid"/>
+                      <a:round/>
+                      <a:headEnd type="none" w="med" len="med"/>
+                      <a:tailEnd type="none" w="med" len="med"/>
+                    </a:lnB>
+                  </a:tcPr>
+                </a:tc>
+              </a:tr>
+              <a:tr h="242787">
+                <a:tc>
+                  <a:txBody>
+                    <a:bodyPr/>
+                    <a:lstStyle/>
+                    <a:p>
+                      <a:pPr algn="l" fontAlgn="b"/>
+                      <a:r>
+                        <a:rPr lang="en-US" sz="1100" b="0" i="0" u="none" strike="noStrike">
+                          <a:solidFill>
+                            <a:srgbClr val="000000"/>
+                          </a:solidFill>
+                          <a:effectLst/>
+                          <a:latin typeface="Calibri" panose="020F0502020204030204" pitchFamily="34" charset="0"/>
+                        </a:rPr>
+                        <a:t>NetRetailAmount</a:t>
+                      </a:r>
+                    </a:p>
+                  </a:txBody>
+                  <a:tcPr marL="9525" marR="9525" marT="9525" marB="0" anchor="b">
+                    <a:lnL w="12700" cap="flat" cmpd="sng" algn="ctr">
+                      <a:solidFill>
+                        <a:srgbClr val="44546A"/>
+                      </a:solidFill>
+                      <a:prstDash val="solid"/>
+                      <a:round/>
+                      <a:headEnd type="none" w="med" len="med"/>
+                      <a:tailEnd type="none" w="med" len="med"/>
+                    </a:lnL>
+                    <a:lnR w="6350" cap="flat" cmpd="sng" algn="ctr">
+                      <a:solidFill>
+                        <a:srgbClr val="808080"/>
+                      </a:solidFill>
+                      <a:prstDash val="solid"/>
+                      <a:round/>
+                      <a:headEnd type="none" w="med" len="med"/>
+                      <a:tailEnd type="none" w="med" len="med"/>
+                    </a:lnR>
+                    <a:lnT w="6350" cap="flat" cmpd="sng" algn="ctr">
+                      <a:solidFill>
+                        <a:srgbClr val="808080"/>
+                      </a:solidFill>
+                      <a:prstDash val="solid"/>
+                      <a:round/>
+                      <a:headEnd type="none" w="med" len="med"/>
+                      <a:tailEnd type="none" w="med" len="med"/>
+                    </a:lnT>
+                    <a:lnB w="6350" cap="flat" cmpd="sng" algn="ctr">
+                      <a:solidFill>
+                        <a:srgbClr val="808080"/>
+                      </a:solidFill>
+                      <a:prstDash val="solid"/>
+                      <a:round/>
+                      <a:headEnd type="none" w="med" len="med"/>
+                      <a:tailEnd type="none" w="med" len="med"/>
+                    </a:lnB>
+                  </a:tcPr>
+                </a:tc>
+                <a:tc>
+                  <a:txBody>
+                    <a:bodyPr/>
+                    <a:lstStyle/>
+                    <a:p>
+                      <a:pPr algn="l" fontAlgn="b"/>
+                      <a:r>
+                        <a:rPr lang="en-US" sz="1100" b="0" i="0" u="none" strike="noStrike">
+                          <a:solidFill>
+                            <a:srgbClr val="000000"/>
+                          </a:solidFill>
+                          <a:effectLst/>
+                          <a:latin typeface="Calibri" panose="020F0502020204030204" pitchFamily="34" charset="0"/>
+                        </a:rPr>
+                        <a:t>float</a:t>
+                      </a:r>
+                    </a:p>
+                  </a:txBody>
+                  <a:tcPr marL="9525" marR="9525" marT="9525" marB="0" anchor="b">
+                    <a:lnL w="6350" cap="flat" cmpd="sng" algn="ctr">
+                      <a:solidFill>
+                        <a:srgbClr val="808080"/>
+                      </a:solidFill>
+                      <a:prstDash val="solid"/>
+                      <a:round/>
+                      <a:headEnd type="none" w="med" len="med"/>
+                      <a:tailEnd type="none" w="med" len="med"/>
+                    </a:lnL>
+                    <a:lnR w="6350" cap="flat" cmpd="sng" algn="ctr">
+                      <a:solidFill>
+                        <a:srgbClr val="808080"/>
+                      </a:solidFill>
+                      <a:prstDash val="solid"/>
+                      <a:round/>
+                      <a:headEnd type="none" w="med" len="med"/>
+                      <a:tailEnd type="none" w="med" len="med"/>
+                    </a:lnR>
+                    <a:lnT w="6350" cap="flat" cmpd="sng" algn="ctr">
+                      <a:solidFill>
+                        <a:srgbClr val="808080"/>
+                      </a:solidFill>
+                      <a:prstDash val="solid"/>
+                      <a:round/>
+                      <a:headEnd type="none" w="med" len="med"/>
+                      <a:tailEnd type="none" w="med" len="med"/>
+                    </a:lnT>
+                    <a:lnB w="6350" cap="flat" cmpd="sng" algn="ctr">
+                      <a:solidFill>
+                        <a:srgbClr val="808080"/>
+                      </a:solidFill>
+                      <a:prstDash val="solid"/>
+                      <a:round/>
+                      <a:headEnd type="none" w="med" len="med"/>
+                      <a:tailEnd type="none" w="med" len="med"/>
+                    </a:lnB>
+                  </a:tcPr>
+                </a:tc>
+                <a:tc>
+                  <a:txBody>
+                    <a:bodyPr/>
+                    <a:lstStyle/>
+                    <a:p>
+                      <a:pPr algn="l" fontAlgn="b"/>
+                      <a:r>
+                        <a:rPr lang="en-US" sz="1100" b="0" i="0" u="none" strike="noStrike">
+                          <a:solidFill>
+                            <a:srgbClr val="000000"/>
+                          </a:solidFill>
+                          <a:effectLst/>
+                          <a:latin typeface="Calibri" panose="020F0502020204030204" pitchFamily="34" charset="0"/>
+                        </a:rPr>
+                        <a:t>Net spend on retail items</a:t>
+                      </a:r>
+                    </a:p>
+                  </a:txBody>
+                  <a:tcPr marL="9525" marR="9525" marT="9525" marB="0" anchor="b">
+                    <a:lnL w="6350" cap="flat" cmpd="sng" algn="ctr">
+                      <a:solidFill>
+                        <a:srgbClr val="808080"/>
+                      </a:solidFill>
+                      <a:prstDash val="solid"/>
+                      <a:round/>
+                      <a:headEnd type="none" w="med" len="med"/>
+                      <a:tailEnd type="none" w="med" len="med"/>
+                    </a:lnL>
+                    <a:lnR w="12700" cap="flat" cmpd="sng" algn="ctr">
+                      <a:solidFill>
+                        <a:srgbClr val="44546A"/>
+                      </a:solidFill>
+                      <a:prstDash val="solid"/>
+                      <a:round/>
+                      <a:headEnd type="none" w="med" len="med"/>
+                      <a:tailEnd type="none" w="med" len="med"/>
+                    </a:lnR>
+                    <a:lnT w="6350" cap="flat" cmpd="sng" algn="ctr">
+                      <a:solidFill>
+                        <a:srgbClr val="808080"/>
+                      </a:solidFill>
+                      <a:prstDash val="solid"/>
+                      <a:round/>
+                      <a:headEnd type="none" w="med" len="med"/>
+                      <a:tailEnd type="none" w="med" len="med"/>
+                    </a:lnT>
+                    <a:lnB w="6350" cap="flat" cmpd="sng" algn="ctr">
+                      <a:solidFill>
+                        <a:srgbClr val="808080"/>
+                      </a:solidFill>
+                      <a:prstDash val="solid"/>
+                      <a:round/>
+                      <a:headEnd type="none" w="med" len="med"/>
+                      <a:tailEnd type="none" w="med" len="med"/>
+                    </a:lnB>
+                  </a:tcPr>
+                </a:tc>
+              </a:tr>
+              <a:tr h="242787">
+                <a:tc>
+                  <a:txBody>
+                    <a:bodyPr/>
+                    <a:lstStyle/>
+                    <a:p>
+                      <a:pPr algn="l" fontAlgn="b"/>
+                      <a:r>
+                        <a:rPr lang="en-US" sz="1100" b="0" i="0" u="none" strike="noStrike">
+                          <a:solidFill>
+                            <a:srgbClr val="000000"/>
+                          </a:solidFill>
+                          <a:effectLst/>
+                          <a:latin typeface="Calibri" panose="020F0502020204030204" pitchFamily="34" charset="0"/>
+                        </a:rPr>
+                        <a:t>NetQSRAmount</a:t>
+                      </a:r>
+                    </a:p>
+                  </a:txBody>
+                  <a:tcPr marL="9525" marR="9525" marT="9525" marB="0" anchor="b">
+                    <a:lnL w="12700" cap="flat" cmpd="sng" algn="ctr">
+                      <a:solidFill>
+                        <a:srgbClr val="44546A"/>
+                      </a:solidFill>
+                      <a:prstDash val="solid"/>
+                      <a:round/>
+                      <a:headEnd type="none" w="med" len="med"/>
+                      <a:tailEnd type="none" w="med" len="med"/>
+                    </a:lnL>
+                    <a:lnR w="6350" cap="flat" cmpd="sng" algn="ctr">
+                      <a:solidFill>
+                        <a:srgbClr val="808080"/>
+                      </a:solidFill>
+                      <a:prstDash val="solid"/>
+                      <a:round/>
+                      <a:headEnd type="none" w="med" len="med"/>
+                      <a:tailEnd type="none" w="med" len="med"/>
+                    </a:lnR>
+                    <a:lnT w="6350" cap="flat" cmpd="sng" algn="ctr">
+                      <a:solidFill>
+                        <a:srgbClr val="808080"/>
+                      </a:solidFill>
+                      <a:prstDash val="solid"/>
+                      <a:round/>
+                      <a:headEnd type="none" w="med" len="med"/>
+                      <a:tailEnd type="none" w="med" len="med"/>
+                    </a:lnT>
+                    <a:lnB w="6350" cap="flat" cmpd="sng" algn="ctr">
+                      <a:solidFill>
+                        <a:srgbClr val="808080"/>
+                      </a:solidFill>
+                      <a:prstDash val="solid"/>
+                      <a:round/>
+                      <a:headEnd type="none" w="med" len="med"/>
+                      <a:tailEnd type="none" w="med" len="med"/>
+                    </a:lnB>
+                  </a:tcPr>
+                </a:tc>
+                <a:tc>
+                  <a:txBody>
+                    <a:bodyPr/>
+                    <a:lstStyle/>
+                    <a:p>
+                      <a:pPr algn="l" fontAlgn="b"/>
+                      <a:r>
+                        <a:rPr lang="en-US" sz="1100" b="0" i="0" u="none" strike="noStrike">
+                          <a:solidFill>
+                            <a:srgbClr val="000000"/>
+                          </a:solidFill>
+                          <a:effectLst/>
+                          <a:latin typeface="Calibri" panose="020F0502020204030204" pitchFamily="34" charset="0"/>
+                        </a:rPr>
+                        <a:t>float</a:t>
+                      </a:r>
+                    </a:p>
+                  </a:txBody>
+                  <a:tcPr marL="9525" marR="9525" marT="9525" marB="0" anchor="b">
+                    <a:lnL w="6350" cap="flat" cmpd="sng" algn="ctr">
+                      <a:solidFill>
+                        <a:srgbClr val="808080"/>
+                      </a:solidFill>
+                      <a:prstDash val="solid"/>
+                      <a:round/>
+                      <a:headEnd type="none" w="med" len="med"/>
+                      <a:tailEnd type="none" w="med" len="med"/>
+                    </a:lnL>
+                    <a:lnR w="6350" cap="flat" cmpd="sng" algn="ctr">
+                      <a:solidFill>
+                        <a:srgbClr val="808080"/>
+                      </a:solidFill>
+                      <a:prstDash val="solid"/>
+                      <a:round/>
+                      <a:headEnd type="none" w="med" len="med"/>
+                      <a:tailEnd type="none" w="med" len="med"/>
+                    </a:lnR>
+                    <a:lnT w="6350" cap="flat" cmpd="sng" algn="ctr">
+                      <a:solidFill>
+                        <a:srgbClr val="808080"/>
+                      </a:solidFill>
+                      <a:prstDash val="solid"/>
+                      <a:round/>
+                      <a:headEnd type="none" w="med" len="med"/>
+                      <a:tailEnd type="none" w="med" len="med"/>
+                    </a:lnT>
+                    <a:lnB w="6350" cap="flat" cmpd="sng" algn="ctr">
+                      <a:solidFill>
+                        <a:srgbClr val="808080"/>
+                      </a:solidFill>
+                      <a:prstDash val="solid"/>
+                      <a:round/>
+                      <a:headEnd type="none" w="med" len="med"/>
+                      <a:tailEnd type="none" w="med" len="med"/>
+                    </a:lnB>
+                  </a:tcPr>
+                </a:tc>
+                <a:tc>
+                  <a:txBody>
+                    <a:bodyPr/>
+                    <a:lstStyle/>
+                    <a:p>
+                      <a:pPr algn="l" fontAlgn="b"/>
+                      <a:r>
+                        <a:rPr lang="en-US" sz="1100" b="0" i="0" u="none" strike="noStrike">
+                          <a:solidFill>
+                            <a:srgbClr val="000000"/>
+                          </a:solidFill>
+                          <a:effectLst/>
+                          <a:latin typeface="Calibri" panose="020F0502020204030204" pitchFamily="34" charset="0"/>
+                        </a:rPr>
+                        <a:t>Net spend on quick service (to-go) items</a:t>
+                      </a:r>
+                    </a:p>
+                  </a:txBody>
+                  <a:tcPr marL="9525" marR="9525" marT="9525" marB="0" anchor="b">
+                    <a:lnL w="6350" cap="flat" cmpd="sng" algn="ctr">
+                      <a:solidFill>
+                        <a:srgbClr val="808080"/>
+                      </a:solidFill>
+                      <a:prstDash val="solid"/>
+                      <a:round/>
+                      <a:headEnd type="none" w="med" len="med"/>
+                      <a:tailEnd type="none" w="med" len="med"/>
+                    </a:lnL>
+                    <a:lnR w="12700" cap="flat" cmpd="sng" algn="ctr">
+                      <a:solidFill>
+                        <a:srgbClr val="44546A"/>
+                      </a:solidFill>
+                      <a:prstDash val="solid"/>
+                      <a:round/>
+                      <a:headEnd type="none" w="med" len="med"/>
+                      <a:tailEnd type="none" w="med" len="med"/>
+                    </a:lnR>
+                    <a:lnT w="6350" cap="flat" cmpd="sng" algn="ctr">
+                      <a:solidFill>
+                        <a:srgbClr val="808080"/>
+                      </a:solidFill>
+                      <a:prstDash val="solid"/>
+                      <a:round/>
+                      <a:headEnd type="none" w="med" len="med"/>
+                      <a:tailEnd type="none" w="med" len="med"/>
+                    </a:lnT>
+                    <a:lnB w="6350" cap="flat" cmpd="sng" algn="ctr">
+                      <a:solidFill>
+                        <a:srgbClr val="808080"/>
+                      </a:solidFill>
+                      <a:prstDash val="solid"/>
+                      <a:round/>
+                      <a:headEnd type="none" w="med" len="med"/>
+                      <a:tailEnd type="none" w="med" len="med"/>
+                    </a:lnB>
+                  </a:tcPr>
+                </a:tc>
+              </a:tr>
+              <a:tr h="242787">
+                <a:tc>
+                  <a:txBody>
+                    <a:bodyPr/>
+                    <a:lstStyle/>
+                    <a:p>
+                      <a:pPr algn="l" fontAlgn="b"/>
+                      <a:r>
+                        <a:rPr lang="en-US" sz="1100" b="0" i="0" u="none" strike="noStrike">
+                          <a:solidFill>
+                            <a:srgbClr val="000000"/>
+                          </a:solidFill>
+                          <a:effectLst/>
+                          <a:latin typeface="Calibri" panose="020F0502020204030204" pitchFamily="34" charset="0"/>
+                        </a:rPr>
+                        <a:t>DiscountAmount</a:t>
+                      </a:r>
+                    </a:p>
+                  </a:txBody>
+                  <a:tcPr marL="9525" marR="9525" marT="9525" marB="0" anchor="b">
+                    <a:lnL w="12700" cap="flat" cmpd="sng" algn="ctr">
+                      <a:solidFill>
+                        <a:srgbClr val="44546A"/>
+                      </a:solidFill>
+                      <a:prstDash val="solid"/>
+                      <a:round/>
+                      <a:headEnd type="none" w="med" len="med"/>
+                      <a:tailEnd type="none" w="med" len="med"/>
+                    </a:lnL>
+                    <a:lnR w="6350" cap="flat" cmpd="sng" algn="ctr">
+                      <a:solidFill>
+                        <a:srgbClr val="808080"/>
+                      </a:solidFill>
+                      <a:prstDash val="solid"/>
+                      <a:round/>
+                      <a:headEnd type="none" w="med" len="med"/>
+                      <a:tailEnd type="none" w="med" len="med"/>
+                    </a:lnR>
+                    <a:lnT w="6350" cap="flat" cmpd="sng" algn="ctr">
+                      <a:solidFill>
+                        <a:srgbClr val="808080"/>
+                      </a:solidFill>
+                      <a:prstDash val="solid"/>
+                      <a:round/>
+                      <a:headEnd type="none" w="med" len="med"/>
+                      <a:tailEnd type="none" w="med" len="med"/>
+                    </a:lnT>
+                    <a:lnB w="6350" cap="flat" cmpd="sng" algn="ctr">
+                      <a:solidFill>
+                        <a:srgbClr val="808080"/>
+                      </a:solidFill>
+                      <a:prstDash val="solid"/>
+                      <a:round/>
+                      <a:headEnd type="none" w="med" len="med"/>
+                      <a:tailEnd type="none" w="med" len="med"/>
+                    </a:lnB>
+                  </a:tcPr>
+                </a:tc>
+                <a:tc>
+                  <a:txBody>
+                    <a:bodyPr/>
+                    <a:lstStyle/>
+                    <a:p>
+                      <a:pPr algn="l" fontAlgn="b"/>
+                      <a:r>
+                        <a:rPr lang="en-US" sz="1100" b="0" i="0" u="none" strike="noStrike">
+                          <a:solidFill>
+                            <a:srgbClr val="000000"/>
+                          </a:solidFill>
+                          <a:effectLst/>
+                          <a:latin typeface="Calibri" panose="020F0502020204030204" pitchFamily="34" charset="0"/>
+                        </a:rPr>
+                        <a:t>float</a:t>
+                      </a:r>
+                    </a:p>
+                  </a:txBody>
+                  <a:tcPr marL="9525" marR="9525" marT="9525" marB="0" anchor="b">
+                    <a:lnL w="6350" cap="flat" cmpd="sng" algn="ctr">
+                      <a:solidFill>
+                        <a:srgbClr val="808080"/>
+                      </a:solidFill>
+                      <a:prstDash val="solid"/>
+                      <a:round/>
+                      <a:headEnd type="none" w="med" len="med"/>
+                      <a:tailEnd type="none" w="med" len="med"/>
+                    </a:lnL>
+                    <a:lnR w="6350" cap="flat" cmpd="sng" algn="ctr">
+                      <a:solidFill>
+                        <a:srgbClr val="808080"/>
+                      </a:solidFill>
+                      <a:prstDash val="solid"/>
+                      <a:round/>
+                      <a:headEnd type="none" w="med" len="med"/>
+                      <a:tailEnd type="none" w="med" len="med"/>
+                    </a:lnR>
+                    <a:lnT w="6350" cap="flat" cmpd="sng" algn="ctr">
+                      <a:solidFill>
+                        <a:srgbClr val="808080"/>
+                      </a:solidFill>
+                      <a:prstDash val="solid"/>
+                      <a:round/>
+                      <a:headEnd type="none" w="med" len="med"/>
+                      <a:tailEnd type="none" w="med" len="med"/>
+                    </a:lnT>
+                    <a:lnB w="6350" cap="flat" cmpd="sng" algn="ctr">
+                      <a:solidFill>
+                        <a:srgbClr val="808080"/>
+                      </a:solidFill>
+                      <a:prstDash val="solid"/>
+                      <a:round/>
+                      <a:headEnd type="none" w="med" len="med"/>
+                      <a:tailEnd type="none" w="med" len="med"/>
+                    </a:lnB>
+                  </a:tcPr>
+                </a:tc>
+                <a:tc>
+                  <a:txBody>
+                    <a:bodyPr/>
+                    <a:lstStyle/>
+                    <a:p>
+                      <a:pPr algn="l" fontAlgn="b"/>
+                      <a:r>
+                        <a:rPr lang="en-US" sz="1100" b="0" i="0" u="none" strike="noStrike">
+                          <a:solidFill>
+                            <a:srgbClr val="000000"/>
+                          </a:solidFill>
+                          <a:effectLst/>
+                          <a:latin typeface="Calibri" panose="020F0502020204030204" pitchFamily="34" charset="0"/>
+                        </a:rPr>
+                        <a:t>Total discounts applied to ticket</a:t>
+                      </a:r>
+                    </a:p>
+                  </a:txBody>
+                  <a:tcPr marL="9525" marR="9525" marT="9525" marB="0" anchor="b">
+                    <a:lnL w="6350" cap="flat" cmpd="sng" algn="ctr">
+                      <a:solidFill>
+                        <a:srgbClr val="808080"/>
+                      </a:solidFill>
+                      <a:prstDash val="solid"/>
+                      <a:round/>
+                      <a:headEnd type="none" w="med" len="med"/>
+                      <a:tailEnd type="none" w="med" len="med"/>
+                    </a:lnL>
+                    <a:lnR w="12700" cap="flat" cmpd="sng" algn="ctr">
+                      <a:solidFill>
+                        <a:srgbClr val="44546A"/>
+                      </a:solidFill>
+                      <a:prstDash val="solid"/>
+                      <a:round/>
+                      <a:headEnd type="none" w="med" len="med"/>
+                      <a:tailEnd type="none" w="med" len="med"/>
+                    </a:lnR>
+                    <a:lnT w="6350" cap="flat" cmpd="sng" algn="ctr">
+                      <a:solidFill>
+                        <a:srgbClr val="808080"/>
+                      </a:solidFill>
+                      <a:prstDash val="solid"/>
+                      <a:round/>
+                      <a:headEnd type="none" w="med" len="med"/>
+                      <a:tailEnd type="none" w="med" len="med"/>
+                    </a:lnT>
+                    <a:lnB w="6350" cap="flat" cmpd="sng" algn="ctr">
+                      <a:solidFill>
+                        <a:srgbClr val="808080"/>
+                      </a:solidFill>
+                      <a:prstDash val="solid"/>
+                      <a:round/>
+                      <a:headEnd type="none" w="med" len="med"/>
+                      <a:tailEnd type="none" w="med" len="med"/>
+                    </a:lnB>
+                  </a:tcPr>
+                </a:tc>
+              </a:tr>
+              <a:tr h="242787">
+                <a:tc>
+                  <a:txBody>
+                    <a:bodyPr/>
+                    <a:lstStyle/>
+                    <a:p>
+                      <a:pPr algn="l" fontAlgn="b"/>
+                      <a:r>
+                        <a:rPr lang="en-US" sz="1100" b="0" i="0" u="none" strike="noStrike">
+                          <a:solidFill>
+                            <a:srgbClr val="000000"/>
+                          </a:solidFill>
+                          <a:effectLst/>
+                          <a:latin typeface="Calibri" panose="020F0502020204030204" pitchFamily="34" charset="0"/>
+                        </a:rPr>
+                        <a:t>UniqueItems</a:t>
+                      </a:r>
+                    </a:p>
+                  </a:txBody>
+                  <a:tcPr marL="9525" marR="9525" marT="9525" marB="0" anchor="b">
+                    <a:lnL w="12700" cap="flat" cmpd="sng" algn="ctr">
+                      <a:solidFill>
+                        <a:srgbClr val="44546A"/>
+                      </a:solidFill>
+                      <a:prstDash val="solid"/>
+                      <a:round/>
+                      <a:headEnd type="none" w="med" len="med"/>
+                      <a:tailEnd type="none" w="med" len="med"/>
+                    </a:lnL>
+                    <a:lnR w="6350" cap="flat" cmpd="sng" algn="ctr">
+                      <a:solidFill>
+                        <a:srgbClr val="808080"/>
+                      </a:solidFill>
+                      <a:prstDash val="solid"/>
+                      <a:round/>
+                      <a:headEnd type="none" w="med" len="med"/>
+                      <a:tailEnd type="none" w="med" len="med"/>
+                    </a:lnR>
+                    <a:lnT w="6350" cap="flat" cmpd="sng" algn="ctr">
+                      <a:solidFill>
+                        <a:srgbClr val="808080"/>
+                      </a:solidFill>
+                      <a:prstDash val="solid"/>
+                      <a:round/>
+                      <a:headEnd type="none" w="med" len="med"/>
+                      <a:tailEnd type="none" w="med" len="med"/>
+                    </a:lnT>
+                    <a:lnB w="6350" cap="flat" cmpd="sng" algn="ctr">
+                      <a:solidFill>
+                        <a:srgbClr val="808080"/>
+                      </a:solidFill>
+                      <a:prstDash val="solid"/>
+                      <a:round/>
+                      <a:headEnd type="none" w="med" len="med"/>
+                      <a:tailEnd type="none" w="med" len="med"/>
+                    </a:lnB>
+                  </a:tcPr>
+                </a:tc>
+                <a:tc>
+                  <a:txBody>
+                    <a:bodyPr/>
+                    <a:lstStyle/>
+                    <a:p>
+                      <a:pPr algn="l" fontAlgn="b"/>
+                      <a:r>
+                        <a:rPr lang="en-US" sz="1100" b="0" i="0" u="none" strike="noStrike">
+                          <a:solidFill>
+                            <a:srgbClr val="000000"/>
+                          </a:solidFill>
+                          <a:effectLst/>
+                          <a:latin typeface="Calibri" panose="020F0502020204030204" pitchFamily="34" charset="0"/>
+                        </a:rPr>
+                        <a:t>int</a:t>
+                      </a:r>
+                    </a:p>
+                  </a:txBody>
+                  <a:tcPr marL="9525" marR="9525" marT="9525" marB="0" anchor="b">
+                    <a:lnL w="6350" cap="flat" cmpd="sng" algn="ctr">
+                      <a:solidFill>
+                        <a:srgbClr val="808080"/>
+                      </a:solidFill>
+                      <a:prstDash val="solid"/>
+                      <a:round/>
+                      <a:headEnd type="none" w="med" len="med"/>
+                      <a:tailEnd type="none" w="med" len="med"/>
+                    </a:lnL>
+                    <a:lnR w="6350" cap="flat" cmpd="sng" algn="ctr">
+                      <a:solidFill>
+                        <a:srgbClr val="808080"/>
+                      </a:solidFill>
+                      <a:prstDash val="solid"/>
+                      <a:round/>
+                      <a:headEnd type="none" w="med" len="med"/>
+                      <a:tailEnd type="none" w="med" len="med"/>
+                    </a:lnR>
+                    <a:lnT w="6350" cap="flat" cmpd="sng" algn="ctr">
+                      <a:solidFill>
+                        <a:srgbClr val="808080"/>
+                      </a:solidFill>
+                      <a:prstDash val="solid"/>
+                      <a:round/>
+                      <a:headEnd type="none" w="med" len="med"/>
+                      <a:tailEnd type="none" w="med" len="med"/>
+                    </a:lnT>
+                    <a:lnB w="6350" cap="flat" cmpd="sng" algn="ctr">
+                      <a:solidFill>
+                        <a:srgbClr val="808080"/>
+                      </a:solidFill>
+                      <a:prstDash val="solid"/>
+                      <a:round/>
+                      <a:headEnd type="none" w="med" len="med"/>
+                      <a:tailEnd type="none" w="med" len="med"/>
+                    </a:lnB>
+                  </a:tcPr>
+                </a:tc>
+                <a:tc>
+                  <a:txBody>
+                    <a:bodyPr/>
+                    <a:lstStyle/>
+                    <a:p>
+                      <a:pPr algn="l" fontAlgn="b"/>
+                      <a:r>
+                        <a:rPr lang="en-US" sz="1100" b="0" i="0" u="none" strike="noStrike">
+                          <a:solidFill>
+                            <a:srgbClr val="000000"/>
+                          </a:solidFill>
+                          <a:effectLst/>
+                          <a:latin typeface="Calibri" panose="020F0502020204030204" pitchFamily="34" charset="0"/>
+                        </a:rPr>
+                        <a:t>Count of unique products</a:t>
+                      </a:r>
+                    </a:p>
+                  </a:txBody>
+                  <a:tcPr marL="9525" marR="9525" marT="9525" marB="0" anchor="b">
+                    <a:lnL w="6350" cap="flat" cmpd="sng" algn="ctr">
+                      <a:solidFill>
+                        <a:srgbClr val="808080"/>
+                      </a:solidFill>
+                      <a:prstDash val="solid"/>
+                      <a:round/>
+                      <a:headEnd type="none" w="med" len="med"/>
+                      <a:tailEnd type="none" w="med" len="med"/>
+                    </a:lnL>
+                    <a:lnR w="12700" cap="flat" cmpd="sng" algn="ctr">
+                      <a:solidFill>
+                        <a:srgbClr val="44546A"/>
+                      </a:solidFill>
+                      <a:prstDash val="solid"/>
+                      <a:round/>
+                      <a:headEnd type="none" w="med" len="med"/>
+                      <a:tailEnd type="none" w="med" len="med"/>
+                    </a:lnR>
+                    <a:lnT w="6350" cap="flat" cmpd="sng" algn="ctr">
+                      <a:solidFill>
+                        <a:srgbClr val="808080"/>
+                      </a:solidFill>
+                      <a:prstDash val="solid"/>
+                      <a:round/>
+                      <a:headEnd type="none" w="med" len="med"/>
+                      <a:tailEnd type="none" w="med" len="med"/>
+                    </a:lnT>
+                    <a:lnB w="6350" cap="flat" cmpd="sng" algn="ctr">
+                      <a:solidFill>
+                        <a:srgbClr val="808080"/>
+                      </a:solidFill>
+                      <a:prstDash val="solid"/>
+                      <a:round/>
+                      <a:headEnd type="none" w="med" len="med"/>
+                      <a:tailEnd type="none" w="med" len="med"/>
+                    </a:lnB>
+                  </a:tcPr>
+                </a:tc>
+              </a:tr>
+              <a:tr h="242787">
+                <a:tc>
+                  <a:txBody>
+                    <a:bodyPr/>
+                    <a:lstStyle/>
+                    <a:p>
+                      <a:pPr algn="l" fontAlgn="b"/>
+                      <a:r>
+                        <a:rPr lang="en-US" sz="1100" b="0" i="0" u="none" strike="noStrike">
+                          <a:solidFill>
+                            <a:srgbClr val="000000"/>
+                          </a:solidFill>
+                          <a:effectLst/>
+                          <a:latin typeface="Calibri" panose="020F0502020204030204" pitchFamily="34" charset="0"/>
+                        </a:rPr>
+                        <a:t>UniqueCategories</a:t>
+                      </a:r>
+                    </a:p>
+                  </a:txBody>
+                  <a:tcPr marL="9525" marR="9525" marT="9525" marB="0" anchor="b">
+                    <a:lnL w="12700" cap="flat" cmpd="sng" algn="ctr">
+                      <a:solidFill>
+                        <a:srgbClr val="44546A"/>
+                      </a:solidFill>
+                      <a:prstDash val="solid"/>
+                      <a:round/>
+                      <a:headEnd type="none" w="med" len="med"/>
+                      <a:tailEnd type="none" w="med" len="med"/>
+                    </a:lnL>
+                    <a:lnR w="6350" cap="flat" cmpd="sng" algn="ctr">
+                      <a:solidFill>
+                        <a:srgbClr val="808080"/>
+                      </a:solidFill>
+                      <a:prstDash val="solid"/>
+                      <a:round/>
+                      <a:headEnd type="none" w="med" len="med"/>
+                      <a:tailEnd type="none" w="med" len="med"/>
+                    </a:lnR>
+                    <a:lnT w="6350" cap="flat" cmpd="sng" algn="ctr">
+                      <a:solidFill>
+                        <a:srgbClr val="808080"/>
+                      </a:solidFill>
+                      <a:prstDash val="solid"/>
+                      <a:round/>
+                      <a:headEnd type="none" w="med" len="med"/>
+                      <a:tailEnd type="none" w="med" len="med"/>
+                    </a:lnT>
+                    <a:lnB w="6350" cap="flat" cmpd="sng" algn="ctr">
+                      <a:solidFill>
+                        <a:srgbClr val="808080"/>
+                      </a:solidFill>
+                      <a:prstDash val="solid"/>
+                      <a:round/>
+                      <a:headEnd type="none" w="med" len="med"/>
+                      <a:tailEnd type="none" w="med" len="med"/>
+                    </a:lnB>
+                  </a:tcPr>
+                </a:tc>
+                <a:tc>
+                  <a:txBody>
+                    <a:bodyPr/>
+                    <a:lstStyle/>
+                    <a:p>
+                      <a:pPr algn="l" fontAlgn="b"/>
+                      <a:r>
+                        <a:rPr lang="en-US" sz="1100" b="0" i="0" u="none" strike="noStrike">
+                          <a:solidFill>
+                            <a:srgbClr val="000000"/>
+                          </a:solidFill>
+                          <a:effectLst/>
+                          <a:latin typeface="Calibri" panose="020F0502020204030204" pitchFamily="34" charset="0"/>
+                        </a:rPr>
+                        <a:t>int</a:t>
+                      </a:r>
+                    </a:p>
+                  </a:txBody>
+                  <a:tcPr marL="9525" marR="9525" marT="9525" marB="0" anchor="b">
+                    <a:lnL w="6350" cap="flat" cmpd="sng" algn="ctr">
+                      <a:solidFill>
+                        <a:srgbClr val="808080"/>
+                      </a:solidFill>
+                      <a:prstDash val="solid"/>
+                      <a:round/>
+                      <a:headEnd type="none" w="med" len="med"/>
+                      <a:tailEnd type="none" w="med" len="med"/>
+                    </a:lnL>
+                    <a:lnR w="6350" cap="flat" cmpd="sng" algn="ctr">
+                      <a:solidFill>
+                        <a:srgbClr val="808080"/>
+                      </a:solidFill>
+                      <a:prstDash val="solid"/>
+                      <a:round/>
+                      <a:headEnd type="none" w="med" len="med"/>
+                      <a:tailEnd type="none" w="med" len="med"/>
+                    </a:lnR>
+                    <a:lnT w="6350" cap="flat" cmpd="sng" algn="ctr">
+                      <a:solidFill>
+                        <a:srgbClr val="808080"/>
+                      </a:solidFill>
+                      <a:prstDash val="solid"/>
+                      <a:round/>
+                      <a:headEnd type="none" w="med" len="med"/>
+                      <a:tailEnd type="none" w="med" len="med"/>
+                    </a:lnT>
+                    <a:lnB w="6350" cap="flat" cmpd="sng" algn="ctr">
+                      <a:solidFill>
+                        <a:srgbClr val="808080"/>
+                      </a:solidFill>
+                      <a:prstDash val="solid"/>
+                      <a:round/>
+                      <a:headEnd type="none" w="med" len="med"/>
+                      <a:tailEnd type="none" w="med" len="med"/>
+                    </a:lnB>
+                  </a:tcPr>
+                </a:tc>
+                <a:tc>
+                  <a:txBody>
+                    <a:bodyPr/>
+                    <a:lstStyle/>
+                    <a:p>
+                      <a:pPr algn="l" fontAlgn="b"/>
+                      <a:r>
+                        <a:rPr lang="en-US" sz="1100" b="0" i="0" u="none" strike="noStrike">
+                          <a:solidFill>
+                            <a:srgbClr val="000000"/>
+                          </a:solidFill>
+                          <a:effectLst/>
+                          <a:latin typeface="Calibri" panose="020F0502020204030204" pitchFamily="34" charset="0"/>
+                        </a:rPr>
+                        <a:t>Count of unique product categories</a:t>
+                      </a:r>
+                    </a:p>
+                  </a:txBody>
+                  <a:tcPr marL="9525" marR="9525" marT="9525" marB="0" anchor="b">
+                    <a:lnL w="6350" cap="flat" cmpd="sng" algn="ctr">
+                      <a:solidFill>
+                        <a:srgbClr val="808080"/>
+                      </a:solidFill>
+                      <a:prstDash val="solid"/>
+                      <a:round/>
+                      <a:headEnd type="none" w="med" len="med"/>
+                      <a:tailEnd type="none" w="med" len="med"/>
+                    </a:lnL>
+                    <a:lnR w="12700" cap="flat" cmpd="sng" algn="ctr">
+                      <a:solidFill>
+                        <a:srgbClr val="44546A"/>
+                      </a:solidFill>
+                      <a:prstDash val="solid"/>
+                      <a:round/>
+                      <a:headEnd type="none" w="med" len="med"/>
+                      <a:tailEnd type="none" w="med" len="med"/>
+                    </a:lnR>
+                    <a:lnT w="6350" cap="flat" cmpd="sng" algn="ctr">
+                      <a:solidFill>
+                        <a:srgbClr val="808080"/>
+                      </a:solidFill>
+                      <a:prstDash val="solid"/>
+                      <a:round/>
+                      <a:headEnd type="none" w="med" len="med"/>
+                      <a:tailEnd type="none" w="med" len="med"/>
+                    </a:lnT>
+                    <a:lnB w="6350" cap="flat" cmpd="sng" algn="ctr">
+                      <a:solidFill>
+                        <a:srgbClr val="808080"/>
+                      </a:solidFill>
+                      <a:prstDash val="solid"/>
+                      <a:round/>
+                      <a:headEnd type="none" w="med" len="med"/>
+                      <a:tailEnd type="none" w="med" len="med"/>
+                    </a:lnB>
+                  </a:tcPr>
+                </a:tc>
+              </a:tr>
+              <a:tr h="242787">
+                <a:tc>
+                  <a:txBody>
+                    <a:bodyPr/>
+                    <a:lstStyle/>
+                    <a:p>
+                      <a:pPr algn="l" fontAlgn="b"/>
+                      <a:r>
+                        <a:rPr lang="en-US" sz="1100" b="0" i="0" u="none" strike="noStrike">
+                          <a:solidFill>
+                            <a:srgbClr val="000000"/>
+                          </a:solidFill>
+                          <a:effectLst/>
+                          <a:latin typeface="Calibri" panose="020F0502020204030204" pitchFamily="34" charset="0"/>
+                        </a:rPr>
+                        <a:t>ReturnedBags</a:t>
+                      </a:r>
+                    </a:p>
+                  </a:txBody>
+                  <a:tcPr marL="9525" marR="9525" marT="9525" marB="0" anchor="b">
+                    <a:lnL w="12700" cap="flat" cmpd="sng" algn="ctr">
+                      <a:solidFill>
+                        <a:srgbClr val="44546A"/>
+                      </a:solidFill>
+                      <a:prstDash val="solid"/>
+                      <a:round/>
+                      <a:headEnd type="none" w="med" len="med"/>
+                      <a:tailEnd type="none" w="med" len="med"/>
+                    </a:lnL>
+                    <a:lnR w="6350" cap="flat" cmpd="sng" algn="ctr">
+                      <a:solidFill>
+                        <a:srgbClr val="808080"/>
+                      </a:solidFill>
+                      <a:prstDash val="solid"/>
+                      <a:round/>
+                      <a:headEnd type="none" w="med" len="med"/>
+                      <a:tailEnd type="none" w="med" len="med"/>
+                    </a:lnR>
+                    <a:lnT w="6350" cap="flat" cmpd="sng" algn="ctr">
+                      <a:solidFill>
+                        <a:srgbClr val="808080"/>
+                      </a:solidFill>
+                      <a:prstDash val="solid"/>
+                      <a:round/>
+                      <a:headEnd type="none" w="med" len="med"/>
+                      <a:tailEnd type="none" w="med" len="med"/>
+                    </a:lnT>
+                    <a:lnB w="6350" cap="flat" cmpd="sng" algn="ctr">
+                      <a:solidFill>
+                        <a:srgbClr val="808080"/>
+                      </a:solidFill>
+                      <a:prstDash val="solid"/>
+                      <a:round/>
+                      <a:headEnd type="none" w="med" len="med"/>
+                      <a:tailEnd type="none" w="med" len="med"/>
+                    </a:lnB>
+                  </a:tcPr>
+                </a:tc>
+                <a:tc>
+                  <a:txBody>
+                    <a:bodyPr/>
+                    <a:lstStyle/>
+                    <a:p>
+                      <a:pPr algn="l" fontAlgn="b"/>
+                      <a:r>
+                        <a:rPr lang="en-US" sz="1100" b="0" i="0" u="none" strike="noStrike">
+                          <a:solidFill>
+                            <a:srgbClr val="000000"/>
+                          </a:solidFill>
+                          <a:effectLst/>
+                          <a:latin typeface="Calibri" panose="020F0502020204030204" pitchFamily="34" charset="0"/>
+                        </a:rPr>
+                        <a:t>boolean</a:t>
+                      </a:r>
+                    </a:p>
+                  </a:txBody>
+                  <a:tcPr marL="9525" marR="9525" marT="9525" marB="0" anchor="b">
+                    <a:lnL w="6350" cap="flat" cmpd="sng" algn="ctr">
+                      <a:solidFill>
+                        <a:srgbClr val="808080"/>
+                      </a:solidFill>
+                      <a:prstDash val="solid"/>
+                      <a:round/>
+                      <a:headEnd type="none" w="med" len="med"/>
+                      <a:tailEnd type="none" w="med" len="med"/>
+                    </a:lnL>
+                    <a:lnR w="6350" cap="flat" cmpd="sng" algn="ctr">
+                      <a:solidFill>
+                        <a:srgbClr val="808080"/>
+                      </a:solidFill>
+                      <a:prstDash val="solid"/>
+                      <a:round/>
+                      <a:headEnd type="none" w="med" len="med"/>
+                      <a:tailEnd type="none" w="med" len="med"/>
+                    </a:lnR>
+                    <a:lnT w="6350" cap="flat" cmpd="sng" algn="ctr">
+                      <a:solidFill>
+                        <a:srgbClr val="808080"/>
+                      </a:solidFill>
+                      <a:prstDash val="solid"/>
+                      <a:round/>
+                      <a:headEnd type="none" w="med" len="med"/>
+                      <a:tailEnd type="none" w="med" len="med"/>
+                    </a:lnT>
+                    <a:lnB w="6350" cap="flat" cmpd="sng" algn="ctr">
+                      <a:solidFill>
+                        <a:srgbClr val="808080"/>
+                      </a:solidFill>
+                      <a:prstDash val="solid"/>
+                      <a:round/>
+                      <a:headEnd type="none" w="med" len="med"/>
+                      <a:tailEnd type="none" w="med" len="med"/>
+                    </a:lnB>
+                  </a:tcPr>
+                </a:tc>
+                <a:tc>
+                  <a:txBody>
+                    <a:bodyPr/>
+                    <a:lstStyle/>
+                    <a:p>
+                      <a:pPr algn="l" fontAlgn="b"/>
+                      <a:r>
+                        <a:rPr lang="en-US" sz="1100" b="0" i="0" u="none" strike="noStrike">
+                          <a:solidFill>
+                            <a:srgbClr val="000000"/>
+                          </a:solidFill>
+                          <a:effectLst/>
+                          <a:latin typeface="Calibri" panose="020F0502020204030204" pitchFamily="34" charset="0"/>
+                        </a:rPr>
+                        <a:t>True/False indicator of plastic bag return for 5 cent credit</a:t>
+                      </a:r>
+                    </a:p>
+                  </a:txBody>
+                  <a:tcPr marL="9525" marR="9525" marT="9525" marB="0" anchor="b">
+                    <a:lnL w="6350" cap="flat" cmpd="sng" algn="ctr">
+                      <a:solidFill>
+                        <a:srgbClr val="808080"/>
+                      </a:solidFill>
+                      <a:prstDash val="solid"/>
+                      <a:round/>
+                      <a:headEnd type="none" w="med" len="med"/>
+                      <a:tailEnd type="none" w="med" len="med"/>
+                    </a:lnL>
+                    <a:lnR w="12700" cap="flat" cmpd="sng" algn="ctr">
+                      <a:solidFill>
+                        <a:srgbClr val="44546A"/>
+                      </a:solidFill>
+                      <a:prstDash val="solid"/>
+                      <a:round/>
+                      <a:headEnd type="none" w="med" len="med"/>
+                      <a:tailEnd type="none" w="med" len="med"/>
+                    </a:lnR>
+                    <a:lnT w="6350" cap="flat" cmpd="sng" algn="ctr">
+                      <a:solidFill>
+                        <a:srgbClr val="808080"/>
+                      </a:solidFill>
+                      <a:prstDash val="solid"/>
+                      <a:round/>
+                      <a:headEnd type="none" w="med" len="med"/>
+                      <a:tailEnd type="none" w="med" len="med"/>
+                    </a:lnT>
+                    <a:lnB w="6350" cap="flat" cmpd="sng" algn="ctr">
+                      <a:solidFill>
+                        <a:srgbClr val="808080"/>
+                      </a:solidFill>
+                      <a:prstDash val="solid"/>
+                      <a:round/>
+                      <a:headEnd type="none" w="med" len="med"/>
+                      <a:tailEnd type="none" w="med" len="med"/>
+                    </a:lnB>
+                  </a:tcPr>
+                </a:tc>
+              </a:tr>
+              <a:tr h="242787">
+                <a:tc>
+                  <a:txBody>
+                    <a:bodyPr/>
+                    <a:lstStyle/>
+                    <a:p>
+                      <a:pPr algn="l" fontAlgn="b"/>
+                      <a:r>
+                        <a:rPr lang="en-US" sz="1100" b="0" i="0" u="none" strike="noStrike">
+                          <a:solidFill>
+                            <a:srgbClr val="000000"/>
+                          </a:solidFill>
+                          <a:effectLst/>
+                          <a:latin typeface="Calibri" panose="020F0502020204030204" pitchFamily="34" charset="0"/>
+                        </a:rPr>
+                        <a:t>BoughtProduce</a:t>
+                      </a:r>
+                    </a:p>
+                  </a:txBody>
+                  <a:tcPr marL="9525" marR="9525" marT="9525" marB="0" anchor="b">
+                    <a:lnL w="12700" cap="flat" cmpd="sng" algn="ctr">
+                      <a:solidFill>
+                        <a:srgbClr val="44546A"/>
+                      </a:solidFill>
+                      <a:prstDash val="solid"/>
+                      <a:round/>
+                      <a:headEnd type="none" w="med" len="med"/>
+                      <a:tailEnd type="none" w="med" len="med"/>
+                    </a:lnL>
+                    <a:lnR w="6350" cap="flat" cmpd="sng" algn="ctr">
+                      <a:solidFill>
+                        <a:srgbClr val="808080"/>
+                      </a:solidFill>
+                      <a:prstDash val="solid"/>
+                      <a:round/>
+                      <a:headEnd type="none" w="med" len="med"/>
+                      <a:tailEnd type="none" w="med" len="med"/>
+                    </a:lnR>
+                    <a:lnT w="6350" cap="flat" cmpd="sng" algn="ctr">
+                      <a:solidFill>
+                        <a:srgbClr val="808080"/>
+                      </a:solidFill>
+                      <a:prstDash val="solid"/>
+                      <a:round/>
+                      <a:headEnd type="none" w="med" len="med"/>
+                      <a:tailEnd type="none" w="med" len="med"/>
+                    </a:lnT>
+                    <a:lnB w="6350" cap="flat" cmpd="sng" algn="ctr">
+                      <a:solidFill>
+                        <a:srgbClr val="808080"/>
+                      </a:solidFill>
+                      <a:prstDash val="solid"/>
+                      <a:round/>
+                      <a:headEnd type="none" w="med" len="med"/>
+                      <a:tailEnd type="none" w="med" len="med"/>
+                    </a:lnB>
+                  </a:tcPr>
+                </a:tc>
+                <a:tc>
+                  <a:txBody>
+                    <a:bodyPr/>
+                    <a:lstStyle/>
+                    <a:p>
+                      <a:pPr algn="l" fontAlgn="b"/>
+                      <a:r>
+                        <a:rPr lang="en-US" sz="1100" b="0" i="0" u="none" strike="noStrike">
+                          <a:solidFill>
+                            <a:srgbClr val="000000"/>
+                          </a:solidFill>
+                          <a:effectLst/>
+                          <a:latin typeface="Calibri" panose="020F0502020204030204" pitchFamily="34" charset="0"/>
+                        </a:rPr>
+                        <a:t>boolean</a:t>
+                      </a:r>
+                    </a:p>
+                  </a:txBody>
+                  <a:tcPr marL="9525" marR="9525" marT="9525" marB="0" anchor="b">
+                    <a:lnL w="6350" cap="flat" cmpd="sng" algn="ctr">
+                      <a:solidFill>
+                        <a:srgbClr val="808080"/>
+                      </a:solidFill>
+                      <a:prstDash val="solid"/>
+                      <a:round/>
+                      <a:headEnd type="none" w="med" len="med"/>
+                      <a:tailEnd type="none" w="med" len="med"/>
+                    </a:lnL>
+                    <a:lnR w="6350" cap="flat" cmpd="sng" algn="ctr">
+                      <a:solidFill>
+                        <a:srgbClr val="808080"/>
+                      </a:solidFill>
+                      <a:prstDash val="solid"/>
+                      <a:round/>
+                      <a:headEnd type="none" w="med" len="med"/>
+                      <a:tailEnd type="none" w="med" len="med"/>
+                    </a:lnR>
+                    <a:lnT w="6350" cap="flat" cmpd="sng" algn="ctr">
+                      <a:solidFill>
+                        <a:srgbClr val="808080"/>
+                      </a:solidFill>
+                      <a:prstDash val="solid"/>
+                      <a:round/>
+                      <a:headEnd type="none" w="med" len="med"/>
+                      <a:tailEnd type="none" w="med" len="med"/>
+                    </a:lnT>
+                    <a:lnB w="6350" cap="flat" cmpd="sng" algn="ctr">
+                      <a:solidFill>
+                        <a:srgbClr val="808080"/>
+                      </a:solidFill>
+                      <a:prstDash val="solid"/>
+                      <a:round/>
+                      <a:headEnd type="none" w="med" len="med"/>
+                      <a:tailEnd type="none" w="med" len="med"/>
+                    </a:lnB>
+                  </a:tcPr>
+                </a:tc>
+                <a:tc>
+                  <a:txBody>
+                    <a:bodyPr/>
+                    <a:lstStyle/>
+                    <a:p>
+                      <a:pPr algn="l" fontAlgn="b"/>
+                      <a:r>
+                        <a:rPr lang="en-US" sz="1100" b="0" i="0" u="none" strike="noStrike">
+                          <a:solidFill>
+                            <a:srgbClr val="000000"/>
+                          </a:solidFill>
+                          <a:effectLst/>
+                          <a:latin typeface="Calibri" panose="020F0502020204030204" pitchFamily="34" charset="0"/>
+                        </a:rPr>
+                        <a:t>True/False indicator of produce purchase</a:t>
+                      </a:r>
+                    </a:p>
+                  </a:txBody>
+                  <a:tcPr marL="9525" marR="9525" marT="9525" marB="0" anchor="b">
+                    <a:lnL w="6350" cap="flat" cmpd="sng" algn="ctr">
+                      <a:solidFill>
+                        <a:srgbClr val="808080"/>
+                      </a:solidFill>
+                      <a:prstDash val="solid"/>
+                      <a:round/>
+                      <a:headEnd type="none" w="med" len="med"/>
+                      <a:tailEnd type="none" w="med" len="med"/>
+                    </a:lnL>
+                    <a:lnR w="12700" cap="flat" cmpd="sng" algn="ctr">
+                      <a:solidFill>
+                        <a:srgbClr val="44546A"/>
+                      </a:solidFill>
+                      <a:prstDash val="solid"/>
+                      <a:round/>
+                      <a:headEnd type="none" w="med" len="med"/>
+                      <a:tailEnd type="none" w="med" len="med"/>
+                    </a:lnR>
+                    <a:lnT w="6350" cap="flat" cmpd="sng" algn="ctr">
+                      <a:solidFill>
+                        <a:srgbClr val="808080"/>
+                      </a:solidFill>
+                      <a:prstDash val="solid"/>
+                      <a:round/>
+                      <a:headEnd type="none" w="med" len="med"/>
+                      <a:tailEnd type="none" w="med" len="med"/>
+                    </a:lnT>
+                    <a:lnB w="6350" cap="flat" cmpd="sng" algn="ctr">
+                      <a:solidFill>
+                        <a:srgbClr val="808080"/>
+                      </a:solidFill>
+                      <a:prstDash val="solid"/>
+                      <a:round/>
+                      <a:headEnd type="none" w="med" len="med"/>
+                      <a:tailEnd type="none" w="med" len="med"/>
+                    </a:lnB>
+                  </a:tcPr>
+                </a:tc>
+              </a:tr>
+              <a:tr h="242787">
+                <a:tc>
+                  <a:txBody>
+                    <a:bodyPr/>
+                    <a:lstStyle/>
+                    <a:p>
+                      <a:pPr algn="l" fontAlgn="b"/>
+                      <a:r>
+                        <a:rPr lang="en-US" sz="1100" b="0" i="0" u="none" strike="noStrike">
+                          <a:solidFill>
+                            <a:srgbClr val="000000"/>
+                          </a:solidFill>
+                          <a:effectLst/>
+                          <a:latin typeface="Calibri" panose="020F0502020204030204" pitchFamily="34" charset="0"/>
+                        </a:rPr>
+                        <a:t>TicketMonthDecimal</a:t>
+                      </a:r>
+                    </a:p>
+                  </a:txBody>
+                  <a:tcPr marL="9525" marR="9525" marT="9525" marB="0" anchor="b">
+                    <a:lnL w="12700" cap="flat" cmpd="sng" algn="ctr">
+                      <a:solidFill>
+                        <a:srgbClr val="44546A"/>
+                      </a:solidFill>
+                      <a:prstDash val="solid"/>
+                      <a:round/>
+                      <a:headEnd type="none" w="med" len="med"/>
+                      <a:tailEnd type="none" w="med" len="med"/>
+                    </a:lnL>
+                    <a:lnR w="6350" cap="flat" cmpd="sng" algn="ctr">
+                      <a:solidFill>
+                        <a:srgbClr val="808080"/>
+                      </a:solidFill>
+                      <a:prstDash val="solid"/>
+                      <a:round/>
+                      <a:headEnd type="none" w="med" len="med"/>
+                      <a:tailEnd type="none" w="med" len="med"/>
+                    </a:lnR>
+                    <a:lnT w="6350" cap="flat" cmpd="sng" algn="ctr">
+                      <a:solidFill>
+                        <a:srgbClr val="808080"/>
+                      </a:solidFill>
+                      <a:prstDash val="solid"/>
+                      <a:round/>
+                      <a:headEnd type="none" w="med" len="med"/>
+                      <a:tailEnd type="none" w="med" len="med"/>
+                    </a:lnT>
+                    <a:lnB w="6350" cap="flat" cmpd="sng" algn="ctr">
+                      <a:solidFill>
+                        <a:srgbClr val="808080"/>
+                      </a:solidFill>
+                      <a:prstDash val="solid"/>
+                      <a:round/>
+                      <a:headEnd type="none" w="med" len="med"/>
+                      <a:tailEnd type="none" w="med" len="med"/>
+                    </a:lnB>
+                  </a:tcPr>
+                </a:tc>
+                <a:tc>
+                  <a:txBody>
+                    <a:bodyPr/>
+                    <a:lstStyle/>
+                    <a:p>
+                      <a:pPr algn="l" fontAlgn="b"/>
+                      <a:r>
+                        <a:rPr lang="en-US" sz="1100" b="0" i="0" u="none" strike="noStrike">
+                          <a:solidFill>
+                            <a:srgbClr val="000000"/>
+                          </a:solidFill>
+                          <a:effectLst/>
+                          <a:latin typeface="Calibri" panose="020F0502020204030204" pitchFamily="34" charset="0"/>
+                        </a:rPr>
+                        <a:t>float</a:t>
+                      </a:r>
+                    </a:p>
+                  </a:txBody>
+                  <a:tcPr marL="9525" marR="9525" marT="9525" marB="0" anchor="b">
+                    <a:lnL w="6350" cap="flat" cmpd="sng" algn="ctr">
+                      <a:solidFill>
+                        <a:srgbClr val="808080"/>
+                      </a:solidFill>
+                      <a:prstDash val="solid"/>
+                      <a:round/>
+                      <a:headEnd type="none" w="med" len="med"/>
+                      <a:tailEnd type="none" w="med" len="med"/>
+                    </a:lnL>
+                    <a:lnR w="6350" cap="flat" cmpd="sng" algn="ctr">
+                      <a:solidFill>
+                        <a:srgbClr val="808080"/>
+                      </a:solidFill>
+                      <a:prstDash val="solid"/>
+                      <a:round/>
+                      <a:headEnd type="none" w="med" len="med"/>
+                      <a:tailEnd type="none" w="med" len="med"/>
+                    </a:lnR>
+                    <a:lnT w="6350" cap="flat" cmpd="sng" algn="ctr">
+                      <a:solidFill>
+                        <a:srgbClr val="808080"/>
+                      </a:solidFill>
+                      <a:prstDash val="solid"/>
+                      <a:round/>
+                      <a:headEnd type="none" w="med" len="med"/>
+                      <a:tailEnd type="none" w="med" len="med"/>
+                    </a:lnT>
+                    <a:lnB w="6350" cap="flat" cmpd="sng" algn="ctr">
+                      <a:solidFill>
+                        <a:srgbClr val="808080"/>
+                      </a:solidFill>
+                      <a:prstDash val="solid"/>
+                      <a:round/>
+                      <a:headEnd type="none" w="med" len="med"/>
+                      <a:tailEnd type="none" w="med" len="med"/>
+                    </a:lnB>
+                  </a:tcPr>
+                </a:tc>
+                <a:tc>
+                  <a:txBody>
+                    <a:bodyPr/>
+                    <a:lstStyle/>
+                    <a:p>
+                      <a:pPr algn="l" fontAlgn="b"/>
+                      <a:r>
+                        <a:rPr lang="en-US" sz="1100" b="0" i="0" u="none" strike="noStrike">
+                          <a:solidFill>
+                            <a:srgbClr val="000000"/>
+                          </a:solidFill>
+                          <a:effectLst/>
+                          <a:latin typeface="Calibri" panose="020F0502020204030204" pitchFamily="34" charset="0"/>
+                        </a:rPr>
+                        <a:t>Decimal representation of month and day</a:t>
+                      </a:r>
+                    </a:p>
+                  </a:txBody>
+                  <a:tcPr marL="9525" marR="9525" marT="9525" marB="0" anchor="b">
+                    <a:lnL w="6350" cap="flat" cmpd="sng" algn="ctr">
+                      <a:solidFill>
+                        <a:srgbClr val="808080"/>
+                      </a:solidFill>
+                      <a:prstDash val="solid"/>
+                      <a:round/>
+                      <a:headEnd type="none" w="med" len="med"/>
+                      <a:tailEnd type="none" w="med" len="med"/>
+                    </a:lnL>
+                    <a:lnR w="12700" cap="flat" cmpd="sng" algn="ctr">
+                      <a:solidFill>
+                        <a:srgbClr val="44546A"/>
+                      </a:solidFill>
+                      <a:prstDash val="solid"/>
+                      <a:round/>
+                      <a:headEnd type="none" w="med" len="med"/>
+                      <a:tailEnd type="none" w="med" len="med"/>
+                    </a:lnR>
+                    <a:lnT w="6350" cap="flat" cmpd="sng" algn="ctr">
+                      <a:solidFill>
+                        <a:srgbClr val="808080"/>
+                      </a:solidFill>
+                      <a:prstDash val="solid"/>
+                      <a:round/>
+                      <a:headEnd type="none" w="med" len="med"/>
+                      <a:tailEnd type="none" w="med" len="med"/>
+                    </a:lnT>
+                    <a:lnB w="6350" cap="flat" cmpd="sng" algn="ctr">
+                      <a:solidFill>
+                        <a:srgbClr val="808080"/>
+                      </a:solidFill>
+                      <a:prstDash val="solid"/>
+                      <a:round/>
+                      <a:headEnd type="none" w="med" len="med"/>
+                      <a:tailEnd type="none" w="med" len="med"/>
+                    </a:lnB>
+                  </a:tcPr>
+                </a:tc>
+              </a:tr>
+              <a:tr h="242787">
+                <a:tc>
+                  <a:txBody>
+                    <a:bodyPr/>
+                    <a:lstStyle/>
+                    <a:p>
+                      <a:pPr algn="l" fontAlgn="b"/>
+                      <a:r>
+                        <a:rPr lang="en-US" sz="1100" b="0" i="0" u="none" strike="noStrike">
+                          <a:solidFill>
+                            <a:srgbClr val="000000"/>
+                          </a:solidFill>
+                          <a:effectLst/>
+                          <a:latin typeface="Calibri" panose="020F0502020204030204" pitchFamily="34" charset="0"/>
+                        </a:rPr>
+                        <a:t>WeekdayNumber</a:t>
+                      </a:r>
+                    </a:p>
+                  </a:txBody>
+                  <a:tcPr marL="9525" marR="9525" marT="9525" marB="0" anchor="b">
+                    <a:lnL w="12700" cap="flat" cmpd="sng" algn="ctr">
+                      <a:solidFill>
+                        <a:srgbClr val="44546A"/>
+                      </a:solidFill>
+                      <a:prstDash val="solid"/>
+                      <a:round/>
+                      <a:headEnd type="none" w="med" len="med"/>
+                      <a:tailEnd type="none" w="med" len="med"/>
+                    </a:lnL>
+                    <a:lnR w="6350" cap="flat" cmpd="sng" algn="ctr">
+                      <a:solidFill>
+                        <a:srgbClr val="808080"/>
+                      </a:solidFill>
+                      <a:prstDash val="solid"/>
+                      <a:round/>
+                      <a:headEnd type="none" w="med" len="med"/>
+                      <a:tailEnd type="none" w="med" len="med"/>
+                    </a:lnR>
+                    <a:lnT w="6350" cap="flat" cmpd="sng" algn="ctr">
+                      <a:solidFill>
+                        <a:srgbClr val="808080"/>
+                      </a:solidFill>
+                      <a:prstDash val="solid"/>
+                      <a:round/>
+                      <a:headEnd type="none" w="med" len="med"/>
+                      <a:tailEnd type="none" w="med" len="med"/>
+                    </a:lnT>
+                    <a:lnB w="6350" cap="flat" cmpd="sng" algn="ctr">
+                      <a:solidFill>
+                        <a:srgbClr val="808080"/>
+                      </a:solidFill>
+                      <a:prstDash val="solid"/>
+                      <a:round/>
+                      <a:headEnd type="none" w="med" len="med"/>
+                      <a:tailEnd type="none" w="med" len="med"/>
+                    </a:lnB>
+                  </a:tcPr>
+                </a:tc>
+                <a:tc>
+                  <a:txBody>
+                    <a:bodyPr/>
+                    <a:lstStyle/>
+                    <a:p>
+                      <a:pPr algn="l" fontAlgn="b"/>
+                      <a:r>
+                        <a:rPr lang="en-US" sz="1100" b="0" i="0" u="none" strike="noStrike">
+                          <a:solidFill>
+                            <a:srgbClr val="000000"/>
+                          </a:solidFill>
+                          <a:effectLst/>
+                          <a:latin typeface="Calibri" panose="020F0502020204030204" pitchFamily="34" charset="0"/>
+                        </a:rPr>
+                        <a:t>int</a:t>
+                      </a:r>
+                    </a:p>
+                  </a:txBody>
+                  <a:tcPr marL="9525" marR="9525" marT="9525" marB="0" anchor="b">
+                    <a:lnL w="6350" cap="flat" cmpd="sng" algn="ctr">
+                      <a:solidFill>
+                        <a:srgbClr val="808080"/>
+                      </a:solidFill>
+                      <a:prstDash val="solid"/>
+                      <a:round/>
+                      <a:headEnd type="none" w="med" len="med"/>
+                      <a:tailEnd type="none" w="med" len="med"/>
+                    </a:lnL>
+                    <a:lnR w="6350" cap="flat" cmpd="sng" algn="ctr">
+                      <a:solidFill>
+                        <a:srgbClr val="808080"/>
+                      </a:solidFill>
+                      <a:prstDash val="solid"/>
+                      <a:round/>
+                      <a:headEnd type="none" w="med" len="med"/>
+                      <a:tailEnd type="none" w="med" len="med"/>
+                    </a:lnR>
+                    <a:lnT w="6350" cap="flat" cmpd="sng" algn="ctr">
+                      <a:solidFill>
+                        <a:srgbClr val="808080"/>
+                      </a:solidFill>
+                      <a:prstDash val="solid"/>
+                      <a:round/>
+                      <a:headEnd type="none" w="med" len="med"/>
+                      <a:tailEnd type="none" w="med" len="med"/>
+                    </a:lnT>
+                    <a:lnB w="6350" cap="flat" cmpd="sng" algn="ctr">
+                      <a:solidFill>
+                        <a:srgbClr val="808080"/>
+                      </a:solidFill>
+                      <a:prstDash val="solid"/>
+                      <a:round/>
+                      <a:headEnd type="none" w="med" len="med"/>
+                      <a:tailEnd type="none" w="med" len="med"/>
+                    </a:lnB>
+                  </a:tcPr>
+                </a:tc>
+                <a:tc>
+                  <a:txBody>
+                    <a:bodyPr/>
+                    <a:lstStyle/>
+                    <a:p>
+                      <a:pPr algn="l" fontAlgn="b"/>
+                      <a:r>
+                        <a:rPr lang="en-US" sz="1100" b="0" i="0" u="none" strike="noStrike">
+                          <a:solidFill>
+                            <a:srgbClr val="000000"/>
+                          </a:solidFill>
+                          <a:effectLst/>
+                          <a:latin typeface="Calibri" panose="020F0502020204030204" pitchFamily="34" charset="0"/>
+                        </a:rPr>
+                        <a:t>Weekday number, Monday=1</a:t>
+                      </a:r>
+                    </a:p>
+                  </a:txBody>
+                  <a:tcPr marL="9525" marR="9525" marT="9525" marB="0" anchor="b">
+                    <a:lnL w="6350" cap="flat" cmpd="sng" algn="ctr">
+                      <a:solidFill>
+                        <a:srgbClr val="808080"/>
+                      </a:solidFill>
+                      <a:prstDash val="solid"/>
+                      <a:round/>
+                      <a:headEnd type="none" w="med" len="med"/>
+                      <a:tailEnd type="none" w="med" len="med"/>
+                    </a:lnL>
+                    <a:lnR w="12700" cap="flat" cmpd="sng" algn="ctr">
+                      <a:solidFill>
+                        <a:srgbClr val="44546A"/>
+                      </a:solidFill>
+                      <a:prstDash val="solid"/>
+                      <a:round/>
+                      <a:headEnd type="none" w="med" len="med"/>
+                      <a:tailEnd type="none" w="med" len="med"/>
+                    </a:lnR>
+                    <a:lnT w="6350" cap="flat" cmpd="sng" algn="ctr">
+                      <a:solidFill>
+                        <a:srgbClr val="808080"/>
+                      </a:solidFill>
+                      <a:prstDash val="solid"/>
+                      <a:round/>
+                      <a:headEnd type="none" w="med" len="med"/>
+                      <a:tailEnd type="none" w="med" len="med"/>
+                    </a:lnT>
+                    <a:lnB w="6350" cap="flat" cmpd="sng" algn="ctr">
+                      <a:solidFill>
+                        <a:srgbClr val="808080"/>
+                      </a:solidFill>
+                      <a:prstDash val="solid"/>
+                      <a:round/>
+                      <a:headEnd type="none" w="med" len="med"/>
+                      <a:tailEnd type="none" w="med" len="med"/>
+                    </a:lnB>
+                  </a:tcPr>
+                </a:tc>
+              </a:tr>
+              <a:tr h="242787">
+                <a:tc>
+                  <a:txBody>
+                    <a:bodyPr/>
+                    <a:lstStyle/>
+                    <a:p>
+                      <a:pPr algn="l" fontAlgn="b"/>
+                      <a:r>
+                        <a:rPr lang="en-US" sz="1100" b="0" i="0" u="none" strike="noStrike">
+                          <a:solidFill>
+                            <a:srgbClr val="000000"/>
+                          </a:solidFill>
+                          <a:effectLst/>
+                          <a:latin typeface="Calibri" panose="020F0502020204030204" pitchFamily="34" charset="0"/>
+                        </a:rPr>
+                        <a:t>IsFrontEnd</a:t>
+                      </a:r>
+                    </a:p>
+                  </a:txBody>
+                  <a:tcPr marL="9525" marR="9525" marT="9525" marB="0" anchor="b">
+                    <a:lnL w="12700" cap="flat" cmpd="sng" algn="ctr">
+                      <a:solidFill>
+                        <a:srgbClr val="44546A"/>
+                      </a:solidFill>
+                      <a:prstDash val="solid"/>
+                      <a:round/>
+                      <a:headEnd type="none" w="med" len="med"/>
+                      <a:tailEnd type="none" w="med" len="med"/>
+                    </a:lnL>
+                    <a:lnR w="6350" cap="flat" cmpd="sng" algn="ctr">
+                      <a:solidFill>
+                        <a:srgbClr val="808080"/>
+                      </a:solidFill>
+                      <a:prstDash val="solid"/>
+                      <a:round/>
+                      <a:headEnd type="none" w="med" len="med"/>
+                      <a:tailEnd type="none" w="med" len="med"/>
+                    </a:lnR>
+                    <a:lnT w="6350" cap="flat" cmpd="sng" algn="ctr">
+                      <a:solidFill>
+                        <a:srgbClr val="808080"/>
+                      </a:solidFill>
+                      <a:prstDash val="solid"/>
+                      <a:round/>
+                      <a:headEnd type="none" w="med" len="med"/>
+                      <a:tailEnd type="none" w="med" len="med"/>
+                    </a:lnT>
+                    <a:lnB w="6350" cap="flat" cmpd="sng" algn="ctr">
+                      <a:solidFill>
+                        <a:srgbClr val="808080"/>
+                      </a:solidFill>
+                      <a:prstDash val="solid"/>
+                      <a:round/>
+                      <a:headEnd type="none" w="med" len="med"/>
+                      <a:tailEnd type="none" w="med" len="med"/>
+                    </a:lnB>
+                  </a:tcPr>
+                </a:tc>
+                <a:tc>
+                  <a:txBody>
+                    <a:bodyPr/>
+                    <a:lstStyle/>
+                    <a:p>
+                      <a:pPr algn="l" fontAlgn="b"/>
+                      <a:r>
+                        <a:rPr lang="en-US" sz="1100" b="0" i="0" u="none" strike="noStrike">
+                          <a:solidFill>
+                            <a:srgbClr val="000000"/>
+                          </a:solidFill>
+                          <a:effectLst/>
+                          <a:latin typeface="Calibri" panose="020F0502020204030204" pitchFamily="34" charset="0"/>
+                        </a:rPr>
+                        <a:t>boolean</a:t>
+                      </a:r>
+                    </a:p>
+                  </a:txBody>
+                  <a:tcPr marL="9525" marR="9525" marT="9525" marB="0" anchor="b">
+                    <a:lnL w="6350" cap="flat" cmpd="sng" algn="ctr">
+                      <a:solidFill>
+                        <a:srgbClr val="808080"/>
+                      </a:solidFill>
+                      <a:prstDash val="solid"/>
+                      <a:round/>
+                      <a:headEnd type="none" w="med" len="med"/>
+                      <a:tailEnd type="none" w="med" len="med"/>
+                    </a:lnL>
+                    <a:lnR w="6350" cap="flat" cmpd="sng" algn="ctr">
+                      <a:solidFill>
+                        <a:srgbClr val="808080"/>
+                      </a:solidFill>
+                      <a:prstDash val="solid"/>
+                      <a:round/>
+                      <a:headEnd type="none" w="med" len="med"/>
+                      <a:tailEnd type="none" w="med" len="med"/>
+                    </a:lnR>
+                    <a:lnT w="6350" cap="flat" cmpd="sng" algn="ctr">
+                      <a:solidFill>
+                        <a:srgbClr val="808080"/>
+                      </a:solidFill>
+                      <a:prstDash val="solid"/>
+                      <a:round/>
+                      <a:headEnd type="none" w="med" len="med"/>
+                      <a:tailEnd type="none" w="med" len="med"/>
+                    </a:lnT>
+                    <a:lnB w="6350" cap="flat" cmpd="sng" algn="ctr">
+                      <a:solidFill>
+                        <a:srgbClr val="808080"/>
+                      </a:solidFill>
+                      <a:prstDash val="solid"/>
+                      <a:round/>
+                      <a:headEnd type="none" w="med" len="med"/>
+                      <a:tailEnd type="none" w="med" len="med"/>
+                    </a:lnB>
+                  </a:tcPr>
+                </a:tc>
+                <a:tc>
+                  <a:txBody>
+                    <a:bodyPr/>
+                    <a:lstStyle/>
+                    <a:p>
+                      <a:pPr algn="l" fontAlgn="b"/>
+                      <a:r>
+                        <a:rPr lang="en-US" sz="1100" b="0" i="0" u="none" strike="noStrike">
+                          <a:solidFill>
+                            <a:srgbClr val="000000"/>
+                          </a:solidFill>
+                          <a:effectLst/>
+                          <a:latin typeface="Calibri" panose="020F0502020204030204" pitchFamily="34" charset="0"/>
+                        </a:rPr>
+                        <a:t>True/False indicator that customer used main exit</a:t>
+                      </a:r>
+                    </a:p>
+                  </a:txBody>
+                  <a:tcPr marL="9525" marR="9525" marT="9525" marB="0" anchor="b">
+                    <a:lnL w="6350" cap="flat" cmpd="sng" algn="ctr">
+                      <a:solidFill>
+                        <a:srgbClr val="808080"/>
+                      </a:solidFill>
+                      <a:prstDash val="solid"/>
+                      <a:round/>
+                      <a:headEnd type="none" w="med" len="med"/>
+                      <a:tailEnd type="none" w="med" len="med"/>
+                    </a:lnL>
+                    <a:lnR w="12700" cap="flat" cmpd="sng" algn="ctr">
+                      <a:solidFill>
+                        <a:srgbClr val="44546A"/>
+                      </a:solidFill>
+                      <a:prstDash val="solid"/>
+                      <a:round/>
+                      <a:headEnd type="none" w="med" len="med"/>
+                      <a:tailEnd type="none" w="med" len="med"/>
+                    </a:lnR>
+                    <a:lnT w="6350" cap="flat" cmpd="sng" algn="ctr">
+                      <a:solidFill>
+                        <a:srgbClr val="808080"/>
+                      </a:solidFill>
+                      <a:prstDash val="solid"/>
+                      <a:round/>
+                      <a:headEnd type="none" w="med" len="med"/>
+                      <a:tailEnd type="none" w="med" len="med"/>
+                    </a:lnT>
+                    <a:lnB w="6350" cap="flat" cmpd="sng" algn="ctr">
+                      <a:solidFill>
+                        <a:srgbClr val="808080"/>
+                      </a:solidFill>
+                      <a:prstDash val="solid"/>
+                      <a:round/>
+                      <a:headEnd type="none" w="med" len="med"/>
+                      <a:tailEnd type="none" w="med" len="med"/>
+                    </a:lnB>
+                  </a:tcPr>
+                </a:tc>
+              </a:tr>
+              <a:tr h="254925">
+                <a:tc>
+                  <a:txBody>
+                    <a:bodyPr/>
+                    <a:lstStyle/>
+                    <a:p>
+                      <a:pPr algn="l" fontAlgn="b"/>
+                      <a:r>
+                        <a:rPr lang="en-US" sz="1100" b="0" i="0" u="none" strike="noStrike">
+                          <a:solidFill>
+                            <a:srgbClr val="000000"/>
+                          </a:solidFill>
+                          <a:effectLst/>
+                          <a:latin typeface="Calibri" panose="020F0502020204030204" pitchFamily="34" charset="0"/>
+                        </a:rPr>
+                        <a:t>WillReturn</a:t>
+                      </a:r>
+                    </a:p>
+                  </a:txBody>
+                  <a:tcPr marL="9525" marR="9525" marT="9525" marB="0" anchor="b">
+                    <a:lnL w="12700" cap="flat" cmpd="sng" algn="ctr">
+                      <a:solidFill>
+                        <a:srgbClr val="44546A"/>
+                      </a:solidFill>
+                      <a:prstDash val="solid"/>
+                      <a:round/>
+                      <a:headEnd type="none" w="med" len="med"/>
+                      <a:tailEnd type="none" w="med" len="med"/>
+                    </a:lnL>
+                    <a:lnR w="6350" cap="flat" cmpd="sng" algn="ctr">
+                      <a:solidFill>
+                        <a:srgbClr val="808080"/>
+                      </a:solidFill>
+                      <a:prstDash val="solid"/>
+                      <a:round/>
+                      <a:headEnd type="none" w="med" len="med"/>
+                      <a:tailEnd type="none" w="med" len="med"/>
+                    </a:lnR>
+                    <a:lnT w="6350" cap="flat" cmpd="sng" algn="ctr">
+                      <a:solidFill>
+                        <a:srgbClr val="808080"/>
+                      </a:solidFill>
+                      <a:prstDash val="solid"/>
+                      <a:round/>
+                      <a:headEnd type="none" w="med" len="med"/>
+                      <a:tailEnd type="none" w="med" len="med"/>
+                    </a:lnT>
+                    <a:lnB w="12700" cap="flat" cmpd="sng" algn="ctr">
+                      <a:solidFill>
+                        <a:srgbClr val="44546A"/>
+                      </a:solidFill>
+                      <a:prstDash val="solid"/>
+                      <a:round/>
+                      <a:headEnd type="none" w="med" len="med"/>
+                      <a:tailEnd type="none" w="med" len="med"/>
+                    </a:lnB>
+                  </a:tcPr>
+                </a:tc>
+                <a:tc>
+                  <a:txBody>
+                    <a:bodyPr/>
+                    <a:lstStyle/>
+                    <a:p>
+                      <a:pPr algn="l" fontAlgn="b"/>
+                      <a:r>
+                        <a:rPr lang="en-US" sz="1100" b="0" i="0" u="none" strike="noStrike">
+                          <a:solidFill>
+                            <a:srgbClr val="000000"/>
+                          </a:solidFill>
+                          <a:effectLst/>
+                          <a:latin typeface="Calibri" panose="020F0502020204030204" pitchFamily="34" charset="0"/>
+                        </a:rPr>
+                        <a:t>boolean</a:t>
+                      </a:r>
+                    </a:p>
+                  </a:txBody>
+                  <a:tcPr marL="9525" marR="9525" marT="9525" marB="0" anchor="b">
+                    <a:lnL w="6350" cap="flat" cmpd="sng" algn="ctr">
+                      <a:solidFill>
+                        <a:srgbClr val="808080"/>
+                      </a:solidFill>
+                      <a:prstDash val="solid"/>
+                      <a:round/>
+                      <a:headEnd type="none" w="med" len="med"/>
+                      <a:tailEnd type="none" w="med" len="med"/>
+                    </a:lnL>
+                    <a:lnR w="6350" cap="flat" cmpd="sng" algn="ctr">
+                      <a:solidFill>
+                        <a:srgbClr val="808080"/>
+                      </a:solidFill>
+                      <a:prstDash val="solid"/>
+                      <a:round/>
+                      <a:headEnd type="none" w="med" len="med"/>
+                      <a:tailEnd type="none" w="med" len="med"/>
+                    </a:lnR>
+                    <a:lnT w="6350" cap="flat" cmpd="sng" algn="ctr">
+                      <a:solidFill>
+                        <a:srgbClr val="808080"/>
+                      </a:solidFill>
+                      <a:prstDash val="solid"/>
+                      <a:round/>
+                      <a:headEnd type="none" w="med" len="med"/>
+                      <a:tailEnd type="none" w="med" len="med"/>
+                    </a:lnT>
+                    <a:lnB w="12700" cap="flat" cmpd="sng" algn="ctr">
+                      <a:solidFill>
+                        <a:srgbClr val="44546A"/>
+                      </a:solidFill>
+                      <a:prstDash val="solid"/>
+                      <a:round/>
+                      <a:headEnd type="none" w="med" len="med"/>
+                      <a:tailEnd type="none" w="med" len="med"/>
+                    </a:lnB>
+                  </a:tcPr>
+                </a:tc>
+                <a:tc>
+                  <a:txBody>
+                    <a:bodyPr/>
+                    <a:lstStyle/>
+                    <a:p>
+                      <a:pPr algn="l" fontAlgn="b"/>
+                      <a:r>
+                        <a:rPr lang="en-US" sz="1100" b="0" i="0" u="none" strike="noStrike" dirty="0">
+                          <a:solidFill>
+                            <a:srgbClr val="000000"/>
+                          </a:solidFill>
+                          <a:effectLst/>
+                          <a:latin typeface="Calibri" panose="020F0502020204030204" pitchFamily="34" charset="0"/>
+                        </a:rPr>
+                        <a:t>True/False prediction class for repeat visit</a:t>
+                      </a:r>
+                    </a:p>
+                  </a:txBody>
+                  <a:tcPr marL="9525" marR="9525" marT="9525" marB="0" anchor="b">
+                    <a:lnL w="6350" cap="flat" cmpd="sng" algn="ctr">
+                      <a:solidFill>
+                        <a:srgbClr val="808080"/>
+                      </a:solidFill>
+                      <a:prstDash val="solid"/>
+                      <a:round/>
+                      <a:headEnd type="none" w="med" len="med"/>
+                      <a:tailEnd type="none" w="med" len="med"/>
+                    </a:lnL>
+                    <a:lnR w="12700" cap="flat" cmpd="sng" algn="ctr">
+                      <a:solidFill>
+                        <a:srgbClr val="44546A"/>
+                      </a:solidFill>
+                      <a:prstDash val="solid"/>
+                      <a:round/>
+                      <a:headEnd type="none" w="med" len="med"/>
+                      <a:tailEnd type="none" w="med" len="med"/>
+                    </a:lnR>
+                    <a:lnT w="6350" cap="flat" cmpd="sng" algn="ctr">
+                      <a:solidFill>
+                        <a:srgbClr val="808080"/>
+                      </a:solidFill>
+                      <a:prstDash val="solid"/>
+                      <a:round/>
+                      <a:headEnd type="none" w="med" len="med"/>
+                      <a:tailEnd type="none" w="med" len="med"/>
+                    </a:lnT>
+                    <a:lnB w="12700" cap="flat" cmpd="sng" algn="ctr">
+                      <a:solidFill>
+                        <a:srgbClr val="44546A"/>
+                      </a:solidFill>
+                      <a:prstDash val="solid"/>
+                      <a:round/>
+                      <a:headEnd type="none" w="med" len="med"/>
+                      <a:tailEnd type="none" w="med" len="med"/>
+                    </a:lnB>
+                  </a:tcPr>
+                </a:tc>
+              </a:tr>
+            </a:tbl>
+          </a:graphicData>
+        </a:graphic>
+      </p:graphicFrame>
+      <p:graphicFrame>
+        <p:nvGraphicFramePr>
+          <p:cNvPr id="10" name="Diagram 9"/>
+          <p:cNvGraphicFramePr/>
+          <p:nvPr>
+            <p:extLst>
+              <p:ext uri="{D42A27DB-BD31-4B8C-83A1-F6EECF244321}">
+                <p14:modId xmlns:p14="http://schemas.microsoft.com/office/powerpoint/2010/main" val="98468626"/>
+              </p:ext>
+            </p:extLst>
+          </p:nvPr>
+        </p:nvGraphicFramePr>
+        <p:xfrm>
+          <a:off x="2604477" y="6389076"/>
+          <a:ext cx="6983046" cy="440917"/>
+        </p:xfrm>
+        <a:graphic>
+          <a:graphicData uri="http://schemas.openxmlformats.org/drawingml/2006/diagram">
+            <dgm:relIds xmlns:dgm="http://schemas.openxmlformats.org/drawingml/2006/diagram" xmlns:r="http://schemas.openxmlformats.org/officeDocument/2006/relationships" r:dm="rId2" r:lo="rId3" r:qs="rId4" r:cs="rId5"/>
+          </a:graphicData>
+        </a:graphic>
+      </p:graphicFrame>
+    </p:spTree>
+    <p:extLst>
+      <p:ext uri="{BB962C8B-B14F-4D97-AF65-F5344CB8AC3E}">
+        <p14:creationId xmlns:p14="http://schemas.microsoft.com/office/powerpoint/2010/main" val="2636448497"/>
+      </p:ext>
+    </p:extLst>
+  </p:cSld>
+  <p:clrMapOvr>
+    <a:masterClrMapping/>
+  </p:clrMapOvr>
+</p:sld>
+</file>
+
+<file path=ppt/slides/slide6.xml><?xml version="1.0" encoding="utf-8"?>
 <p:sld xmlns:a="http://schemas.openxmlformats.org/drawingml/2006/main" xmlns:r="http://schemas.openxmlformats.org/officeDocument/2006/relationships" xmlns:p="http://schemas.openxmlformats.org/presentationml/2006/main">
   <p:cSld>
     <p:spTree>
@@ -25366,105 +32054,105 @@
                 <a:gridCol w="713976">
                   <a:extLst>
                     <a:ext uri="{9D8B030D-6E8A-4147-A177-3AD203B41FA5}">
-                      <a16:colId xmlns:a16="http://schemas.microsoft.com/office/drawing/2014/main" val="1223064837"/>
+                      <a16:colId xmlns:a16="http://schemas.microsoft.com/office/drawing/2014/main" xmlns="" val="1223064837"/>
                     </a:ext>
                   </a:extLst>
                 </a:gridCol>
                 <a:gridCol w="713976">
                   <a:extLst>
                     <a:ext uri="{9D8B030D-6E8A-4147-A177-3AD203B41FA5}">
-                      <a16:colId xmlns:a16="http://schemas.microsoft.com/office/drawing/2014/main" val="2180219578"/>
+                      <a16:colId xmlns:a16="http://schemas.microsoft.com/office/drawing/2014/main" xmlns="" val="2180219578"/>
                     </a:ext>
                   </a:extLst>
                 </a:gridCol>
                 <a:gridCol w="713976">
                   <a:extLst>
                     <a:ext uri="{9D8B030D-6E8A-4147-A177-3AD203B41FA5}">
-                      <a16:colId xmlns:a16="http://schemas.microsoft.com/office/drawing/2014/main" val="763376622"/>
+                      <a16:colId xmlns:a16="http://schemas.microsoft.com/office/drawing/2014/main" xmlns="" val="763376622"/>
                     </a:ext>
                   </a:extLst>
                 </a:gridCol>
                 <a:gridCol w="713976">
                   <a:extLst>
                     <a:ext uri="{9D8B030D-6E8A-4147-A177-3AD203B41FA5}">
-                      <a16:colId xmlns:a16="http://schemas.microsoft.com/office/drawing/2014/main" val="4137848168"/>
+                      <a16:colId xmlns:a16="http://schemas.microsoft.com/office/drawing/2014/main" xmlns="" val="4137848168"/>
                     </a:ext>
                   </a:extLst>
                 </a:gridCol>
                 <a:gridCol w="713976">
                   <a:extLst>
                     <a:ext uri="{9D8B030D-6E8A-4147-A177-3AD203B41FA5}">
-                      <a16:colId xmlns:a16="http://schemas.microsoft.com/office/drawing/2014/main" val="2689394840"/>
+                      <a16:colId xmlns:a16="http://schemas.microsoft.com/office/drawing/2014/main" xmlns="" val="2689394840"/>
                     </a:ext>
                   </a:extLst>
                 </a:gridCol>
                 <a:gridCol w="713976">
                   <a:extLst>
                     <a:ext uri="{9D8B030D-6E8A-4147-A177-3AD203B41FA5}">
-                      <a16:colId xmlns:a16="http://schemas.microsoft.com/office/drawing/2014/main" val="2987396605"/>
+                      <a16:colId xmlns:a16="http://schemas.microsoft.com/office/drawing/2014/main" xmlns="" val="2987396605"/>
                     </a:ext>
                   </a:extLst>
                 </a:gridCol>
                 <a:gridCol w="713976">
                   <a:extLst>
                     <a:ext uri="{9D8B030D-6E8A-4147-A177-3AD203B41FA5}">
-                      <a16:colId xmlns:a16="http://schemas.microsoft.com/office/drawing/2014/main" val="2072199914"/>
+                      <a16:colId xmlns:a16="http://schemas.microsoft.com/office/drawing/2014/main" xmlns="" val="2072199914"/>
                     </a:ext>
                   </a:extLst>
                 </a:gridCol>
                 <a:gridCol w="713976">
                   <a:extLst>
                     <a:ext uri="{9D8B030D-6E8A-4147-A177-3AD203B41FA5}">
-                      <a16:colId xmlns:a16="http://schemas.microsoft.com/office/drawing/2014/main" val="1722339279"/>
+                      <a16:colId xmlns:a16="http://schemas.microsoft.com/office/drawing/2014/main" xmlns="" val="1722339279"/>
                     </a:ext>
                   </a:extLst>
                 </a:gridCol>
                 <a:gridCol w="713976">
                   <a:extLst>
                     <a:ext uri="{9D8B030D-6E8A-4147-A177-3AD203B41FA5}">
-                      <a16:colId xmlns:a16="http://schemas.microsoft.com/office/drawing/2014/main" val="1818623125"/>
+                      <a16:colId xmlns:a16="http://schemas.microsoft.com/office/drawing/2014/main" xmlns="" val="1818623125"/>
                     </a:ext>
                   </a:extLst>
                 </a:gridCol>
                 <a:gridCol w="713976">
                   <a:extLst>
                     <a:ext uri="{9D8B030D-6E8A-4147-A177-3AD203B41FA5}">
-                      <a16:colId xmlns:a16="http://schemas.microsoft.com/office/drawing/2014/main" val="893660732"/>
+                      <a16:colId xmlns:a16="http://schemas.microsoft.com/office/drawing/2014/main" xmlns="" val="893660732"/>
                     </a:ext>
                   </a:extLst>
                 </a:gridCol>
                 <a:gridCol w="713976">
                   <a:extLst>
                     <a:ext uri="{9D8B030D-6E8A-4147-A177-3AD203B41FA5}">
-                      <a16:colId xmlns:a16="http://schemas.microsoft.com/office/drawing/2014/main" val="122734066"/>
+                      <a16:colId xmlns:a16="http://schemas.microsoft.com/office/drawing/2014/main" xmlns="" val="122734066"/>
                     </a:ext>
                   </a:extLst>
                 </a:gridCol>
                 <a:gridCol w="713976">
                   <a:extLst>
                     <a:ext uri="{9D8B030D-6E8A-4147-A177-3AD203B41FA5}">
-                      <a16:colId xmlns:a16="http://schemas.microsoft.com/office/drawing/2014/main" val="2786227422"/>
+                      <a16:colId xmlns:a16="http://schemas.microsoft.com/office/drawing/2014/main" xmlns="" val="2786227422"/>
                     </a:ext>
                   </a:extLst>
                 </a:gridCol>
                 <a:gridCol w="713976">
                   <a:extLst>
                     <a:ext uri="{9D8B030D-6E8A-4147-A177-3AD203B41FA5}">
-                      <a16:colId xmlns:a16="http://schemas.microsoft.com/office/drawing/2014/main" val="2747609446"/>
+                      <a16:colId xmlns:a16="http://schemas.microsoft.com/office/drawing/2014/main" xmlns="" val="2747609446"/>
                     </a:ext>
                   </a:extLst>
                 </a:gridCol>
                 <a:gridCol w="713976">
                   <a:extLst>
                     <a:ext uri="{9D8B030D-6E8A-4147-A177-3AD203B41FA5}">
-                      <a16:colId xmlns:a16="http://schemas.microsoft.com/office/drawing/2014/main" val="987742732"/>
+                      <a16:colId xmlns:a16="http://schemas.microsoft.com/office/drawing/2014/main" xmlns="" val="987742732"/>
                     </a:ext>
                   </a:extLst>
                 </a:gridCol>
                 <a:gridCol w="1463650">
                   <a:extLst>
                     <a:ext uri="{9D8B030D-6E8A-4147-A177-3AD203B41FA5}">
-                      <a16:colId xmlns:a16="http://schemas.microsoft.com/office/drawing/2014/main" val="2194214879"/>
+                      <a16:colId xmlns:a16="http://schemas.microsoft.com/office/drawing/2014/main" xmlns="" val="2194214879"/>
                     </a:ext>
                   </a:extLst>
                 </a:gridCol>
@@ -26444,7 +33132,7 @@
                 </a:tc>
                 <a:extLst>
                   <a:ext uri="{0D108BD9-81ED-4DB2-BD59-A6C34878D82A}">
-                    <a16:rowId xmlns:a16="http://schemas.microsoft.com/office/drawing/2014/main" val="177139501"/>
+                    <a16:rowId xmlns:a16="http://schemas.microsoft.com/office/drawing/2014/main" xmlns="" val="177139501"/>
                   </a:ext>
                 </a:extLst>
               </a:tr>
@@ -27198,7 +33886,7 @@
                     <a:p>
                       <a:pPr algn="l" fontAlgn="ctr"/>
                       <a:r>
-                        <a:rPr lang="en-US" sz="1000">
+                        <a:rPr lang="en-US" sz="1000" dirty="0">
                           <a:effectLst/>
                         </a:rPr>
                         <a:t>True</a:t>
@@ -27246,7 +33934,7 @@
                 </a:tc>
                 <a:extLst>
                   <a:ext uri="{0D108BD9-81ED-4DB2-BD59-A6C34878D82A}">
-                    <a16:rowId xmlns:a16="http://schemas.microsoft.com/office/drawing/2014/main" val="506640728"/>
+                    <a16:rowId xmlns:a16="http://schemas.microsoft.com/office/drawing/2014/main" xmlns="" val="506640728"/>
                   </a:ext>
                 </a:extLst>
               </a:tr>
@@ -28048,7 +34736,7 @@
                 </a:tc>
                 <a:extLst>
                   <a:ext uri="{0D108BD9-81ED-4DB2-BD59-A6C34878D82A}">
-                    <a16:rowId xmlns:a16="http://schemas.microsoft.com/office/drawing/2014/main" val="2519664732"/>
+                    <a16:rowId xmlns:a16="http://schemas.microsoft.com/office/drawing/2014/main" xmlns="" val="2519664732"/>
                   </a:ext>
                 </a:extLst>
               </a:tr>
@@ -28850,7 +35538,7 @@
                 </a:tc>
                 <a:extLst>
                   <a:ext uri="{0D108BD9-81ED-4DB2-BD59-A6C34878D82A}">
-                    <a16:rowId xmlns:a16="http://schemas.microsoft.com/office/drawing/2014/main" val="856876414"/>
+                    <a16:rowId xmlns:a16="http://schemas.microsoft.com/office/drawing/2014/main" xmlns="" val="856876414"/>
                   </a:ext>
                 </a:extLst>
               </a:tr>
@@ -29652,7 +36340,7 @@
                 </a:tc>
                 <a:extLst>
                   <a:ext uri="{0D108BD9-81ED-4DB2-BD59-A6C34878D82A}">
-                    <a16:rowId xmlns:a16="http://schemas.microsoft.com/office/drawing/2014/main" val="1390996261"/>
+                    <a16:rowId xmlns:a16="http://schemas.microsoft.com/office/drawing/2014/main" xmlns="" val="1390996261"/>
                   </a:ext>
                 </a:extLst>
               </a:tr>
@@ -30454,7 +37142,7 @@
                 </a:tc>
                 <a:extLst>
                   <a:ext uri="{0D108BD9-81ED-4DB2-BD59-A6C34878D82A}">
-                    <a16:rowId xmlns:a16="http://schemas.microsoft.com/office/drawing/2014/main" val="2465874752"/>
+                    <a16:rowId xmlns:a16="http://schemas.microsoft.com/office/drawing/2014/main" xmlns="" val="2465874752"/>
                   </a:ext>
                 </a:extLst>
               </a:tr>
@@ -30497,7 +37185,7 @@
 </p:sld>
 </file>
 
-<file path=ppt/slides/slide6.xml><?xml version="1.0" encoding="utf-8"?>
+<file path=ppt/slides/slide7.xml><?xml version="1.0" encoding="utf-8"?>
 <p:sld xmlns:a="http://schemas.openxmlformats.org/drawingml/2006/main" xmlns:r="http://schemas.openxmlformats.org/officeDocument/2006/relationships" xmlns:p="http://schemas.openxmlformats.org/presentationml/2006/main">
   <p:cSld>
     <p:spTree>
@@ -30562,35 +37250,35 @@
                 <a:gridCol w="1872938">
                   <a:extLst>
                     <a:ext uri="{9D8B030D-6E8A-4147-A177-3AD203B41FA5}">
-                      <a16:colId xmlns:a16="http://schemas.microsoft.com/office/drawing/2014/main" val="326786630"/>
+                      <a16:colId xmlns:a16="http://schemas.microsoft.com/office/drawing/2014/main" xmlns="" val="326786630"/>
                     </a:ext>
                   </a:extLst>
                 </a:gridCol>
                 <a:gridCol w="1160585">
                   <a:extLst>
                     <a:ext uri="{9D8B030D-6E8A-4147-A177-3AD203B41FA5}">
-                      <a16:colId xmlns:a16="http://schemas.microsoft.com/office/drawing/2014/main" val="3161792614"/>
+                      <a16:colId xmlns:a16="http://schemas.microsoft.com/office/drawing/2014/main" xmlns="" val="3161792614"/>
                     </a:ext>
                   </a:extLst>
                 </a:gridCol>
                 <a:gridCol w="984738">
                   <a:extLst>
                     <a:ext uri="{9D8B030D-6E8A-4147-A177-3AD203B41FA5}">
-                      <a16:colId xmlns:a16="http://schemas.microsoft.com/office/drawing/2014/main" val="1462783539"/>
+                      <a16:colId xmlns:a16="http://schemas.microsoft.com/office/drawing/2014/main" xmlns="" val="1462783539"/>
                     </a:ext>
                   </a:extLst>
                 </a:gridCol>
                 <a:gridCol w="1031631">
                   <a:extLst>
                     <a:ext uri="{9D8B030D-6E8A-4147-A177-3AD203B41FA5}">
-                      <a16:colId xmlns:a16="http://schemas.microsoft.com/office/drawing/2014/main" val="985156416"/>
+                      <a16:colId xmlns:a16="http://schemas.microsoft.com/office/drawing/2014/main" xmlns="" val="985156416"/>
                     </a:ext>
                   </a:extLst>
                 </a:gridCol>
                 <a:gridCol w="1207477">
                   <a:extLst>
                     <a:ext uri="{9D8B030D-6E8A-4147-A177-3AD203B41FA5}">
-                      <a16:colId xmlns:a16="http://schemas.microsoft.com/office/drawing/2014/main" val="294264546"/>
+                      <a16:colId xmlns:a16="http://schemas.microsoft.com/office/drawing/2014/main" xmlns="" val="294264546"/>
                     </a:ext>
                   </a:extLst>
                 </a:gridCol>
@@ -30869,7 +37557,7 @@
                 </a:tc>
                 <a:extLst>
                   <a:ext uri="{0D108BD9-81ED-4DB2-BD59-A6C34878D82A}">
-                    <a16:rowId xmlns:a16="http://schemas.microsoft.com/office/drawing/2014/main" val="953419377"/>
+                    <a16:rowId xmlns:a16="http://schemas.microsoft.com/office/drawing/2014/main" xmlns="" val="953419377"/>
                   </a:ext>
                 </a:extLst>
               </a:tr>
@@ -31162,7 +37850,7 @@
                 </a:tc>
                 <a:extLst>
                   <a:ext uri="{0D108BD9-81ED-4DB2-BD59-A6C34878D82A}">
-                    <a16:rowId xmlns:a16="http://schemas.microsoft.com/office/drawing/2014/main" val="2744839385"/>
+                    <a16:rowId xmlns:a16="http://schemas.microsoft.com/office/drawing/2014/main" xmlns="" val="2744839385"/>
                   </a:ext>
                 </a:extLst>
               </a:tr>
@@ -31455,7 +38143,7 @@
                 </a:tc>
                 <a:extLst>
                   <a:ext uri="{0D108BD9-81ED-4DB2-BD59-A6C34878D82A}">
-                    <a16:rowId xmlns:a16="http://schemas.microsoft.com/office/drawing/2014/main" val="3748110899"/>
+                    <a16:rowId xmlns:a16="http://schemas.microsoft.com/office/drawing/2014/main" xmlns="" val="3748110899"/>
                   </a:ext>
                 </a:extLst>
               </a:tr>
@@ -31748,7 +38436,7 @@
                 </a:tc>
                 <a:extLst>
                   <a:ext uri="{0D108BD9-81ED-4DB2-BD59-A6C34878D82A}">
-                    <a16:rowId xmlns:a16="http://schemas.microsoft.com/office/drawing/2014/main" val="141198711"/>
+                    <a16:rowId xmlns:a16="http://schemas.microsoft.com/office/drawing/2014/main" xmlns="" val="141198711"/>
                   </a:ext>
                 </a:extLst>
               </a:tr>
@@ -32038,7 +38726,7 @@
                 </a:tc>
                 <a:extLst>
                   <a:ext uri="{0D108BD9-81ED-4DB2-BD59-A6C34878D82A}">
-                    <a16:rowId xmlns:a16="http://schemas.microsoft.com/office/drawing/2014/main" val="1951279974"/>
+                    <a16:rowId xmlns:a16="http://schemas.microsoft.com/office/drawing/2014/main" xmlns="" val="1951279974"/>
                   </a:ext>
                 </a:extLst>
               </a:tr>
@@ -32328,7 +39016,7 @@
                 </a:tc>
                 <a:extLst>
                   <a:ext uri="{0D108BD9-81ED-4DB2-BD59-A6C34878D82A}">
-                    <a16:rowId xmlns:a16="http://schemas.microsoft.com/office/drawing/2014/main" val="452715058"/>
+                    <a16:rowId xmlns:a16="http://schemas.microsoft.com/office/drawing/2014/main" xmlns="" val="452715058"/>
                   </a:ext>
                 </a:extLst>
               </a:tr>
@@ -32621,7 +39309,7 @@
                 </a:tc>
                 <a:extLst>
                   <a:ext uri="{0D108BD9-81ED-4DB2-BD59-A6C34878D82A}">
-                    <a16:rowId xmlns:a16="http://schemas.microsoft.com/office/drawing/2014/main" val="916853163"/>
+                    <a16:rowId xmlns:a16="http://schemas.microsoft.com/office/drawing/2014/main" xmlns="" val="916853163"/>
                   </a:ext>
                 </a:extLst>
               </a:tr>
@@ -32914,7 +39602,7 @@
                 </a:tc>
                 <a:extLst>
                   <a:ext uri="{0D108BD9-81ED-4DB2-BD59-A6C34878D82A}">
-                    <a16:rowId xmlns:a16="http://schemas.microsoft.com/office/drawing/2014/main" val="450469300"/>
+                    <a16:rowId xmlns:a16="http://schemas.microsoft.com/office/drawing/2014/main" xmlns="" val="450469300"/>
                   </a:ext>
                 </a:extLst>
               </a:tr>
@@ -33204,7 +39892,7 @@
                 </a:tc>
                 <a:extLst>
                   <a:ext uri="{0D108BD9-81ED-4DB2-BD59-A6C34878D82A}">
-                    <a16:rowId xmlns:a16="http://schemas.microsoft.com/office/drawing/2014/main" val="1446302866"/>
+                    <a16:rowId xmlns:a16="http://schemas.microsoft.com/office/drawing/2014/main" xmlns="" val="1446302866"/>
                   </a:ext>
                 </a:extLst>
               </a:tr>
@@ -33494,7 +40182,7 @@
                 </a:tc>
                 <a:extLst>
                   <a:ext uri="{0D108BD9-81ED-4DB2-BD59-A6C34878D82A}">
-                    <a16:rowId xmlns:a16="http://schemas.microsoft.com/office/drawing/2014/main" val="3356487185"/>
+                    <a16:rowId xmlns:a16="http://schemas.microsoft.com/office/drawing/2014/main" xmlns="" val="3356487185"/>
                   </a:ext>
                 </a:extLst>
               </a:tr>
@@ -33784,7 +40472,7 @@
                 </a:tc>
                 <a:extLst>
                   <a:ext uri="{0D108BD9-81ED-4DB2-BD59-A6C34878D82A}">
-                    <a16:rowId xmlns:a16="http://schemas.microsoft.com/office/drawing/2014/main" val="1363140546"/>
+                    <a16:rowId xmlns:a16="http://schemas.microsoft.com/office/drawing/2014/main" xmlns="" val="1363140546"/>
                   </a:ext>
                 </a:extLst>
               </a:tr>
@@ -34077,7 +40765,7 @@
                 </a:tc>
                 <a:extLst>
                   <a:ext uri="{0D108BD9-81ED-4DB2-BD59-A6C34878D82A}">
-                    <a16:rowId xmlns:a16="http://schemas.microsoft.com/office/drawing/2014/main" val="200388350"/>
+                    <a16:rowId xmlns:a16="http://schemas.microsoft.com/office/drawing/2014/main" xmlns="" val="200388350"/>
                   </a:ext>
                 </a:extLst>
               </a:tr>
@@ -34367,7 +41055,7 @@
                 </a:tc>
                 <a:extLst>
                   <a:ext uri="{0D108BD9-81ED-4DB2-BD59-A6C34878D82A}">
-                    <a16:rowId xmlns:a16="http://schemas.microsoft.com/office/drawing/2014/main" val="3248438101"/>
+                    <a16:rowId xmlns:a16="http://schemas.microsoft.com/office/drawing/2014/main" xmlns="" val="3248438101"/>
                   </a:ext>
                 </a:extLst>
               </a:tr>
@@ -34530,7 +41218,7 @@
 </p:sld>
 </file>
 
-<file path=ppt/slides/slide7.xml><?xml version="1.0" encoding="utf-8"?>
+<file path=ppt/slides/slide8.xml><?xml version="1.0" encoding="utf-8"?>
 <p:sld xmlns:a="http://schemas.openxmlformats.org/drawingml/2006/main" xmlns:r="http://schemas.openxmlformats.org/officeDocument/2006/relationships" xmlns:p="http://schemas.openxmlformats.org/presentationml/2006/main">
   <p:cSld>
     <p:spTree>
@@ -34679,7 +41367,7 @@
 </p:sld>
 </file>
 
-<file path=ppt/slides/slide8.xml><?xml version="1.0" encoding="utf-8"?>
+<file path=ppt/slides/slide9.xml><?xml version="1.0" encoding="utf-8"?>
 <p:sld xmlns:a="http://schemas.openxmlformats.org/drawingml/2006/main" xmlns:r="http://schemas.openxmlformats.org/officeDocument/2006/relationships" xmlns:p="http://schemas.openxmlformats.org/presentationml/2006/main">
   <p:cSld>
     <p:spTree>
